--- a/document/opening/论文.pptx
+++ b/document/opening/论文.pptx
@@ -4,6 +4,9 @@
   <p:sldMasterIdLst>
     <p:sldMasterId id="2147483648" r:id="rId1"/>
   </p:sldMasterIdLst>
+  <p:notesMasterIdLst>
+    <p:notesMasterId r:id="rId18"/>
+  </p:notesMasterIdLst>
   <p:sldIdLst>
     <p:sldId id="256" r:id="rId2"/>
     <p:sldId id="257" r:id="rId3"/>
@@ -12,14 +15,15 @@
     <p:sldId id="260" r:id="rId6"/>
     <p:sldId id="259" r:id="rId7"/>
     <p:sldId id="262" r:id="rId8"/>
-    <p:sldId id="263" r:id="rId9"/>
-    <p:sldId id="264" r:id="rId10"/>
-    <p:sldId id="270" r:id="rId11"/>
-    <p:sldId id="269" r:id="rId12"/>
-    <p:sldId id="272" r:id="rId13"/>
-    <p:sldId id="268" r:id="rId14"/>
-    <p:sldId id="265" r:id="rId15"/>
-    <p:sldId id="273" r:id="rId16"/>
+    <p:sldId id="274" r:id="rId9"/>
+    <p:sldId id="263" r:id="rId10"/>
+    <p:sldId id="264" r:id="rId11"/>
+    <p:sldId id="270" r:id="rId12"/>
+    <p:sldId id="269" r:id="rId13"/>
+    <p:sldId id="272" r:id="rId14"/>
+    <p:sldId id="268" r:id="rId15"/>
+    <p:sldId id="265" r:id="rId16"/>
+    <p:sldId id="273" r:id="rId17"/>
   </p:sldIdLst>
   <p:sldSz cx="12192000" cy="6858000"/>
   <p:notesSz cx="6858000" cy="9144000"/>
@@ -137,6 +141,356 @@
 </p:presentation>
 </file>
 
+<file path=ppt/notesMasters/notesMaster1.xml><?xml version="1.0" encoding="utf-8"?>
+<p:notesMaster xmlns:a="http://schemas.openxmlformats.org/drawingml/2006/main" xmlns:r="http://schemas.openxmlformats.org/officeDocument/2006/relationships" xmlns:p="http://schemas.openxmlformats.org/presentationml/2006/main">
+  <p:cSld>
+    <p:bg>
+      <p:bgRef idx="1001">
+        <a:schemeClr val="bg1"/>
+      </p:bgRef>
+    </p:bg>
+    <p:spTree>
+      <p:nvGrpSpPr>
+        <p:cNvPr id="1" name=""/>
+        <p:cNvGrpSpPr/>
+        <p:nvPr/>
+      </p:nvGrpSpPr>
+      <p:grpSpPr>
+        <a:xfrm>
+          <a:off x="0" y="0"/>
+          <a:ext cx="0" cy="0"/>
+          <a:chOff x="0" y="0"/>
+          <a:chExt cx="0" cy="0"/>
+        </a:xfrm>
+      </p:grpSpPr>
+      <p:sp>
+        <p:nvSpPr>
+          <p:cNvPr id="2" name="页眉占位符 1"/>
+          <p:cNvSpPr>
+            <a:spLocks noGrp="1"/>
+          </p:cNvSpPr>
+          <p:nvPr>
+            <p:ph type="hdr" sz="quarter"/>
+          </p:nvPr>
+        </p:nvSpPr>
+        <p:spPr>
+          <a:xfrm>
+            <a:off x="0" y="0"/>
+            <a:ext cx="2971800" cy="458788"/>
+          </a:xfrm>
+          <a:prstGeom prst="rect">
+            <a:avLst/>
+          </a:prstGeom>
+        </p:spPr>
+        <p:txBody>
+          <a:bodyPr vert="horz" lIns="91440" tIns="45720" rIns="91440" bIns="45720" rtlCol="0"/>
+          <a:lstStyle>
+            <a:lvl1pPr algn="l">
+              <a:defRPr sz="1200"/>
+            </a:lvl1pPr>
+          </a:lstStyle>
+          <a:p>
+            <a:endParaRPr kumimoji="1" lang="zh-CN" altLang="en-US"/>
+          </a:p>
+        </p:txBody>
+      </p:sp>
+      <p:sp>
+        <p:nvSpPr>
+          <p:cNvPr id="3" name="日期占位符 2"/>
+          <p:cNvSpPr>
+            <a:spLocks noGrp="1"/>
+          </p:cNvSpPr>
+          <p:nvPr>
+            <p:ph type="dt" idx="1"/>
+          </p:nvPr>
+        </p:nvSpPr>
+        <p:spPr>
+          <a:xfrm>
+            <a:off x="3884613" y="0"/>
+            <a:ext cx="2971800" cy="458788"/>
+          </a:xfrm>
+          <a:prstGeom prst="rect">
+            <a:avLst/>
+          </a:prstGeom>
+        </p:spPr>
+        <p:txBody>
+          <a:bodyPr vert="horz" lIns="91440" tIns="45720" rIns="91440" bIns="45720" rtlCol="0"/>
+          <a:lstStyle>
+            <a:lvl1pPr algn="r">
+              <a:defRPr sz="1200"/>
+            </a:lvl1pPr>
+          </a:lstStyle>
+          <a:p>
+            <a:fld id="{D3747C17-2F7E-7548-B7F0-F5B876E808D5}" type="datetimeFigureOut">
+              <a:rPr kumimoji="1" lang="zh-CN" altLang="en-US" smtClean="0"/>
+              <a:t>2017/11/18</a:t>
+            </a:fld>
+            <a:endParaRPr kumimoji="1" lang="zh-CN" altLang="en-US"/>
+          </a:p>
+        </p:txBody>
+      </p:sp>
+      <p:sp>
+        <p:nvSpPr>
+          <p:cNvPr id="4" name="幻灯片图像占位符 3"/>
+          <p:cNvSpPr>
+            <a:spLocks noGrp="1" noRot="1" noChangeAspect="1"/>
+          </p:cNvSpPr>
+          <p:nvPr>
+            <p:ph type="sldImg" idx="2"/>
+          </p:nvPr>
+        </p:nvSpPr>
+        <p:spPr>
+          <a:xfrm>
+            <a:off x="685800" y="1143000"/>
+            <a:ext cx="5486400" cy="3086100"/>
+          </a:xfrm>
+          <a:prstGeom prst="rect">
+            <a:avLst/>
+          </a:prstGeom>
+          <a:noFill/>
+          <a:ln w="12700">
+            <a:solidFill>
+              <a:prstClr val="black"/>
+            </a:solidFill>
+          </a:ln>
+        </p:spPr>
+        <p:txBody>
+          <a:bodyPr vert="horz" lIns="91440" tIns="45720" rIns="91440" bIns="45720" rtlCol="0" anchor="ctr"/>
+          <a:lstStyle/>
+          <a:p>
+            <a:endParaRPr lang="zh-CN" altLang="en-US"/>
+          </a:p>
+        </p:txBody>
+      </p:sp>
+      <p:sp>
+        <p:nvSpPr>
+          <p:cNvPr id="5" name="备注占位符 4"/>
+          <p:cNvSpPr>
+            <a:spLocks noGrp="1"/>
+          </p:cNvSpPr>
+          <p:nvPr>
+            <p:ph type="body" sz="quarter" idx="3"/>
+          </p:nvPr>
+        </p:nvSpPr>
+        <p:spPr>
+          <a:xfrm>
+            <a:off x="685800" y="4400550"/>
+            <a:ext cx="5486400" cy="3600450"/>
+          </a:xfrm>
+          <a:prstGeom prst="rect">
+            <a:avLst/>
+          </a:prstGeom>
+        </p:spPr>
+        <p:txBody>
+          <a:bodyPr vert="horz" lIns="91440" tIns="45720" rIns="91440" bIns="45720" rtlCol="0"/>
+          <a:lstStyle/>
+          <a:p>
+            <a:pPr lvl="0"/>
+            <a:r>
+              <a:rPr kumimoji="1" lang="zh-CN" altLang="en-US" smtClean="0"/>
+              <a:t>单击此处编辑母版文本样式</a:t>
+            </a:r>
+          </a:p>
+          <a:p>
+            <a:pPr lvl="1"/>
+            <a:r>
+              <a:rPr kumimoji="1" lang="zh-CN" altLang="en-US" smtClean="0"/>
+              <a:t>二级</a:t>
+            </a:r>
+          </a:p>
+          <a:p>
+            <a:pPr lvl="2"/>
+            <a:r>
+              <a:rPr kumimoji="1" lang="zh-CN" altLang="en-US" smtClean="0"/>
+              <a:t>三级</a:t>
+            </a:r>
+          </a:p>
+          <a:p>
+            <a:pPr lvl="3"/>
+            <a:r>
+              <a:rPr kumimoji="1" lang="zh-CN" altLang="en-US" smtClean="0"/>
+              <a:t>四级</a:t>
+            </a:r>
+          </a:p>
+          <a:p>
+            <a:pPr lvl="4"/>
+            <a:r>
+              <a:rPr kumimoji="1" lang="zh-CN" altLang="en-US" smtClean="0"/>
+              <a:t>五级</a:t>
+            </a:r>
+            <a:endParaRPr kumimoji="1" lang="zh-CN" altLang="en-US"/>
+          </a:p>
+        </p:txBody>
+      </p:sp>
+      <p:sp>
+        <p:nvSpPr>
+          <p:cNvPr id="6" name="页脚占位符 5"/>
+          <p:cNvSpPr>
+            <a:spLocks noGrp="1"/>
+          </p:cNvSpPr>
+          <p:nvPr>
+            <p:ph type="ftr" sz="quarter" idx="4"/>
+          </p:nvPr>
+        </p:nvSpPr>
+        <p:spPr>
+          <a:xfrm>
+            <a:off x="0" y="8685213"/>
+            <a:ext cx="2971800" cy="458787"/>
+          </a:xfrm>
+          <a:prstGeom prst="rect">
+            <a:avLst/>
+          </a:prstGeom>
+        </p:spPr>
+        <p:txBody>
+          <a:bodyPr vert="horz" lIns="91440" tIns="45720" rIns="91440" bIns="45720" rtlCol="0" anchor="b"/>
+          <a:lstStyle>
+            <a:lvl1pPr algn="l">
+              <a:defRPr sz="1200"/>
+            </a:lvl1pPr>
+          </a:lstStyle>
+          <a:p>
+            <a:endParaRPr kumimoji="1" lang="zh-CN" altLang="en-US"/>
+          </a:p>
+        </p:txBody>
+      </p:sp>
+      <p:sp>
+        <p:nvSpPr>
+          <p:cNvPr id="7" name="幻灯片编号占位符 6"/>
+          <p:cNvSpPr>
+            <a:spLocks noGrp="1"/>
+          </p:cNvSpPr>
+          <p:nvPr>
+            <p:ph type="sldNum" sz="quarter" idx="5"/>
+          </p:nvPr>
+        </p:nvSpPr>
+        <p:spPr>
+          <a:xfrm>
+            <a:off x="3884613" y="8685213"/>
+            <a:ext cx="2971800" cy="458787"/>
+          </a:xfrm>
+          <a:prstGeom prst="rect">
+            <a:avLst/>
+          </a:prstGeom>
+        </p:spPr>
+        <p:txBody>
+          <a:bodyPr vert="horz" lIns="91440" tIns="45720" rIns="91440" bIns="45720" rtlCol="0" anchor="b"/>
+          <a:lstStyle>
+            <a:lvl1pPr algn="r">
+              <a:defRPr sz="1200"/>
+            </a:lvl1pPr>
+          </a:lstStyle>
+          <a:p>
+            <a:fld id="{462B991D-1A39-3540-9A68-A9BA587CA9E5}" type="slidenum">
+              <a:rPr kumimoji="1" lang="zh-CN" altLang="en-US" smtClean="0"/>
+              <a:t>‹#›</a:t>
+            </a:fld>
+            <a:endParaRPr kumimoji="1" lang="zh-CN" altLang="en-US"/>
+          </a:p>
+        </p:txBody>
+      </p:sp>
+    </p:spTree>
+    <p:extLst>
+      <p:ext uri="{BB962C8B-B14F-4D97-AF65-F5344CB8AC3E}">
+        <p14:creationId xmlns:p14="http://schemas.microsoft.com/office/powerpoint/2010/main" val="623525647"/>
+      </p:ext>
+    </p:extLst>
+  </p:cSld>
+  <p:clrMap bg1="lt1" tx1="dk1" bg2="lt2" tx2="dk2" accent1="accent1" accent2="accent2" accent3="accent3" accent4="accent4" accent5="accent5" accent6="accent6" hlink="hlink" folHlink="folHlink"/>
+  <p:notesStyle>
+    <a:lvl1pPr marL="0" algn="l" defTabSz="914400" rtl="0" eaLnBrk="1" latinLnBrk="0" hangingPunct="1">
+      <a:defRPr sz="1200" kern="1200">
+        <a:solidFill>
+          <a:schemeClr val="tx1"/>
+        </a:solidFill>
+        <a:latin typeface="+mn-lt"/>
+        <a:ea typeface="+mn-ea"/>
+        <a:cs typeface="+mn-cs"/>
+      </a:defRPr>
+    </a:lvl1pPr>
+    <a:lvl2pPr marL="457200" algn="l" defTabSz="914400" rtl="0" eaLnBrk="1" latinLnBrk="0" hangingPunct="1">
+      <a:defRPr sz="1200" kern="1200">
+        <a:solidFill>
+          <a:schemeClr val="tx1"/>
+        </a:solidFill>
+        <a:latin typeface="+mn-lt"/>
+        <a:ea typeface="+mn-ea"/>
+        <a:cs typeface="+mn-cs"/>
+      </a:defRPr>
+    </a:lvl2pPr>
+    <a:lvl3pPr marL="914400" algn="l" defTabSz="914400" rtl="0" eaLnBrk="1" latinLnBrk="0" hangingPunct="1">
+      <a:defRPr sz="1200" kern="1200">
+        <a:solidFill>
+          <a:schemeClr val="tx1"/>
+        </a:solidFill>
+        <a:latin typeface="+mn-lt"/>
+        <a:ea typeface="+mn-ea"/>
+        <a:cs typeface="+mn-cs"/>
+      </a:defRPr>
+    </a:lvl3pPr>
+    <a:lvl4pPr marL="1371600" algn="l" defTabSz="914400" rtl="0" eaLnBrk="1" latinLnBrk="0" hangingPunct="1">
+      <a:defRPr sz="1200" kern="1200">
+        <a:solidFill>
+          <a:schemeClr val="tx1"/>
+        </a:solidFill>
+        <a:latin typeface="+mn-lt"/>
+        <a:ea typeface="+mn-ea"/>
+        <a:cs typeface="+mn-cs"/>
+      </a:defRPr>
+    </a:lvl4pPr>
+    <a:lvl5pPr marL="1828800" algn="l" defTabSz="914400" rtl="0" eaLnBrk="1" latinLnBrk="0" hangingPunct="1">
+      <a:defRPr sz="1200" kern="1200">
+        <a:solidFill>
+          <a:schemeClr val="tx1"/>
+        </a:solidFill>
+        <a:latin typeface="+mn-lt"/>
+        <a:ea typeface="+mn-ea"/>
+        <a:cs typeface="+mn-cs"/>
+      </a:defRPr>
+    </a:lvl5pPr>
+    <a:lvl6pPr marL="2286000" algn="l" defTabSz="914400" rtl="0" eaLnBrk="1" latinLnBrk="0" hangingPunct="1">
+      <a:defRPr sz="1200" kern="1200">
+        <a:solidFill>
+          <a:schemeClr val="tx1"/>
+        </a:solidFill>
+        <a:latin typeface="+mn-lt"/>
+        <a:ea typeface="+mn-ea"/>
+        <a:cs typeface="+mn-cs"/>
+      </a:defRPr>
+    </a:lvl6pPr>
+    <a:lvl7pPr marL="2743200" algn="l" defTabSz="914400" rtl="0" eaLnBrk="1" latinLnBrk="0" hangingPunct="1">
+      <a:defRPr sz="1200" kern="1200">
+        <a:solidFill>
+          <a:schemeClr val="tx1"/>
+        </a:solidFill>
+        <a:latin typeface="+mn-lt"/>
+        <a:ea typeface="+mn-ea"/>
+        <a:cs typeface="+mn-cs"/>
+      </a:defRPr>
+    </a:lvl7pPr>
+    <a:lvl8pPr marL="3200400" algn="l" defTabSz="914400" rtl="0" eaLnBrk="1" latinLnBrk="0" hangingPunct="1">
+      <a:defRPr sz="1200" kern="1200">
+        <a:solidFill>
+          <a:schemeClr val="tx1"/>
+        </a:solidFill>
+        <a:latin typeface="+mn-lt"/>
+        <a:ea typeface="+mn-ea"/>
+        <a:cs typeface="+mn-cs"/>
+      </a:defRPr>
+    </a:lvl8pPr>
+    <a:lvl9pPr marL="3657600" algn="l" defTabSz="914400" rtl="0" eaLnBrk="1" latinLnBrk="0" hangingPunct="1">
+      <a:defRPr sz="1200" kern="1200">
+        <a:solidFill>
+          <a:schemeClr val="tx1"/>
+        </a:solidFill>
+        <a:latin typeface="+mn-lt"/>
+        <a:ea typeface="+mn-ea"/>
+        <a:cs typeface="+mn-cs"/>
+      </a:defRPr>
+    </a:lvl9pPr>
+  </p:notesStyle>
+</p:notesMaster>
+</file>
+
 <file path=ppt/slideLayouts/slideLayout1.xml><?xml version="1.0" encoding="utf-8"?>
 <p:sldLayout xmlns:a="http://schemas.openxmlformats.org/drawingml/2006/main" xmlns:r="http://schemas.openxmlformats.org/officeDocument/2006/relationships" xmlns:p="http://schemas.openxmlformats.org/presentationml/2006/main" type="title" preserve="1">
   <p:cSld name="标题幻灯片">
@@ -268,7 +622,7 @@
           <a:p>
             <a:fld id="{D54C59BB-9201-4340-B10C-D0D0646F1CAE}" type="datetimeFigureOut">
               <a:rPr lang="zh-CN" altLang="en-US" smtClean="0"/>
-              <a:t>2017/11/15</a:t>
+              <a:t>2017/11/18</a:t>
             </a:fld>
             <a:endParaRPr lang="zh-CN" altLang="en-US"/>
           </a:p>
@@ -438,7 +792,7 @@
           <a:p>
             <a:fld id="{D54C59BB-9201-4340-B10C-D0D0646F1CAE}" type="datetimeFigureOut">
               <a:rPr lang="zh-CN" altLang="en-US" smtClean="0"/>
-              <a:t>2017/11/15</a:t>
+              <a:t>2017/11/18</a:t>
             </a:fld>
             <a:endParaRPr lang="zh-CN" altLang="en-US"/>
           </a:p>
@@ -618,7 +972,7 @@
           <a:p>
             <a:fld id="{D54C59BB-9201-4340-B10C-D0D0646F1CAE}" type="datetimeFigureOut">
               <a:rPr lang="zh-CN" altLang="en-US" smtClean="0"/>
-              <a:t>2017/11/15</a:t>
+              <a:t>2017/11/18</a:t>
             </a:fld>
             <a:endParaRPr lang="zh-CN" altLang="en-US"/>
           </a:p>
@@ -788,7 +1142,7 @@
           <a:p>
             <a:fld id="{D54C59BB-9201-4340-B10C-D0D0646F1CAE}" type="datetimeFigureOut">
               <a:rPr lang="zh-CN" altLang="en-US" smtClean="0"/>
-              <a:t>2017/11/15</a:t>
+              <a:t>2017/11/18</a:t>
             </a:fld>
             <a:endParaRPr lang="zh-CN" altLang="en-US"/>
           </a:p>
@@ -1034,7 +1388,7 @@
           <a:p>
             <a:fld id="{D54C59BB-9201-4340-B10C-D0D0646F1CAE}" type="datetimeFigureOut">
               <a:rPr lang="zh-CN" altLang="en-US" smtClean="0"/>
-              <a:t>2017/11/15</a:t>
+              <a:t>2017/11/18</a:t>
             </a:fld>
             <a:endParaRPr lang="zh-CN" altLang="en-US"/>
           </a:p>
@@ -1266,7 +1620,7 @@
           <a:p>
             <a:fld id="{D54C59BB-9201-4340-B10C-D0D0646F1CAE}" type="datetimeFigureOut">
               <a:rPr lang="zh-CN" altLang="en-US" smtClean="0"/>
-              <a:t>2017/11/15</a:t>
+              <a:t>2017/11/18</a:t>
             </a:fld>
             <a:endParaRPr lang="zh-CN" altLang="en-US"/>
           </a:p>
@@ -1633,7 +1987,7 @@
           <a:p>
             <a:fld id="{D54C59BB-9201-4340-B10C-D0D0646F1CAE}" type="datetimeFigureOut">
               <a:rPr lang="zh-CN" altLang="en-US" smtClean="0"/>
-              <a:t>2017/11/15</a:t>
+              <a:t>2017/11/18</a:t>
             </a:fld>
             <a:endParaRPr lang="zh-CN" altLang="en-US"/>
           </a:p>
@@ -1751,7 +2105,7 @@
           <a:p>
             <a:fld id="{D54C59BB-9201-4340-B10C-D0D0646F1CAE}" type="datetimeFigureOut">
               <a:rPr lang="zh-CN" altLang="en-US" smtClean="0"/>
-              <a:t>2017/11/15</a:t>
+              <a:t>2017/11/18</a:t>
             </a:fld>
             <a:endParaRPr lang="zh-CN" altLang="en-US"/>
           </a:p>
@@ -1846,7 +2200,7 @@
           <a:p>
             <a:fld id="{D54C59BB-9201-4340-B10C-D0D0646F1CAE}" type="datetimeFigureOut">
               <a:rPr lang="zh-CN" altLang="en-US" smtClean="0"/>
-              <a:t>2017/11/15</a:t>
+              <a:t>2017/11/18</a:t>
             </a:fld>
             <a:endParaRPr lang="zh-CN" altLang="en-US"/>
           </a:p>
@@ -2123,7 +2477,7 @@
           <a:p>
             <a:fld id="{D54C59BB-9201-4340-B10C-D0D0646F1CAE}" type="datetimeFigureOut">
               <a:rPr lang="zh-CN" altLang="en-US" smtClean="0"/>
-              <a:t>2017/11/15</a:t>
+              <a:t>2017/11/18</a:t>
             </a:fld>
             <a:endParaRPr lang="zh-CN" altLang="en-US"/>
           </a:p>
@@ -2376,7 +2730,7 @@
           <a:p>
             <a:fld id="{D54C59BB-9201-4340-B10C-D0D0646F1CAE}" type="datetimeFigureOut">
               <a:rPr lang="zh-CN" altLang="en-US" smtClean="0"/>
-              <a:t>2017/11/15</a:t>
+              <a:t>2017/11/18</a:t>
             </a:fld>
             <a:endParaRPr lang="zh-CN" altLang="en-US"/>
           </a:p>
@@ -2589,7 +2943,7 @@
           <a:p>
             <a:fld id="{D54C59BB-9201-4340-B10C-D0D0646F1CAE}" type="datetimeFigureOut">
               <a:rPr lang="zh-CN" altLang="en-US" smtClean="0"/>
-              <a:t>2017/11/15</a:t>
+              <a:t>2017/11/18</a:t>
             </a:fld>
             <a:endParaRPr lang="zh-CN" altLang="en-US"/>
           </a:p>
@@ -3002,8 +3356,8 @@
         </p:nvSpPr>
         <p:spPr>
           <a:xfrm>
-            <a:off x="845819" y="-50014"/>
-            <a:ext cx="10584555" cy="6908014"/>
+            <a:off x="845819" y="0"/>
+            <a:ext cx="10584555" cy="6858000"/>
           </a:xfrm>
           <a:prstGeom prst="roundRect">
             <a:avLst>
@@ -3050,8 +3404,8 @@
         </p:nvSpPr>
         <p:spPr>
           <a:xfrm>
-            <a:off x="1429013" y="807276"/>
-            <a:ext cx="9205337" cy="1569660"/>
+            <a:off x="1282642" y="825612"/>
+            <a:ext cx="9710907" cy="1569660"/>
           </a:xfrm>
           <a:prstGeom prst="rect">
             <a:avLst/>
@@ -3091,17 +3445,6 @@
               <a:t>Stock </a:t>
             </a:r>
             <a:r>
-              <a:rPr lang="en-US" altLang="zh-CN" sz="3200" b="1" dirty="0">
-                <a:solidFill>
-                  <a:schemeClr val="bg1"/>
-                </a:solidFill>
-                <a:latin typeface="Consolas" charset="0"/>
-                <a:ea typeface="Consolas" charset="0"/>
-                <a:cs typeface="Consolas" charset="0"/>
-              </a:rPr>
-              <a:t>F</a:t>
-            </a:r>
-            <a:r>
               <a:rPr lang="en-US" altLang="zh-CN" sz="3200" b="1" dirty="0" smtClean="0">
                 <a:solidFill>
                   <a:schemeClr val="bg1"/>
@@ -3110,7 +3453,18 @@
                 <a:ea typeface="Consolas" charset="0"/>
                 <a:cs typeface="Consolas" charset="0"/>
               </a:rPr>
-              <a:t>orecasting System </a:t>
+              <a:t>Forecast </a:t>
+            </a:r>
+            <a:r>
+              <a:rPr lang="en-US" altLang="zh-CN" sz="3200" b="1" dirty="0" smtClean="0">
+                <a:solidFill>
+                  <a:schemeClr val="bg1"/>
+                </a:solidFill>
+                <a:latin typeface="Consolas" charset="0"/>
+                <a:ea typeface="Consolas" charset="0"/>
+                <a:cs typeface="Consolas" charset="0"/>
+              </a:rPr>
+              <a:t>System </a:t>
             </a:r>
           </a:p>
           <a:p>
@@ -4071,7 +4425,7 @@
         <p:spPr>
           <a:xfrm>
             <a:off x="1828800" y="2376936"/>
-            <a:ext cx="8805550" cy="481863"/>
+            <a:ext cx="8805550" cy="553998"/>
           </a:xfrm>
           <a:prstGeom prst="rect">
             <a:avLst/>
@@ -4097,7 +4451,27 @@
                 <a:latin typeface="宋体" panose="02010600030101010101" pitchFamily="2" charset="-122"/>
                 <a:ea typeface="宋体" panose="02010600030101010101" pitchFamily="2" charset="-122"/>
               </a:rPr>
-              <a:t>基于实时分布式的股票预测系统的设计与实现</a:t>
+              <a:t>基于实时</a:t>
+            </a:r>
+            <a:r>
+              <a:rPr kumimoji="1" lang="zh-CN" altLang="en-US" sz="2000" b="1" spc="300" dirty="0" smtClean="0">
+                <a:solidFill>
+                  <a:schemeClr val="bg1"/>
+                </a:solidFill>
+                <a:latin typeface="宋体" panose="02010600030101010101" pitchFamily="2" charset="-122"/>
+                <a:ea typeface="宋体" panose="02010600030101010101" pitchFamily="2" charset="-122"/>
+              </a:rPr>
+              <a:t>分布式计算的</a:t>
+            </a:r>
+            <a:r>
+              <a:rPr kumimoji="1" lang="zh-CN" altLang="en-US" sz="2000" b="1" spc="300" dirty="0" smtClean="0">
+                <a:solidFill>
+                  <a:schemeClr val="bg1"/>
+                </a:solidFill>
+                <a:latin typeface="宋体" panose="02010600030101010101" pitchFamily="2" charset="-122"/>
+                <a:ea typeface="宋体" panose="02010600030101010101" pitchFamily="2" charset="-122"/>
+              </a:rPr>
+              <a:t>股票预测系统的设计与实现</a:t>
             </a:r>
             <a:endParaRPr kumimoji="1" lang="zh-CN" altLang="en-US" sz="2000" b="1" spc="300" dirty="0">
               <a:solidFill>
@@ -4142,6 +4516,1071 @@
 </file>
 
 <file path=ppt/slides/slide10.xml><?xml version="1.0" encoding="utf-8"?>
+<p:sld xmlns:a="http://schemas.openxmlformats.org/drawingml/2006/main" xmlns:r="http://schemas.openxmlformats.org/officeDocument/2006/relationships" xmlns:p="http://schemas.openxmlformats.org/presentationml/2006/main">
+  <p:cSld>
+    <p:spTree>
+      <p:nvGrpSpPr>
+        <p:cNvPr id="1" name=""/>
+        <p:cNvGrpSpPr/>
+        <p:nvPr/>
+      </p:nvGrpSpPr>
+      <p:grpSpPr>
+        <a:xfrm>
+          <a:off x="0" y="0"/>
+          <a:ext cx="0" cy="0"/>
+          <a:chOff x="0" y="0"/>
+          <a:chExt cx="0" cy="0"/>
+        </a:xfrm>
+      </p:grpSpPr>
+      <p:sp>
+        <p:nvSpPr>
+          <p:cNvPr id="26" name="矩形 25"/>
+          <p:cNvSpPr/>
+          <p:nvPr/>
+        </p:nvSpPr>
+        <p:spPr>
+          <a:xfrm>
+            <a:off x="8258540" y="1434845"/>
+            <a:ext cx="3756374" cy="5053041"/>
+          </a:xfrm>
+          <a:prstGeom prst="rect">
+            <a:avLst/>
+          </a:prstGeom>
+          <a:solidFill>
+            <a:schemeClr val="bg1">
+              <a:lumMod val="95000"/>
+            </a:schemeClr>
+          </a:solidFill>
+          <a:ln>
+            <a:noFill/>
+          </a:ln>
+        </p:spPr>
+        <p:style>
+          <a:lnRef idx="2">
+            <a:schemeClr val="accent1">
+              <a:shade val="50000"/>
+            </a:schemeClr>
+          </a:lnRef>
+          <a:fillRef idx="1">
+            <a:schemeClr val="accent1"/>
+          </a:fillRef>
+          <a:effectRef idx="0">
+            <a:schemeClr val="accent1"/>
+          </a:effectRef>
+          <a:fontRef idx="minor">
+            <a:schemeClr val="lt1"/>
+          </a:fontRef>
+        </p:style>
+        <p:txBody>
+          <a:bodyPr rtlCol="0" anchor="ctr"/>
+          <a:lstStyle/>
+          <a:p>
+            <a:pPr algn="ctr"/>
+            <a:endParaRPr lang="zh-CN" altLang="en-US"/>
+          </a:p>
+        </p:txBody>
+      </p:sp>
+      <p:sp>
+        <p:nvSpPr>
+          <p:cNvPr id="25" name="矩形 24"/>
+          <p:cNvSpPr/>
+          <p:nvPr/>
+        </p:nvSpPr>
+        <p:spPr>
+          <a:xfrm>
+            <a:off x="4444524" y="1434845"/>
+            <a:ext cx="3495899" cy="5053041"/>
+          </a:xfrm>
+          <a:prstGeom prst="rect">
+            <a:avLst/>
+          </a:prstGeom>
+          <a:solidFill>
+            <a:schemeClr val="bg1">
+              <a:lumMod val="95000"/>
+            </a:schemeClr>
+          </a:solidFill>
+          <a:ln>
+            <a:noFill/>
+          </a:ln>
+        </p:spPr>
+        <p:style>
+          <a:lnRef idx="2">
+            <a:schemeClr val="accent1">
+              <a:shade val="50000"/>
+            </a:schemeClr>
+          </a:lnRef>
+          <a:fillRef idx="1">
+            <a:schemeClr val="accent1"/>
+          </a:fillRef>
+          <a:effectRef idx="0">
+            <a:schemeClr val="accent1"/>
+          </a:effectRef>
+          <a:fontRef idx="minor">
+            <a:schemeClr val="lt1"/>
+          </a:fontRef>
+        </p:style>
+        <p:txBody>
+          <a:bodyPr rtlCol="0" anchor="ctr"/>
+          <a:lstStyle/>
+          <a:p>
+            <a:pPr algn="ctr"/>
+            <a:endParaRPr lang="zh-CN" altLang="en-US"/>
+          </a:p>
+        </p:txBody>
+      </p:sp>
+      <p:sp>
+        <p:nvSpPr>
+          <p:cNvPr id="24" name="矩形 23"/>
+          <p:cNvSpPr/>
+          <p:nvPr/>
+        </p:nvSpPr>
+        <p:spPr>
+          <a:xfrm>
+            <a:off x="649154" y="1434845"/>
+            <a:ext cx="3495899" cy="5053041"/>
+          </a:xfrm>
+          <a:prstGeom prst="rect">
+            <a:avLst/>
+          </a:prstGeom>
+          <a:solidFill>
+            <a:schemeClr val="bg1">
+              <a:lumMod val="95000"/>
+            </a:schemeClr>
+          </a:solidFill>
+          <a:ln>
+            <a:noFill/>
+          </a:ln>
+        </p:spPr>
+        <p:style>
+          <a:lnRef idx="2">
+            <a:schemeClr val="accent1">
+              <a:shade val="50000"/>
+            </a:schemeClr>
+          </a:lnRef>
+          <a:fillRef idx="1">
+            <a:schemeClr val="accent1"/>
+          </a:fillRef>
+          <a:effectRef idx="0">
+            <a:schemeClr val="accent1"/>
+          </a:effectRef>
+          <a:fontRef idx="minor">
+            <a:schemeClr val="lt1"/>
+          </a:fontRef>
+        </p:style>
+        <p:txBody>
+          <a:bodyPr rtlCol="0" anchor="ctr"/>
+          <a:lstStyle/>
+          <a:p>
+            <a:pPr algn="ctr"/>
+            <a:endParaRPr lang="zh-CN" altLang="en-US"/>
+          </a:p>
+        </p:txBody>
+      </p:sp>
+      <p:grpSp>
+        <p:nvGrpSpPr>
+          <p:cNvPr id="2" name="组合 1"/>
+          <p:cNvGrpSpPr/>
+          <p:nvPr/>
+        </p:nvGrpSpPr>
+        <p:grpSpPr>
+          <a:xfrm>
+            <a:off x="553790" y="167425"/>
+            <a:ext cx="11461124" cy="875764"/>
+            <a:chOff x="553790" y="167425"/>
+            <a:chExt cx="11461124" cy="875764"/>
+          </a:xfrm>
+        </p:grpSpPr>
+        <p:sp>
+          <p:nvSpPr>
+            <p:cNvPr id="3" name="文本框 2"/>
+            <p:cNvSpPr txBox="1"/>
+            <p:nvPr/>
+          </p:nvSpPr>
+          <p:spPr>
+            <a:xfrm>
+              <a:off x="553790" y="373487"/>
+              <a:ext cx="4340182" cy="461665"/>
+            </a:xfrm>
+            <a:prstGeom prst="rect">
+              <a:avLst/>
+            </a:prstGeom>
+            <a:noFill/>
+          </p:spPr>
+          <p:txBody>
+            <a:bodyPr wrap="square" rtlCol="0">
+              <a:spAutoFit/>
+            </a:bodyPr>
+            <a:lstStyle/>
+            <a:p>
+              <a:r>
+                <a:rPr lang="zh-CN" altLang="en-US" sz="2400" b="1" dirty="0">
+                  <a:solidFill>
+                    <a:schemeClr val="tx1">
+                      <a:lumMod val="75000"/>
+                      <a:lumOff val="25000"/>
+                    </a:schemeClr>
+                  </a:solidFill>
+                  <a:latin typeface="宋体" panose="02010600030101010101" pitchFamily="2" charset="-122"/>
+                  <a:ea typeface="宋体" panose="02010600030101010101" pitchFamily="2" charset="-122"/>
+                </a:rPr>
+                <a:t>研究</a:t>
+              </a:r>
+              <a:r>
+                <a:rPr lang="zh-CN" altLang="en-US" sz="2400" b="1" dirty="0" smtClean="0">
+                  <a:solidFill>
+                    <a:schemeClr val="tx1">
+                      <a:lumMod val="75000"/>
+                      <a:lumOff val="25000"/>
+                    </a:schemeClr>
+                  </a:solidFill>
+                  <a:latin typeface="宋体" panose="02010600030101010101" pitchFamily="2" charset="-122"/>
+                </a:rPr>
+                <a:t>内容</a:t>
+              </a:r>
+              <a:r>
+                <a:rPr lang="en-US" altLang="zh-CN" sz="2400" dirty="0" smtClean="0">
+                  <a:solidFill>
+                    <a:schemeClr val="tx1">
+                      <a:lumMod val="75000"/>
+                      <a:lumOff val="25000"/>
+                    </a:schemeClr>
+                  </a:solidFill>
+                  <a:latin typeface="宋体" panose="02010600030101010101" pitchFamily="2" charset="-122"/>
+                </a:rPr>
+                <a:t>——</a:t>
+              </a:r>
+              <a:r>
+                <a:rPr lang="zh-CN" altLang="en-US" sz="2000" dirty="0">
+                  <a:solidFill>
+                    <a:schemeClr val="tx1">
+                      <a:lumMod val="75000"/>
+                      <a:lumOff val="25000"/>
+                    </a:schemeClr>
+                  </a:solidFill>
+                  <a:latin typeface="华文楷体" panose="02010600040101010101" pitchFamily="2" charset="-122"/>
+                  <a:ea typeface="华文楷体" panose="02010600040101010101" pitchFamily="2" charset="-122"/>
+                </a:rPr>
+                <a:t>系统流水线上的组件</a:t>
+              </a:r>
+            </a:p>
+          </p:txBody>
+        </p:sp>
+        <p:sp>
+          <p:nvSpPr>
+            <p:cNvPr id="4" name="矩形 3"/>
+            <p:cNvSpPr/>
+            <p:nvPr/>
+          </p:nvSpPr>
+          <p:spPr>
+            <a:xfrm>
+              <a:off x="669701" y="951062"/>
+              <a:ext cx="502276" cy="92127"/>
+            </a:xfrm>
+            <a:prstGeom prst="rect">
+              <a:avLst/>
+            </a:prstGeom>
+            <a:solidFill>
+              <a:srgbClr val="5284A1"/>
+            </a:solidFill>
+            <a:ln>
+              <a:noFill/>
+            </a:ln>
+          </p:spPr>
+          <p:style>
+            <a:lnRef idx="2">
+              <a:schemeClr val="accent1">
+                <a:shade val="50000"/>
+              </a:schemeClr>
+            </a:lnRef>
+            <a:fillRef idx="1">
+              <a:schemeClr val="accent1"/>
+            </a:fillRef>
+            <a:effectRef idx="0">
+              <a:schemeClr val="accent1"/>
+            </a:effectRef>
+            <a:fontRef idx="minor">
+              <a:schemeClr val="lt1"/>
+            </a:fontRef>
+          </p:style>
+          <p:txBody>
+            <a:bodyPr rtlCol="0" anchor="ctr"/>
+            <a:lstStyle/>
+            <a:p>
+              <a:pPr algn="ctr"/>
+              <a:endParaRPr lang="zh-CN" altLang="en-US"/>
+            </a:p>
+          </p:txBody>
+        </p:sp>
+        <p:pic>
+          <p:nvPicPr>
+            <p:cNvPr id="5" name="图片 4"/>
+            <p:cNvPicPr>
+              <a:picLocks noChangeAspect="1"/>
+            </p:cNvPicPr>
+            <p:nvPr/>
+          </p:nvPicPr>
+          <p:blipFill>
+            <a:blip r:embed="rId2" cstate="print">
+              <a:extLst>
+                <a:ext uri="{28A0092B-C50C-407E-A947-70E740481C1C}">
+                  <a14:useLocalDpi xmlns:a14="http://schemas.microsoft.com/office/drawing/2010/main" val="0"/>
+                </a:ext>
+              </a:extLst>
+            </a:blip>
+            <a:stretch>
+              <a:fillRect/>
+            </a:stretch>
+          </p:blipFill>
+          <p:spPr>
+            <a:xfrm>
+              <a:off x="11441804" y="167425"/>
+              <a:ext cx="573110" cy="573110"/>
+            </a:xfrm>
+            <a:prstGeom prst="rect">
+              <a:avLst/>
+            </a:prstGeom>
+          </p:spPr>
+        </p:pic>
+      </p:grpSp>
+      <p:grpSp>
+        <p:nvGrpSpPr>
+          <p:cNvPr id="13" name="组合 12"/>
+          <p:cNvGrpSpPr/>
+          <p:nvPr/>
+        </p:nvGrpSpPr>
+        <p:grpSpPr>
+          <a:xfrm>
+            <a:off x="948625" y="1645102"/>
+            <a:ext cx="2339765" cy="369332"/>
+            <a:chOff x="1147941" y="1729718"/>
+            <a:chExt cx="2339765" cy="369332"/>
+          </a:xfrm>
+        </p:grpSpPr>
+        <p:sp>
+          <p:nvSpPr>
+            <p:cNvPr id="7" name="矩形 6"/>
+            <p:cNvSpPr/>
+            <p:nvPr/>
+          </p:nvSpPr>
+          <p:spPr>
+            <a:xfrm>
+              <a:off x="1147941" y="1771046"/>
+              <a:ext cx="227264" cy="227264"/>
+            </a:xfrm>
+            <a:prstGeom prst="rect">
+              <a:avLst/>
+            </a:prstGeom>
+            <a:solidFill>
+              <a:srgbClr val="5284A1"/>
+            </a:solidFill>
+            <a:ln>
+              <a:noFill/>
+            </a:ln>
+          </p:spPr>
+          <p:style>
+            <a:lnRef idx="2">
+              <a:schemeClr val="accent1">
+                <a:shade val="50000"/>
+              </a:schemeClr>
+            </a:lnRef>
+            <a:fillRef idx="1">
+              <a:schemeClr val="accent1"/>
+            </a:fillRef>
+            <a:effectRef idx="0">
+              <a:schemeClr val="accent1"/>
+            </a:effectRef>
+            <a:fontRef idx="minor">
+              <a:schemeClr val="lt1"/>
+            </a:fontRef>
+          </p:style>
+          <p:txBody>
+            <a:bodyPr rtlCol="0" anchor="ctr"/>
+            <a:lstStyle/>
+            <a:p>
+              <a:pPr algn="ctr"/>
+              <a:r>
+                <a:rPr lang="en-US" altLang="zh-CN" sz="1400" b="1" dirty="0" smtClean="0">
+                  <a:latin typeface="微软雅黑" panose="020B0503020204020204" pitchFamily="34" charset="-122"/>
+                  <a:ea typeface="微软雅黑" panose="020B0503020204020204" pitchFamily="34" charset="-122"/>
+                </a:rPr>
+                <a:t>1</a:t>
+              </a:r>
+              <a:endParaRPr lang="zh-CN" altLang="en-US" sz="1400" b="1" dirty="0">
+                <a:latin typeface="微软雅黑" panose="020B0503020204020204" pitchFamily="34" charset="-122"/>
+                <a:ea typeface="微软雅黑" panose="020B0503020204020204" pitchFamily="34" charset="-122"/>
+              </a:endParaRPr>
+            </a:p>
+          </p:txBody>
+        </p:sp>
+        <p:sp>
+          <p:nvSpPr>
+            <p:cNvPr id="8" name="矩形 7"/>
+            <p:cNvSpPr/>
+            <p:nvPr/>
+          </p:nvSpPr>
+          <p:spPr>
+            <a:xfrm>
+              <a:off x="1375205" y="1729718"/>
+              <a:ext cx="2112501" cy="369332"/>
+            </a:xfrm>
+            <a:prstGeom prst="rect">
+              <a:avLst/>
+            </a:prstGeom>
+          </p:spPr>
+          <p:txBody>
+            <a:bodyPr wrap="none">
+              <a:spAutoFit/>
+            </a:bodyPr>
+            <a:lstStyle/>
+            <a:p>
+              <a:r>
+                <a:rPr lang="zh-CN" altLang="zh-CN" b="1" spc="300" dirty="0">
+                  <a:solidFill>
+                    <a:srgbClr val="5284A1"/>
+                  </a:solidFill>
+                  <a:latin typeface="微软雅黑" panose="020B0503020204020204" pitchFamily="34" charset="-122"/>
+                  <a:ea typeface="微软雅黑" panose="020B0503020204020204" pitchFamily="34" charset="-122"/>
+                </a:rPr>
+                <a:t>文件写入</a:t>
+              </a:r>
+              <a:r>
+                <a:rPr lang="en-US" altLang="zh-CN" b="1" spc="300" dirty="0">
+                  <a:solidFill>
+                    <a:srgbClr val="5284A1"/>
+                  </a:solidFill>
+                  <a:latin typeface="微软雅黑" panose="020B0503020204020204" pitchFamily="34" charset="-122"/>
+                  <a:ea typeface="微软雅黑" panose="020B0503020204020204" pitchFamily="34" charset="-122"/>
+                </a:rPr>
+                <a:t>Kafka</a:t>
+              </a:r>
+              <a:endParaRPr lang="zh-CN" altLang="zh-CN" b="1" spc="300" dirty="0">
+                <a:solidFill>
+                  <a:srgbClr val="5284A1"/>
+                </a:solidFill>
+                <a:latin typeface="微软雅黑" panose="020B0503020204020204" pitchFamily="34" charset="-122"/>
+                <a:ea typeface="微软雅黑" panose="020B0503020204020204" pitchFamily="34" charset="-122"/>
+              </a:endParaRPr>
+            </a:p>
+          </p:txBody>
+        </p:sp>
+      </p:grpSp>
+      <p:sp>
+        <p:nvSpPr>
+          <p:cNvPr id="12" name="矩形 11"/>
+          <p:cNvSpPr/>
+          <p:nvPr/>
+        </p:nvSpPr>
+        <p:spPr>
+          <a:xfrm>
+            <a:off x="850210" y="2088229"/>
+            <a:ext cx="3093785" cy="2585323"/>
+          </a:xfrm>
+          <a:prstGeom prst="rect">
+            <a:avLst/>
+          </a:prstGeom>
+        </p:spPr>
+        <p:txBody>
+          <a:bodyPr wrap="square">
+            <a:spAutoFit/>
+          </a:bodyPr>
+          <a:lstStyle/>
+          <a:p>
+            <a:pPr algn="just">
+              <a:lnSpc>
+                <a:spcPct val="150000"/>
+              </a:lnSpc>
+            </a:pPr>
+            <a:r>
+              <a:rPr lang="zh-CN" altLang="en-US" spc="300" dirty="0">
+                <a:latin typeface="华文楷体" panose="02010600040101010101" pitchFamily="2" charset="-122"/>
+                <a:ea typeface="华文楷体" panose="02010600040101010101" pitchFamily="2" charset="-122"/>
+              </a:rPr>
+              <a:t>将股票交易流水文件</a:t>
+            </a:r>
+            <a:r>
+              <a:rPr lang="zh-CN" altLang="en-US" spc="300" dirty="0" smtClean="0">
+                <a:latin typeface="华文楷体" panose="02010600040101010101" pitchFamily="2" charset="-122"/>
+                <a:ea typeface="华文楷体" panose="02010600040101010101" pitchFamily="2" charset="-122"/>
+              </a:rPr>
+              <a:t>写入</a:t>
+            </a:r>
+            <a:r>
+              <a:rPr lang="en-US" altLang="zh-CN" spc="300" dirty="0" smtClean="0">
+                <a:latin typeface="Consolas" charset="0"/>
+                <a:ea typeface="Consolas" charset="0"/>
+                <a:cs typeface="Consolas" charset="0"/>
+              </a:rPr>
+              <a:t>Kafka</a:t>
+            </a:r>
+            <a:r>
+              <a:rPr lang="zh-CN" altLang="en-US" spc="300" dirty="0" smtClean="0">
+                <a:latin typeface="华文楷体" panose="02010600040101010101" pitchFamily="2" charset="-122"/>
+                <a:ea typeface="华文楷体" panose="02010600040101010101" pitchFamily="2" charset="-122"/>
+              </a:rPr>
+              <a:t>，</a:t>
+            </a:r>
+            <a:r>
+              <a:rPr lang="zh-CN" altLang="en-US" spc="300" dirty="0">
+                <a:latin typeface="华文楷体" panose="02010600040101010101" pitchFamily="2" charset="-122"/>
+                <a:ea typeface="华文楷体" panose="02010600040101010101" pitchFamily="2" charset="-122"/>
+              </a:rPr>
+              <a:t>为满足系统稳定的需要，既要保证高速、也要稳定，该组件必须具有续传功能、流量控制功能。</a:t>
+            </a:r>
+          </a:p>
+        </p:txBody>
+      </p:sp>
+      <p:grpSp>
+        <p:nvGrpSpPr>
+          <p:cNvPr id="14" name="组合 13"/>
+          <p:cNvGrpSpPr/>
+          <p:nvPr/>
+        </p:nvGrpSpPr>
+        <p:grpSpPr>
+          <a:xfrm>
+            <a:off x="4762641" y="1645102"/>
+            <a:ext cx="2090056" cy="369332"/>
+            <a:chOff x="1036299" y="1752564"/>
+            <a:chExt cx="2090056" cy="369332"/>
+          </a:xfrm>
+        </p:grpSpPr>
+        <p:sp>
+          <p:nvSpPr>
+            <p:cNvPr id="15" name="矩形 14"/>
+            <p:cNvSpPr/>
+            <p:nvPr/>
+          </p:nvSpPr>
+          <p:spPr>
+            <a:xfrm>
+              <a:off x="1036299" y="1828373"/>
+              <a:ext cx="227264" cy="227264"/>
+            </a:xfrm>
+            <a:prstGeom prst="rect">
+              <a:avLst/>
+            </a:prstGeom>
+            <a:solidFill>
+              <a:srgbClr val="5284A1"/>
+            </a:solidFill>
+            <a:ln>
+              <a:noFill/>
+            </a:ln>
+          </p:spPr>
+          <p:style>
+            <a:lnRef idx="2">
+              <a:schemeClr val="accent1">
+                <a:shade val="50000"/>
+              </a:schemeClr>
+            </a:lnRef>
+            <a:fillRef idx="1">
+              <a:schemeClr val="accent1"/>
+            </a:fillRef>
+            <a:effectRef idx="0">
+              <a:schemeClr val="accent1"/>
+            </a:effectRef>
+            <a:fontRef idx="minor">
+              <a:schemeClr val="lt1"/>
+            </a:fontRef>
+          </p:style>
+          <p:txBody>
+            <a:bodyPr rtlCol="0" anchor="ctr"/>
+            <a:lstStyle/>
+            <a:p>
+              <a:pPr algn="ctr"/>
+              <a:r>
+                <a:rPr lang="en-US" altLang="zh-CN" sz="1400" b="1" dirty="0">
+                  <a:latin typeface="微软雅黑" panose="020B0503020204020204" pitchFamily="34" charset="-122"/>
+                  <a:ea typeface="微软雅黑" panose="020B0503020204020204" pitchFamily="34" charset="-122"/>
+                </a:rPr>
+                <a:t>2</a:t>
+              </a:r>
+              <a:endParaRPr lang="zh-CN" altLang="en-US" sz="1400" b="1" dirty="0">
+                <a:latin typeface="微软雅黑" panose="020B0503020204020204" pitchFamily="34" charset="-122"/>
+                <a:ea typeface="微软雅黑" panose="020B0503020204020204" pitchFamily="34" charset="-122"/>
+              </a:endParaRPr>
+            </a:p>
+          </p:txBody>
+        </p:sp>
+        <p:sp>
+          <p:nvSpPr>
+            <p:cNvPr id="16" name="矩形 15"/>
+            <p:cNvSpPr/>
+            <p:nvPr/>
+          </p:nvSpPr>
+          <p:spPr>
+            <a:xfrm>
+              <a:off x="1325862" y="1752564"/>
+              <a:ext cx="1800493" cy="369332"/>
+            </a:xfrm>
+            <a:prstGeom prst="rect">
+              <a:avLst/>
+            </a:prstGeom>
+          </p:spPr>
+          <p:txBody>
+            <a:bodyPr wrap="none">
+              <a:spAutoFit/>
+            </a:bodyPr>
+            <a:lstStyle/>
+            <a:p>
+              <a:r>
+                <a:rPr lang="zh-CN" altLang="en-US" b="1" spc="300" dirty="0">
+                  <a:solidFill>
+                    <a:srgbClr val="5284A1"/>
+                  </a:solidFill>
+                  <a:latin typeface="微软雅黑" panose="020B0503020204020204" pitchFamily="34" charset="-122"/>
+                  <a:ea typeface="微软雅黑" panose="020B0503020204020204" pitchFamily="34" charset="-122"/>
+                </a:rPr>
+                <a:t>静态字段附加</a:t>
+              </a:r>
+            </a:p>
+          </p:txBody>
+        </p:sp>
+      </p:grpSp>
+      <p:grpSp>
+        <p:nvGrpSpPr>
+          <p:cNvPr id="18" name="组合 17"/>
+          <p:cNvGrpSpPr/>
+          <p:nvPr/>
+        </p:nvGrpSpPr>
+        <p:grpSpPr>
+          <a:xfrm>
+            <a:off x="8548103" y="1645102"/>
+            <a:ext cx="2566366" cy="369332"/>
+            <a:chOff x="1118395" y="1718897"/>
+            <a:chExt cx="2566366" cy="369332"/>
+          </a:xfrm>
+        </p:grpSpPr>
+        <p:sp>
+          <p:nvSpPr>
+            <p:cNvPr id="19" name="矩形 18"/>
+            <p:cNvSpPr/>
+            <p:nvPr/>
+          </p:nvSpPr>
+          <p:spPr>
+            <a:xfrm>
+              <a:off x="1118395" y="1782395"/>
+              <a:ext cx="227264" cy="227264"/>
+            </a:xfrm>
+            <a:prstGeom prst="rect">
+              <a:avLst/>
+            </a:prstGeom>
+            <a:solidFill>
+              <a:srgbClr val="5284A1"/>
+            </a:solidFill>
+            <a:ln>
+              <a:noFill/>
+            </a:ln>
+          </p:spPr>
+          <p:style>
+            <a:lnRef idx="2">
+              <a:schemeClr val="accent1">
+                <a:shade val="50000"/>
+              </a:schemeClr>
+            </a:lnRef>
+            <a:fillRef idx="1">
+              <a:schemeClr val="accent1"/>
+            </a:fillRef>
+            <a:effectRef idx="0">
+              <a:schemeClr val="accent1"/>
+            </a:effectRef>
+            <a:fontRef idx="minor">
+              <a:schemeClr val="lt1"/>
+            </a:fontRef>
+          </p:style>
+          <p:txBody>
+            <a:bodyPr rtlCol="0" anchor="ctr"/>
+            <a:lstStyle/>
+            <a:p>
+              <a:pPr algn="ctr"/>
+              <a:r>
+                <a:rPr lang="en-US" altLang="zh-CN" sz="1400" b="1" dirty="0">
+                  <a:latin typeface="微软雅黑" panose="020B0503020204020204" pitchFamily="34" charset="-122"/>
+                  <a:ea typeface="微软雅黑" panose="020B0503020204020204" pitchFamily="34" charset="-122"/>
+                </a:rPr>
+                <a:t>3</a:t>
+              </a:r>
+              <a:endParaRPr lang="zh-CN" altLang="en-US" sz="1400" b="1" dirty="0">
+                <a:latin typeface="微软雅黑" panose="020B0503020204020204" pitchFamily="34" charset="-122"/>
+                <a:ea typeface="微软雅黑" panose="020B0503020204020204" pitchFamily="34" charset="-122"/>
+              </a:endParaRPr>
+            </a:p>
+          </p:txBody>
+        </p:sp>
+        <p:sp>
+          <p:nvSpPr>
+            <p:cNvPr id="20" name="矩形 19"/>
+            <p:cNvSpPr/>
+            <p:nvPr/>
+          </p:nvSpPr>
+          <p:spPr>
+            <a:xfrm>
+              <a:off x="1345659" y="1718897"/>
+              <a:ext cx="2339102" cy="369332"/>
+            </a:xfrm>
+            <a:prstGeom prst="rect">
+              <a:avLst/>
+            </a:prstGeom>
+          </p:spPr>
+          <p:txBody>
+            <a:bodyPr wrap="none">
+              <a:spAutoFit/>
+            </a:bodyPr>
+            <a:lstStyle/>
+            <a:p>
+              <a:r>
+                <a:rPr lang="zh-CN" altLang="en-US" b="1" spc="300" dirty="0">
+                  <a:solidFill>
+                    <a:srgbClr val="5284A1"/>
+                  </a:solidFill>
+                  <a:latin typeface="微软雅黑" panose="020B0503020204020204" pitchFamily="34" charset="-122"/>
+                  <a:ea typeface="微软雅黑" panose="020B0503020204020204" pitchFamily="34" charset="-122"/>
+                </a:rPr>
+                <a:t>实时预测数据入库</a:t>
+              </a:r>
+              <a:endParaRPr lang="zh-CN" altLang="zh-CN" b="1" spc="300" dirty="0">
+                <a:solidFill>
+                  <a:srgbClr val="5284A1"/>
+                </a:solidFill>
+                <a:latin typeface="微软雅黑" panose="020B0503020204020204" pitchFamily="34" charset="-122"/>
+                <a:ea typeface="微软雅黑" panose="020B0503020204020204" pitchFamily="34" charset="-122"/>
+              </a:endParaRPr>
+            </a:p>
+          </p:txBody>
+        </p:sp>
+      </p:grpSp>
+      <p:sp>
+        <p:nvSpPr>
+          <p:cNvPr id="22" name="矩形 21"/>
+          <p:cNvSpPr/>
+          <p:nvPr/>
+        </p:nvSpPr>
+        <p:spPr>
+          <a:xfrm>
+            <a:off x="4639547" y="2088229"/>
+            <a:ext cx="3242614" cy="4247317"/>
+          </a:xfrm>
+          <a:prstGeom prst="rect">
+            <a:avLst/>
+          </a:prstGeom>
+        </p:spPr>
+        <p:txBody>
+          <a:bodyPr wrap="square">
+            <a:spAutoFit/>
+          </a:bodyPr>
+          <a:lstStyle/>
+          <a:p>
+            <a:pPr>
+              <a:lnSpc>
+                <a:spcPct val="150000"/>
+              </a:lnSpc>
+            </a:pPr>
+            <a:r>
+              <a:rPr lang="zh-CN" altLang="zh-CN" spc="300" dirty="0">
+                <a:latin typeface="华文楷体" panose="02010600040101010101" pitchFamily="2" charset="-122"/>
+                <a:ea typeface="华文楷体" panose="02010600040101010101" pitchFamily="2" charset="-122"/>
+              </a:rPr>
+              <a:t>通过多表连接将交易流水数据进行维度扩展，方便未来的特征向量的选取，研究过程中使用了一种高效的基于内存的键值对存储结构</a:t>
+            </a:r>
+            <a:r>
+              <a:rPr lang="en-US" altLang="zh-CN" spc="300" dirty="0" err="1">
+                <a:latin typeface="Consolas" charset="0"/>
+                <a:ea typeface="Consolas" charset="0"/>
+                <a:cs typeface="Consolas" charset="0"/>
+              </a:rPr>
+              <a:t>ChronicalMap</a:t>
+            </a:r>
+            <a:r>
+              <a:rPr lang="zh-CN" altLang="zh-CN" spc="300" dirty="0">
+                <a:latin typeface="华文楷体" panose="02010600040101010101" pitchFamily="2" charset="-122"/>
+                <a:ea typeface="华文楷体" panose="02010600040101010101" pitchFamily="2" charset="-122"/>
+              </a:rPr>
+              <a:t>，它可高效的在内存中存储大规模的</a:t>
+            </a:r>
+            <a:r>
+              <a:rPr lang="en-US" altLang="zh-CN" spc="300" dirty="0">
+                <a:latin typeface="Consolas" charset="0"/>
+                <a:ea typeface="Consolas" charset="0"/>
+                <a:cs typeface="Consolas" charset="0"/>
+              </a:rPr>
+              <a:t>Key-Value</a:t>
+            </a:r>
+            <a:r>
+              <a:rPr lang="zh-CN" altLang="zh-CN" spc="300" dirty="0">
+                <a:latin typeface="华文楷体" panose="02010600040101010101" pitchFamily="2" charset="-122"/>
+                <a:ea typeface="华文楷体" panose="02010600040101010101" pitchFamily="2" charset="-122"/>
+              </a:rPr>
+              <a:t>类型的数据的同时避免</a:t>
+            </a:r>
+            <a:r>
+              <a:rPr lang="en-US" altLang="zh-CN" spc="300" dirty="0">
+                <a:latin typeface="Consolas" charset="0"/>
+                <a:ea typeface="Consolas" charset="0"/>
+                <a:cs typeface="Consolas" charset="0"/>
+              </a:rPr>
+              <a:t>JVM</a:t>
+            </a:r>
+            <a:r>
+              <a:rPr lang="en-US" altLang="zh-CN" spc="300" dirty="0">
+                <a:latin typeface="华文楷体" panose="02010600040101010101" pitchFamily="2" charset="-122"/>
+                <a:ea typeface="华文楷体" panose="02010600040101010101" pitchFamily="2" charset="-122"/>
+              </a:rPr>
+              <a:t> </a:t>
+            </a:r>
+            <a:r>
+              <a:rPr lang="en-US" altLang="zh-CN" spc="300" dirty="0">
+                <a:latin typeface="Consolas" charset="0"/>
+                <a:ea typeface="Consolas" charset="0"/>
+                <a:cs typeface="Consolas" charset="0"/>
+              </a:rPr>
+              <a:t>GC</a:t>
+            </a:r>
+            <a:r>
+              <a:rPr lang="zh-CN" altLang="zh-CN" spc="300" dirty="0">
+                <a:latin typeface="华文楷体" panose="02010600040101010101" pitchFamily="2" charset="-122"/>
+                <a:ea typeface="华文楷体" panose="02010600040101010101" pitchFamily="2" charset="-122"/>
+              </a:rPr>
+              <a:t>带来的时延问题。</a:t>
+            </a:r>
+          </a:p>
+        </p:txBody>
+      </p:sp>
+      <p:sp>
+        <p:nvSpPr>
+          <p:cNvPr id="23" name="矩形 22"/>
+          <p:cNvSpPr/>
+          <p:nvPr/>
+        </p:nvSpPr>
+        <p:spPr>
+          <a:xfrm>
+            <a:off x="8548103" y="2045456"/>
+            <a:ext cx="3228919" cy="3831818"/>
+          </a:xfrm>
+          <a:prstGeom prst="rect">
+            <a:avLst/>
+          </a:prstGeom>
+        </p:spPr>
+        <p:txBody>
+          <a:bodyPr wrap="square">
+            <a:spAutoFit/>
+          </a:bodyPr>
+          <a:lstStyle/>
+          <a:p>
+            <a:pPr algn="just">
+              <a:lnSpc>
+                <a:spcPct val="150000"/>
+              </a:lnSpc>
+            </a:pPr>
+            <a:r>
+              <a:rPr lang="zh-CN" altLang="en-US" spc="300" dirty="0">
+                <a:latin typeface="华文楷体" panose="02010600040101010101" pitchFamily="2" charset="-122"/>
+                <a:ea typeface="华文楷体" panose="02010600040101010101" pitchFamily="2" charset="-122"/>
+              </a:rPr>
+              <a:t>为了解决传统的数据库查询低效以及无法展开大规模并行分布式存储，本文引入了</a:t>
+            </a:r>
+            <a:r>
+              <a:rPr lang="en-US" altLang="zh-CN" spc="300" dirty="0">
+                <a:latin typeface="Consolas" charset="0"/>
+                <a:ea typeface="Consolas" charset="0"/>
+                <a:cs typeface="Consolas" charset="0"/>
+              </a:rPr>
+              <a:t>MPP</a:t>
+            </a:r>
+            <a:r>
+              <a:rPr lang="zh-CN" altLang="en-US" spc="300" dirty="0">
+                <a:latin typeface="华文楷体" panose="02010600040101010101" pitchFamily="2" charset="-122"/>
+                <a:ea typeface="华文楷体" panose="02010600040101010101" pitchFamily="2" charset="-122"/>
+              </a:rPr>
+              <a:t>数据库</a:t>
+            </a:r>
+            <a:r>
+              <a:rPr lang="en-US" altLang="zh-CN" spc="300" dirty="0" err="1">
+                <a:latin typeface="Consolas" charset="0"/>
+                <a:ea typeface="Consolas" charset="0"/>
+                <a:cs typeface="Consolas" charset="0"/>
+              </a:rPr>
+              <a:t>GreenPlum</a:t>
+            </a:r>
+            <a:r>
+              <a:rPr lang="zh-CN" altLang="en-US" spc="300" dirty="0">
+                <a:latin typeface="华文楷体" panose="02010600040101010101" pitchFamily="2" charset="-122"/>
+                <a:ea typeface="华文楷体" panose="02010600040101010101" pitchFamily="2" charset="-122"/>
+              </a:rPr>
+              <a:t>，实时预测的结果写入</a:t>
+            </a:r>
+            <a:r>
+              <a:rPr lang="en-US" altLang="zh-CN" spc="300" dirty="0">
+                <a:latin typeface="Consolas" charset="0"/>
+                <a:ea typeface="Consolas" charset="0"/>
+                <a:cs typeface="Consolas" charset="0"/>
+              </a:rPr>
+              <a:t>Kafka</a:t>
+            </a:r>
+            <a:r>
+              <a:rPr lang="zh-CN" altLang="en-US" spc="300" dirty="0">
+                <a:latin typeface="华文楷体" panose="02010600040101010101" pitchFamily="2" charset="-122"/>
+                <a:ea typeface="华文楷体" panose="02010600040101010101" pitchFamily="2" charset="-122"/>
+              </a:rPr>
+              <a:t>，然后由实时入库组件将</a:t>
+            </a:r>
+            <a:r>
+              <a:rPr lang="en-US" altLang="zh-CN" spc="300" dirty="0">
+                <a:latin typeface="Consolas" charset="0"/>
+                <a:ea typeface="Consolas" charset="0"/>
+                <a:cs typeface="Consolas" charset="0"/>
+              </a:rPr>
+              <a:t>Kafka</a:t>
+            </a:r>
+            <a:r>
+              <a:rPr lang="zh-CN" altLang="en-US" spc="300" dirty="0">
+                <a:latin typeface="华文楷体" panose="02010600040101010101" pitchFamily="2" charset="-122"/>
+                <a:ea typeface="华文楷体" panose="02010600040101010101" pitchFamily="2" charset="-122"/>
+              </a:rPr>
+              <a:t>数据读入，写入</a:t>
+            </a:r>
+            <a:r>
+              <a:rPr lang="en-US" altLang="zh-CN" spc="300" dirty="0" err="1">
+                <a:latin typeface="Consolas" charset="0"/>
+                <a:ea typeface="Consolas" charset="0"/>
+                <a:cs typeface="Consolas" charset="0"/>
+              </a:rPr>
+              <a:t>GreenPlum</a:t>
+            </a:r>
+            <a:r>
+              <a:rPr lang="zh-CN" altLang="en-US" spc="300" dirty="0">
+                <a:latin typeface="华文楷体" panose="02010600040101010101" pitchFamily="2" charset="-122"/>
+                <a:ea typeface="华文楷体" panose="02010600040101010101" pitchFamily="2" charset="-122"/>
+              </a:rPr>
+              <a:t>数据库中。</a:t>
+            </a:r>
+          </a:p>
+        </p:txBody>
+      </p:sp>
+      <p:sp>
+        <p:nvSpPr>
+          <p:cNvPr id="21" name="矩形 20"/>
+          <p:cNvSpPr/>
+          <p:nvPr/>
+        </p:nvSpPr>
+        <p:spPr>
+          <a:xfrm>
+            <a:off x="0" y="295188"/>
+            <a:ext cx="553790" cy="579326"/>
+          </a:xfrm>
+          <a:prstGeom prst="rect">
+            <a:avLst/>
+          </a:prstGeom>
+          <a:solidFill>
+            <a:srgbClr val="5284A1"/>
+          </a:solidFill>
+        </p:spPr>
+        <p:txBody>
+          <a:bodyPr wrap="square" rtlCol="0" anchor="ctr">
+            <a:spAutoFit/>
+          </a:bodyPr>
+          <a:lstStyle/>
+          <a:p>
+            <a:pPr algn="ctr">
+              <a:lnSpc>
+                <a:spcPct val="150000"/>
+              </a:lnSpc>
+            </a:pPr>
+            <a:r>
+              <a:rPr lang="zh-CN" altLang="en-US" sz="2400" b="1" dirty="0" smtClean="0">
+                <a:solidFill>
+                  <a:schemeClr val="bg1"/>
+                </a:solidFill>
+                <a:latin typeface="文悦新青年体 (非商业使用) W8" pitchFamily="50" charset="-122"/>
+                <a:ea typeface="文悦新青年体 (非商业使用) W8" pitchFamily="50" charset="-122"/>
+              </a:rPr>
+              <a:t>三</a:t>
+            </a:r>
+            <a:endParaRPr lang="zh-CN" altLang="en-US" sz="2400" b="1" dirty="0">
+              <a:solidFill>
+                <a:schemeClr val="bg1"/>
+              </a:solidFill>
+              <a:latin typeface="文悦新青年体 (非商业使用) W8" pitchFamily="50" charset="-122"/>
+              <a:ea typeface="文悦新青年体 (非商业使用) W8" pitchFamily="50" charset="-122"/>
+            </a:endParaRPr>
+          </a:p>
+        </p:txBody>
+      </p:sp>
+      <p:sp>
+        <p:nvSpPr>
+          <p:cNvPr id="27" name="文本框 26"/>
+          <p:cNvSpPr txBox="1"/>
+          <p:nvPr/>
+        </p:nvSpPr>
+        <p:spPr>
+          <a:xfrm>
+            <a:off x="8602012" y="6581001"/>
+            <a:ext cx="6825803" cy="276999"/>
+          </a:xfrm>
+          <a:prstGeom prst="rect">
+            <a:avLst/>
+          </a:prstGeom>
+          <a:noFill/>
+        </p:spPr>
+        <p:txBody>
+          <a:bodyPr wrap="square" rtlCol="0">
+            <a:spAutoFit/>
+          </a:bodyPr>
+          <a:lstStyle/>
+          <a:p>
+            <a:r>
+              <a:rPr lang="zh-CN" altLang="en-US" sz="1200" i="1" dirty="0">
+                <a:solidFill>
+                  <a:schemeClr val="tx1">
+                    <a:lumMod val="85000"/>
+                    <a:lumOff val="15000"/>
+                  </a:schemeClr>
+                </a:solidFill>
+              </a:rPr>
+              <a:t>哈尔滨工业大学软件工程硕士学位论文开题报告 </a:t>
+            </a:r>
+            <a:endParaRPr lang="zh-CN" altLang="en-US" sz="1200" i="1" dirty="0">
+              <a:solidFill>
+                <a:schemeClr val="tx1">
+                  <a:lumMod val="85000"/>
+                  <a:lumOff val="15000"/>
+                </a:schemeClr>
+              </a:solidFill>
+              <a:latin typeface="微软雅黑" panose="020B0503020204020204" pitchFamily="34" charset="-122"/>
+              <a:ea typeface="微软雅黑" panose="020B0503020204020204" pitchFamily="34" charset="-122"/>
+            </a:endParaRPr>
+          </a:p>
+        </p:txBody>
+      </p:sp>
+    </p:spTree>
+    <p:extLst>
+      <p:ext uri="{BB962C8B-B14F-4D97-AF65-F5344CB8AC3E}">
+        <p14:creationId xmlns:p14="http://schemas.microsoft.com/office/powerpoint/2010/main" val="1023833697"/>
+      </p:ext>
+    </p:extLst>
+  </p:cSld>
+  <p:clrMapOvr>
+    <a:masterClrMapping/>
+  </p:clrMapOvr>
+  <mc:AlternateContent xmlns:mc="http://schemas.openxmlformats.org/markup-compatibility/2006" xmlns:p14="http://schemas.microsoft.com/office/powerpoint/2010/main">
+    <mc:Choice Requires="p14">
+      <p:transition spd="med" p14:dur="700">
+        <p:fade/>
+      </p:transition>
+    </mc:Choice>
+    <mc:Fallback xmlns="">
+      <p:transition spd="med">
+        <p:fade/>
+      </p:transition>
+    </mc:Fallback>
+  </mc:AlternateContent>
+  <p:timing>
+    <p:tnLst>
+      <p:par>
+        <p:cTn id="1" dur="indefinite" restart="never" nodeType="tmRoot"/>
+      </p:par>
+    </p:tnLst>
+  </p:timing>
+</p:sld>
+</file>
+
+<file path=ppt/slides/slide11.xml><?xml version="1.0" encoding="utf-8"?>
 <p:sld xmlns:a="http://schemas.openxmlformats.org/drawingml/2006/main" xmlns:r="http://schemas.openxmlformats.org/officeDocument/2006/relationships" xmlns:p="http://schemas.openxmlformats.org/presentationml/2006/main">
   <p:cSld>
     <p:spTree>
@@ -4607,7 +6046,7 @@
         </p:nvSpPr>
         <p:spPr>
           <a:xfrm>
-            <a:off x="788985" y="2946430"/>
+            <a:off x="751735" y="2946848"/>
             <a:ext cx="1812634" cy="2677656"/>
           </a:xfrm>
           <a:prstGeom prst="rect">
@@ -4630,26 +6069,29 @@
                 <a:latin typeface="华文楷体" panose="02010600040101010101" pitchFamily="2" charset="-122"/>
                 <a:ea typeface="华文楷体" panose="02010600040101010101" pitchFamily="2" charset="-122"/>
               </a:rPr>
-              <a:t>阅读国内外相关文献，了解流计算、分布式</a:t>
+              <a:t>阅读国内外相关文献，了解流计算</a:t>
             </a:r>
             <a:r>
               <a:rPr lang="zh-CN" altLang="zh-CN" sz="1600" dirty="0" smtClean="0">
                 <a:latin typeface="华文楷体" panose="02010600040101010101" pitchFamily="2" charset="-122"/>
                 <a:ea typeface="华文楷体" panose="02010600040101010101" pitchFamily="2" charset="-122"/>
               </a:rPr>
-              <a:t>计算</a:t>
-            </a:r>
-            <a:endParaRPr lang="en-US" altLang="zh-CN" sz="1600" dirty="0" smtClean="0">
-              <a:latin typeface="华文楷体" panose="02010600040101010101" pitchFamily="2" charset="-122"/>
-              <a:ea typeface="华文楷体" panose="02010600040101010101" pitchFamily="2" charset="-122"/>
-            </a:endParaRPr>
-          </a:p>
-          <a:p>
-            <a:pPr>
-              <a:lnSpc>
-                <a:spcPct val="150000"/>
-              </a:lnSpc>
-            </a:pPr>
+              <a:t>、</a:t>
+            </a:r>
+            <a:r>
+              <a:rPr lang="zh-CN" altLang="en-US" sz="1600" dirty="0" smtClean="0">
+                <a:latin typeface="华文楷体" panose="02010600040101010101" pitchFamily="2" charset="-122"/>
+                <a:ea typeface="华文楷体" panose="02010600040101010101" pitchFamily="2" charset="-122"/>
+              </a:rPr>
+              <a:t>消息中间件、</a:t>
+            </a:r>
+            <a:r>
+              <a:rPr lang="zh-CN" altLang="zh-CN" sz="1600" smtClean="0">
+                <a:latin typeface="华文楷体" panose="02010600040101010101" pitchFamily="2" charset="-122"/>
+                <a:ea typeface="华文楷体" panose="02010600040101010101" pitchFamily="2" charset="-122"/>
+              </a:rPr>
+              <a:t>分布式计算</a:t>
+            </a:r>
             <a:endParaRPr lang="en-US" altLang="zh-CN" sz="1600" dirty="0">
               <a:latin typeface="华文楷体" panose="02010600040101010101" pitchFamily="2" charset="-122"/>
               <a:ea typeface="华文楷体" panose="02010600040101010101" pitchFamily="2" charset="-122"/>
@@ -7050,7 +8492,7 @@
 </p:sld>
 </file>
 
-<file path=ppt/slides/slide11.xml><?xml version="1.0" encoding="utf-8"?>
+<file path=ppt/slides/slide12.xml><?xml version="1.0" encoding="utf-8"?>
 <p:sld xmlns:a="http://schemas.openxmlformats.org/drawingml/2006/main" xmlns:r="http://schemas.openxmlformats.org/officeDocument/2006/relationships" xmlns:p="http://schemas.openxmlformats.org/presentationml/2006/main">
   <p:cSld>
     <p:spTree>
@@ -7264,8 +8706,8 @@
         </p:nvSpPr>
         <p:spPr>
           <a:xfrm>
-            <a:off x="721215" y="1902200"/>
-            <a:ext cx="3477296" cy="4154984"/>
+            <a:off x="603101" y="1458228"/>
+            <a:ext cx="3477296" cy="5078313"/>
           </a:xfrm>
           <a:prstGeom prst="rect">
             <a:avLst/>
@@ -7287,35 +8729,137 @@
                 <a:latin typeface="华文楷体" panose="02010600040101010101" pitchFamily="2" charset="-122"/>
                 <a:ea typeface="华文楷体" panose="02010600040101010101" pitchFamily="2" charset="-122"/>
               </a:rPr>
-              <a:t>深交所官网上有关于交易流水的</a:t>
+              <a:t>深交所官网上有关于交易流水</a:t>
+            </a:r>
+            <a:r>
+              <a:rPr lang="zh-CN" altLang="zh-CN" sz="1600" dirty="0" smtClean="0">
+                <a:latin typeface="华文楷体" panose="02010600040101010101" pitchFamily="2" charset="-122"/>
+                <a:ea typeface="华文楷体" panose="02010600040101010101" pitchFamily="2" charset="-122"/>
+              </a:rPr>
+              <a:t>的</a:t>
+            </a:r>
+            <a:r>
+              <a:rPr lang="zh-CN" altLang="en-US" sz="1600" dirty="0" smtClean="0">
+                <a:latin typeface="华文楷体" panose="02010600040101010101" pitchFamily="2" charset="-122"/>
+                <a:ea typeface="华文楷体" panose="02010600040101010101" pitchFamily="2" charset="-122"/>
+              </a:rPr>
+              <a:t>公开数据</a:t>
+            </a:r>
+            <a:r>
+              <a:rPr lang="zh-CN" altLang="zh-CN" sz="1600" dirty="0" smtClean="0">
+                <a:latin typeface="华文楷体" panose="02010600040101010101" pitchFamily="2" charset="-122"/>
+                <a:ea typeface="华文楷体" panose="02010600040101010101" pitchFamily="2" charset="-122"/>
+              </a:rPr>
+              <a:t>，</a:t>
+            </a:r>
+            <a:r>
+              <a:rPr lang="zh-CN" altLang="zh-CN" sz="1600" dirty="0" smtClean="0">
+                <a:latin typeface="华文楷体" panose="02010600040101010101" pitchFamily="2" charset="-122"/>
+                <a:ea typeface="华文楷体" panose="02010600040101010101" pitchFamily="2" charset="-122"/>
+              </a:rPr>
+              <a:t>但是以交易日为最小单位，如果把时间</a:t>
+            </a:r>
+            <a:r>
+              <a:rPr lang="zh-CN" altLang="zh-CN" sz="1600" dirty="0" smtClean="0">
+                <a:latin typeface="华文楷体" panose="02010600040101010101" pitchFamily="2" charset="-122"/>
+                <a:ea typeface="华文楷体" panose="02010600040101010101" pitchFamily="2" charset="-122"/>
+              </a:rPr>
+              <a:t>窗口</a:t>
+            </a:r>
+            <a:r>
+              <a:rPr lang="zh-CN" altLang="en-US" sz="1600" dirty="0" smtClean="0">
+                <a:latin typeface="华文楷体" panose="02010600040101010101" pitchFamily="2" charset="-122"/>
+                <a:ea typeface="华文楷体" panose="02010600040101010101" pitchFamily="2" charset="-122"/>
+              </a:rPr>
+              <a:t>长度</a:t>
+            </a:r>
+            <a:r>
+              <a:rPr lang="zh-CN" altLang="zh-CN" sz="1600" dirty="0" smtClean="0">
+                <a:latin typeface="华文楷体" panose="02010600040101010101" pitchFamily="2" charset="-122"/>
+                <a:ea typeface="华文楷体" panose="02010600040101010101" pitchFamily="2" charset="-122"/>
+              </a:rPr>
+              <a:t>设定</a:t>
+            </a:r>
+            <a:r>
+              <a:rPr lang="zh-CN" altLang="zh-CN" sz="1600" dirty="0" smtClean="0">
+                <a:latin typeface="华文楷体" panose="02010600040101010101" pitchFamily="2" charset="-122"/>
+                <a:ea typeface="华文楷体" panose="02010600040101010101" pitchFamily="2" charset="-122"/>
+              </a:rPr>
+              <a:t>为</a:t>
             </a:r>
             <a:r>
               <a:rPr lang="en-US" altLang="zh-CN" sz="1600" dirty="0" smtClean="0">
                 <a:latin typeface="华文楷体" panose="02010600040101010101" pitchFamily="2" charset="-122"/>
                 <a:ea typeface="华文楷体" panose="02010600040101010101" pitchFamily="2" charset="-122"/>
               </a:rPr>
-              <a:t>Excel</a:t>
+              <a:t>1</a:t>
             </a:r>
             <a:r>
               <a:rPr lang="zh-CN" altLang="zh-CN" sz="1600" dirty="0" smtClean="0">
                 <a:latin typeface="华文楷体" panose="02010600040101010101" pitchFamily="2" charset="-122"/>
                 <a:ea typeface="华文楷体" panose="02010600040101010101" pitchFamily="2" charset="-122"/>
               </a:rPr>
-              <a:t>表格，但是以交易日为最小单位，如果把时间窗口设定为</a:t>
+              <a:t>天，那么服务器的内存中就会保留这些数据长达一天</a:t>
+            </a:r>
+            <a:r>
+              <a:rPr lang="zh-CN" altLang="zh-CN" sz="1600" dirty="0" smtClean="0">
+                <a:latin typeface="华文楷体" panose="02010600040101010101" pitchFamily="2" charset="-122"/>
+                <a:ea typeface="华文楷体" panose="02010600040101010101" pitchFamily="2" charset="-122"/>
+              </a:rPr>
+              <a:t>，</a:t>
+            </a:r>
+            <a:endParaRPr lang="en-US" altLang="zh-CN" sz="1600" dirty="0">
+              <a:latin typeface="华文楷体" panose="02010600040101010101" pitchFamily="2" charset="-122"/>
+              <a:ea typeface="华文楷体" panose="02010600040101010101" pitchFamily="2" charset="-122"/>
+            </a:endParaRPr>
+          </a:p>
+          <a:p>
+            <a:pPr>
+              <a:lnSpc>
+                <a:spcPct val="150000"/>
+              </a:lnSpc>
+            </a:pPr>
+            <a:r>
+              <a:rPr lang="en-US" altLang="zh-CN" sz="2000" dirty="0" smtClean="0">
+                <a:latin typeface="华文楷体" panose="02010600040101010101" pitchFamily="2" charset="-122"/>
+                <a:ea typeface="华文楷体" panose="02010600040101010101" pitchFamily="2" charset="-122"/>
+              </a:rPr>
+              <a:t>1</a:t>
+            </a:r>
+            <a:r>
+              <a:rPr lang="zh-CN" altLang="en-US" sz="2000" dirty="0" smtClean="0">
+                <a:latin typeface="华文楷体" panose="02010600040101010101" pitchFamily="2" charset="-122"/>
+                <a:ea typeface="华文楷体" panose="02010600040101010101" pitchFamily="2" charset="-122"/>
+              </a:rPr>
+              <a:t> </a:t>
+            </a:r>
+            <a:r>
+              <a:rPr lang="zh-CN" altLang="zh-CN" sz="1600" dirty="0" smtClean="0">
+                <a:latin typeface="华文楷体" panose="02010600040101010101" pitchFamily="2" charset="-122"/>
+                <a:ea typeface="华文楷体" panose="02010600040101010101" pitchFamily="2" charset="-122"/>
+              </a:rPr>
+              <a:t>如果</a:t>
+            </a:r>
+            <a:r>
+              <a:rPr lang="zh-CN" altLang="zh-CN" sz="1600" dirty="0" smtClean="0">
+                <a:latin typeface="华文楷体" panose="02010600040101010101" pitchFamily="2" charset="-122"/>
+                <a:ea typeface="华文楷体" panose="02010600040101010101" pitchFamily="2" charset="-122"/>
+              </a:rPr>
+              <a:t>虚拟机参数不合适，会导致</a:t>
             </a:r>
             <a:r>
               <a:rPr lang="en-US" altLang="zh-CN" sz="1600" dirty="0" smtClean="0">
                 <a:latin typeface="华文楷体" panose="02010600040101010101" pitchFamily="2" charset="-122"/>
                 <a:ea typeface="华文楷体" panose="02010600040101010101" pitchFamily="2" charset="-122"/>
               </a:rPr>
-              <a:t>1</a:t>
+              <a:t>JVM</a:t>
             </a:r>
             <a:r>
               <a:rPr lang="zh-CN" altLang="zh-CN" sz="1600" dirty="0" smtClean="0">
                 <a:latin typeface="华文楷体" panose="02010600040101010101" pitchFamily="2" charset="-122"/>
                 <a:ea typeface="华文楷体" panose="02010600040101010101" pitchFamily="2" charset="-122"/>
               </a:rPr>
-              <a:t>天，那么服务器的内存中就会保留这些数据长达一天，第一，如果虚拟机参数不合适，会导致</a:t>
+              <a:t>内存溢出，如果设置的窗口之间有交叠，内存中同时存有多份数据的拷贝，加速</a:t>
             </a:r>
             <a:r>
               <a:rPr lang="en-US" altLang="zh-CN" sz="1600" dirty="0" smtClean="0">
@@ -7329,21 +8873,99 @@
                 <a:latin typeface="华文楷体" panose="02010600040101010101" pitchFamily="2" charset="-122"/>
                 <a:ea typeface="华文楷体" panose="02010600040101010101" pitchFamily="2" charset="-122"/>
               </a:rPr>
-              <a:t>内存溢出，如果设置的窗口之间有交叠，内存中同时存有多份数据的拷贝，加速</a:t>
-            </a:r>
-            <a:r>
-              <a:rPr lang="en-US" altLang="zh-CN" sz="1600" dirty="0" smtClean="0">
-                <a:latin typeface="华文楷体" panose="02010600040101010101" pitchFamily="2" charset="-122"/>
-                <a:ea typeface="华文楷体" panose="02010600040101010101" pitchFamily="2" charset="-122"/>
-              </a:rPr>
-              <a:t>JVM</a:t>
+              <a:t>内存溢出</a:t>
             </a:r>
             <a:r>
               <a:rPr lang="zh-CN" altLang="zh-CN" sz="1600" dirty="0" smtClean="0">
                 <a:latin typeface="华文楷体" panose="02010600040101010101" pitchFamily="2" charset="-122"/>
                 <a:ea typeface="华文楷体" panose="02010600040101010101" pitchFamily="2" charset="-122"/>
               </a:rPr>
-              <a:t>内存溢出；第二，导致实时性效果变差，与我们研究的目标相悖；第三，影响训练的准确率。</a:t>
+              <a:t>；</a:t>
+            </a:r>
+            <a:endParaRPr lang="en-US" altLang="zh-CN" sz="1600" dirty="0">
+              <a:latin typeface="华文楷体" panose="02010600040101010101" pitchFamily="2" charset="-122"/>
+              <a:ea typeface="华文楷体" panose="02010600040101010101" pitchFamily="2" charset="-122"/>
+            </a:endParaRPr>
+          </a:p>
+          <a:p>
+            <a:pPr>
+              <a:lnSpc>
+                <a:spcPct val="150000"/>
+              </a:lnSpc>
+            </a:pPr>
+            <a:r>
+              <a:rPr lang="en-US" altLang="zh-CN" sz="2000" dirty="0">
+                <a:latin typeface="华文楷体" panose="02010600040101010101" pitchFamily="2" charset="-122"/>
+                <a:ea typeface="华文楷体" panose="02010600040101010101" pitchFamily="2" charset="-122"/>
+              </a:rPr>
+              <a:t>2</a:t>
+            </a:r>
+            <a:r>
+              <a:rPr lang="zh-CN" altLang="en-US" sz="2400" dirty="0">
+                <a:latin typeface="华文楷体" panose="02010600040101010101" pitchFamily="2" charset="-122"/>
+                <a:ea typeface="华文楷体" panose="02010600040101010101" pitchFamily="2" charset="-122"/>
+              </a:rPr>
+              <a:t> </a:t>
+            </a:r>
+            <a:r>
+              <a:rPr lang="zh-CN" altLang="zh-CN" sz="1600" dirty="0" smtClean="0">
+                <a:latin typeface="华文楷体" panose="02010600040101010101" pitchFamily="2" charset="-122"/>
+                <a:ea typeface="华文楷体" panose="02010600040101010101" pitchFamily="2" charset="-122"/>
+              </a:rPr>
+              <a:t>导致</a:t>
+            </a:r>
+            <a:r>
+              <a:rPr lang="zh-CN" altLang="zh-CN" sz="1600" dirty="0" smtClean="0">
+                <a:latin typeface="华文楷体" panose="02010600040101010101" pitchFamily="2" charset="-122"/>
+                <a:ea typeface="华文楷体" panose="02010600040101010101" pitchFamily="2" charset="-122"/>
+              </a:rPr>
+              <a:t>实时性效果变差，与我们研究的目标相悖</a:t>
+            </a:r>
+            <a:r>
+              <a:rPr lang="zh-CN" altLang="zh-CN" sz="1600" dirty="0" smtClean="0">
+                <a:latin typeface="华文楷体" panose="02010600040101010101" pitchFamily="2" charset="-122"/>
+                <a:ea typeface="华文楷体" panose="02010600040101010101" pitchFamily="2" charset="-122"/>
+              </a:rPr>
+              <a:t>；</a:t>
+            </a:r>
+            <a:endParaRPr lang="en-US" altLang="zh-CN" sz="1600" dirty="0" smtClean="0">
+              <a:latin typeface="华文楷体" panose="02010600040101010101" pitchFamily="2" charset="-122"/>
+              <a:ea typeface="华文楷体" panose="02010600040101010101" pitchFamily="2" charset="-122"/>
+            </a:endParaRPr>
+          </a:p>
+          <a:p>
+            <a:pPr>
+              <a:lnSpc>
+                <a:spcPct val="150000"/>
+              </a:lnSpc>
+            </a:pPr>
+            <a:r>
+              <a:rPr lang="en-US" altLang="zh-CN" sz="2000" dirty="0">
+                <a:latin typeface="华文楷体" panose="02010600040101010101" pitchFamily="2" charset="-122"/>
+                <a:ea typeface="华文楷体" panose="02010600040101010101" pitchFamily="2" charset="-122"/>
+              </a:rPr>
+              <a:t>3</a:t>
+            </a:r>
+            <a:r>
+              <a:rPr lang="zh-CN" altLang="en-US" sz="2000" dirty="0">
+                <a:latin typeface="华文楷体" panose="02010600040101010101" pitchFamily="2" charset="-122"/>
+                <a:ea typeface="华文楷体" panose="02010600040101010101" pitchFamily="2" charset="-122"/>
+              </a:rPr>
+              <a:t> </a:t>
+            </a:r>
+            <a:r>
+              <a:rPr lang="zh-CN" altLang="zh-CN" sz="1600" dirty="0" smtClean="0">
+                <a:latin typeface="华文楷体" panose="02010600040101010101" pitchFamily="2" charset="-122"/>
+                <a:ea typeface="华文楷体" panose="02010600040101010101" pitchFamily="2" charset="-122"/>
+              </a:rPr>
+              <a:t>影响</a:t>
+            </a:r>
+            <a:r>
+              <a:rPr lang="zh-CN" altLang="zh-CN" sz="1600" dirty="0" smtClean="0">
+                <a:latin typeface="华文楷体" panose="02010600040101010101" pitchFamily="2" charset="-122"/>
+                <a:ea typeface="华文楷体" panose="02010600040101010101" pitchFamily="2" charset="-122"/>
+              </a:rPr>
+              <a:t>训练的准确率。</a:t>
             </a:r>
             <a:endParaRPr lang="zh-CN" altLang="zh-CN" sz="1600" dirty="0">
               <a:latin typeface="华文楷体" panose="02010600040101010101" pitchFamily="2" charset="-122"/>
@@ -7523,7 +9145,7 @@
         </p:nvSpPr>
         <p:spPr>
           <a:xfrm>
-            <a:off x="721215" y="1159099"/>
+            <a:off x="721213" y="801872"/>
             <a:ext cx="1403795" cy="822789"/>
           </a:xfrm>
           <a:prstGeom prst="rect">
@@ -7550,7 +9172,7 @@
                 <a:latin typeface="文悦新青年体 (非商业使用) W8" pitchFamily="50" charset="-122"/>
                 <a:ea typeface="文悦新青年体 (非商业使用) W8" pitchFamily="50" charset="-122"/>
               </a:rPr>
-              <a:t>01</a:t>
+              <a:t>1</a:t>
             </a:r>
             <a:endParaRPr lang="zh-CN" altLang="en-US" sz="3600" b="1" spc="300" dirty="0">
               <a:solidFill>
@@ -7597,7 +9219,7 @@
                 <a:latin typeface="文悦新青年体 (非商业使用) W8" pitchFamily="50" charset="-122"/>
                 <a:ea typeface="文悦新青年体 (非商业使用) W8" pitchFamily="50" charset="-122"/>
               </a:rPr>
-              <a:t>02</a:t>
+              <a:t>2</a:t>
             </a:r>
             <a:endParaRPr lang="zh-CN" altLang="en-US" sz="3600" b="1" spc="300" dirty="0">
               <a:solidFill>
@@ -7618,7 +9240,7 @@
         <p:spPr>
           <a:xfrm>
             <a:off x="7345251" y="3019202"/>
-            <a:ext cx="1403795" cy="923330"/>
+            <a:ext cx="1403795" cy="823752"/>
           </a:xfrm>
           <a:prstGeom prst="rect">
             <a:avLst/>
@@ -7644,7 +9266,7 @@
                 <a:latin typeface="文悦新青年体 (非商业使用) W8" pitchFamily="50" charset="-122"/>
                 <a:ea typeface="文悦新青年体 (非商业使用) W8" pitchFamily="50" charset="-122"/>
               </a:rPr>
-              <a:t>03</a:t>
+              <a:t>3</a:t>
             </a:r>
             <a:endParaRPr lang="zh-CN" altLang="en-US" sz="3600" b="1" spc="300" dirty="0">
               <a:solidFill>
@@ -7665,7 +9287,7 @@
         <p:spPr>
           <a:xfrm>
             <a:off x="10122795" y="4441357"/>
-            <a:ext cx="1403795" cy="923330"/>
+            <a:ext cx="1403795" cy="823752"/>
           </a:xfrm>
           <a:prstGeom prst="rect">
             <a:avLst/>
@@ -7691,7 +9313,7 @@
                 <a:latin typeface="文悦新青年体 (非商业使用) W8" pitchFamily="50" charset="-122"/>
                 <a:ea typeface="文悦新青年体 (非商业使用) W8" pitchFamily="50" charset="-122"/>
               </a:rPr>
-              <a:t>04</a:t>
+              <a:t>4</a:t>
             </a:r>
             <a:endParaRPr lang="zh-CN" altLang="en-US" sz="3600" b="1" spc="300" dirty="0">
               <a:solidFill>
@@ -7845,7 +9467,7 @@
         </p:nvSpPr>
         <p:spPr>
           <a:xfrm>
-            <a:off x="1423112" y="1402576"/>
+            <a:off x="1339400" y="996765"/>
             <a:ext cx="1225641" cy="499624"/>
           </a:xfrm>
           <a:prstGeom prst="rect">
@@ -8004,7 +9626,7 @@
 </p:sld>
 </file>
 
-<file path=ppt/slides/slide12.xml><?xml version="1.0" encoding="utf-8"?>
+<file path=ppt/slides/slide13.xml><?xml version="1.0" encoding="utf-8"?>
 <p:sld xmlns:a="http://schemas.openxmlformats.org/drawingml/2006/main" xmlns:r="http://schemas.openxmlformats.org/officeDocument/2006/relationships" xmlns:p="http://schemas.openxmlformats.org/presentationml/2006/main">
   <p:cSld>
     <p:spTree>
@@ -8169,14 +9791,14 @@
           <p:nvPr>
             <p:extLst>
               <p:ext uri="{D42A27DB-BD31-4B8C-83A1-F6EECF244321}">
-                <p14:modId xmlns:p14="http://schemas.microsoft.com/office/powerpoint/2010/main" val="1042005126"/>
+                <p14:modId xmlns:p14="http://schemas.microsoft.com/office/powerpoint/2010/main" val="1511032288"/>
               </p:ext>
             </p:extLst>
           </p:nvPr>
         </p:nvGraphicFramePr>
         <p:xfrm>
           <a:off x="669701" y="1462289"/>
-          <a:ext cx="10988899" cy="4759960"/>
+          <a:ext cx="10988899" cy="3937000"/>
         </p:xfrm>
         <a:graphic>
           <a:graphicData uri="http://schemas.openxmlformats.org/drawingml/2006/table">
@@ -8912,7 +10534,14 @@
                           <a:latin typeface="华文楷体" panose="02010600040101010101" pitchFamily="2" charset="-122"/>
                           <a:ea typeface="华文楷体" panose="02010600040101010101" pitchFamily="2" charset="-122"/>
                         </a:rPr>
-                        <a:t>预测：基于时间序列的</a:t>
+                        <a:t>预测</a:t>
+                      </a:r>
+                      <a:r>
+                        <a:rPr lang="zh-CN" altLang="en-US" dirty="0" smtClean="0">
+                          <a:latin typeface="华文楷体" panose="02010600040101010101" pitchFamily="2" charset="-122"/>
+                          <a:ea typeface="华文楷体" panose="02010600040101010101" pitchFamily="2" charset="-122"/>
+                        </a:rPr>
+                        <a:t>：</a:t>
                       </a:r>
                       <a:r>
                         <a:rPr lang="en-US" altLang="zh-CN" dirty="0" smtClean="0">
@@ -8926,7 +10555,14 @@
                           <a:latin typeface="华文楷体" panose="02010600040101010101" pitchFamily="2" charset="-122"/>
                           <a:ea typeface="华文楷体" panose="02010600040101010101" pitchFamily="2" charset="-122"/>
                         </a:rPr>
-                        <a:t>算法、基于神经网络的</a:t>
+                        <a:t>算法</a:t>
+                      </a:r>
+                      <a:r>
+                        <a:rPr lang="zh-CN" altLang="en-US" dirty="0" smtClean="0">
+                          <a:latin typeface="华文楷体" panose="02010600040101010101" pitchFamily="2" charset="-122"/>
+                          <a:ea typeface="华文楷体" panose="02010600040101010101" pitchFamily="2" charset="-122"/>
+                        </a:rPr>
+                        <a:t>、</a:t>
                       </a:r>
                       <a:r>
                         <a:rPr lang="en-US" altLang="zh-CN" dirty="0" smtClean="0">
@@ -8968,18 +10604,19 @@
                     <a:bodyPr/>
                     <a:lstStyle/>
                     <a:p>
-                      <a:endParaRPr lang="en-US" altLang="zh-CN" dirty="0" smtClean="0">
-                        <a:latin typeface="华文楷体" panose="02010600040101010101" pitchFamily="2" charset="-122"/>
-                        <a:ea typeface="华文楷体" panose="02010600040101010101" pitchFamily="2" charset="-122"/>
-                      </a:endParaRPr>
-                    </a:p>
-                    <a:p>
                       <a:r>
                         <a:rPr lang="zh-CN" altLang="en-US" dirty="0" smtClean="0">
                           <a:latin typeface="华文楷体" panose="02010600040101010101" pitchFamily="2" charset="-122"/>
                           <a:ea typeface="华文楷体" panose="02010600040101010101" pitchFamily="2" charset="-122"/>
                         </a:rPr>
-                        <a:t>运算性能高、</a:t>
+                        <a:t>运算性</a:t>
+                      </a:r>
+                      <a:r>
+                        <a:rPr lang="zh-CN" altLang="en-US" dirty="0" smtClean="0">
+                          <a:latin typeface="华文楷体" panose="02010600040101010101" pitchFamily="2" charset="-122"/>
+                          <a:ea typeface="华文楷体" panose="02010600040101010101" pitchFamily="2" charset="-122"/>
+                        </a:rPr>
+                        <a:t>能高、</a:t>
                       </a:r>
                       <a:endParaRPr lang="en-US" altLang="zh-CN" dirty="0" smtClean="0">
                         <a:latin typeface="华文楷体" panose="02010600040101010101" pitchFamily="2" charset="-122"/>
@@ -9033,30 +10670,19 @@
                     <a:bodyPr/>
                     <a:lstStyle/>
                     <a:p>
-                      <a:endParaRPr lang="en-US" altLang="zh-CN" dirty="0" smtClean="0">
-                        <a:latin typeface="华文楷体" panose="02010600040101010101" pitchFamily="2" charset="-122"/>
-                        <a:ea typeface="华文楷体" panose="02010600040101010101" pitchFamily="2" charset="-122"/>
-                      </a:endParaRPr>
-                    </a:p>
-                    <a:p>
-                      <a:endParaRPr lang="en-US" altLang="zh-CN" dirty="0" smtClean="0">
-                        <a:latin typeface="华文楷体" panose="02010600040101010101" pitchFamily="2" charset="-122"/>
-                        <a:ea typeface="华文楷体" panose="02010600040101010101" pitchFamily="2" charset="-122"/>
-                      </a:endParaRPr>
-                    </a:p>
-                    <a:p>
-                      <a:endParaRPr lang="en-US" altLang="zh-CN" dirty="0" smtClean="0">
-                        <a:latin typeface="华文楷体" panose="02010600040101010101" pitchFamily="2" charset="-122"/>
-                        <a:ea typeface="华文楷体" panose="02010600040101010101" pitchFamily="2" charset="-122"/>
-                      </a:endParaRPr>
-                    </a:p>
-                    <a:p>
                       <a:r>
                         <a:rPr lang="zh-CN" altLang="en-US" dirty="0" smtClean="0">
                           <a:latin typeface="华文楷体" panose="02010600040101010101" pitchFamily="2" charset="-122"/>
                           <a:ea typeface="华文楷体" panose="02010600040101010101" pitchFamily="2" charset="-122"/>
                         </a:rPr>
-                        <a:t>硬盘容量大，集群中节点在高速局域网内</a:t>
+                        <a:t>硬盘</a:t>
+                      </a:r>
+                      <a:r>
+                        <a:rPr lang="zh-CN" altLang="en-US" dirty="0" smtClean="0">
+                          <a:latin typeface="华文楷体" panose="02010600040101010101" pitchFamily="2" charset="-122"/>
+                          <a:ea typeface="华文楷体" panose="02010600040101010101" pitchFamily="2" charset="-122"/>
+                        </a:rPr>
+                        <a:t>容量大，集群中节点在高速局域网内</a:t>
                       </a:r>
                     </a:p>
                   </a:txBody>
@@ -9984,7 +11610,7 @@
         </p:nvCxnSpPr>
         <p:spPr>
           <a:xfrm>
-            <a:off x="669701" y="4673600"/>
+            <a:off x="695101" y="3843607"/>
             <a:ext cx="10963499" cy="0"/>
           </a:xfrm>
           <a:prstGeom prst="line">
@@ -10021,7 +11647,7 @@
         </p:nvCxnSpPr>
         <p:spPr>
           <a:xfrm>
-            <a:off x="669701" y="5041900"/>
+            <a:off x="669701" y="6227741"/>
             <a:ext cx="10963499" cy="0"/>
           </a:xfrm>
           <a:prstGeom prst="line">
@@ -10058,7 +11684,7 @@
         </p:nvCxnSpPr>
         <p:spPr>
           <a:xfrm>
-            <a:off x="714151" y="6227741"/>
+            <a:off x="565220" y="5770541"/>
             <a:ext cx="10963499" cy="0"/>
           </a:xfrm>
           <a:prstGeom prst="line">
@@ -10205,7 +11831,7 @@
 </p:sld>
 </file>
 
-<file path=ppt/slides/slide13.xml><?xml version="1.0" encoding="utf-8"?>
+<file path=ppt/slides/slide14.xml><?xml version="1.0" encoding="utf-8"?>
 <p:sld xmlns:a="http://schemas.openxmlformats.org/drawingml/2006/main" xmlns:r="http://schemas.openxmlformats.org/officeDocument/2006/relationships" xmlns:p="http://schemas.openxmlformats.org/presentationml/2006/main">
   <p:cSld>
     <p:spTree>
@@ -11181,7 +12807,7 @@
 </p:sld>
 </file>
 
-<file path=ppt/slides/slide14.xml><?xml version="1.0" encoding="utf-8"?>
+<file path=ppt/slides/slide15.xml><?xml version="1.0" encoding="utf-8"?>
 <p:sld xmlns:a="http://schemas.openxmlformats.org/drawingml/2006/main" xmlns:r="http://schemas.openxmlformats.org/officeDocument/2006/relationships" xmlns:p="http://schemas.openxmlformats.org/presentationml/2006/main">
   <p:cSld>
     <p:spTree>
@@ -13230,7 +14856,7 @@
 </p:sld>
 </file>
 
-<file path=ppt/slides/slide15.xml><?xml version="1.0" encoding="utf-8"?>
+<file path=ppt/slides/slide16.xml><?xml version="1.0" encoding="utf-8"?>
 <p:sld xmlns:a="http://schemas.openxmlformats.org/drawingml/2006/main" xmlns:r="http://schemas.openxmlformats.org/officeDocument/2006/relationships" xmlns:p="http://schemas.openxmlformats.org/presentationml/2006/main">
   <p:cSld>
     <p:bg>
@@ -13263,8 +14889,8 @@
         </p:nvSpPr>
         <p:spPr>
           <a:xfrm>
-            <a:off x="2930439" y="2067951"/>
-            <a:ext cx="6326103" cy="1650452"/>
+            <a:off x="2644689" y="1713621"/>
+            <a:ext cx="6326103" cy="3785652"/>
           </a:xfrm>
           <a:prstGeom prst="rect">
             <a:avLst/>
@@ -13290,7 +14916,41 @@
                 <a:latin typeface="黑体" panose="02010609060101010101" pitchFamily="49" charset="-122"/>
                 <a:ea typeface="黑体" panose="02010609060101010101" pitchFamily="49" charset="-122"/>
               </a:rPr>
-              <a:t>THANK YOU</a:t>
+              <a:t>Q&amp;A</a:t>
+            </a:r>
+            <a:endParaRPr lang="en-US" altLang="zh-CN" sz="8000" b="1" spc="300" dirty="0" smtClean="0">
+              <a:solidFill>
+                <a:schemeClr val="bg1"/>
+              </a:solidFill>
+              <a:latin typeface="黑体" panose="02010609060101010101" pitchFamily="49" charset="-122"/>
+              <a:ea typeface="黑体" panose="02010609060101010101" pitchFamily="49" charset="-122"/>
+            </a:endParaRPr>
+          </a:p>
+          <a:p>
+            <a:pPr algn="ctr">
+              <a:lnSpc>
+                <a:spcPct val="150000"/>
+              </a:lnSpc>
+            </a:pPr>
+            <a:r>
+              <a:rPr lang="en-US" altLang="zh-CN" sz="8000" b="1" spc="300" dirty="0" smtClean="0">
+                <a:solidFill>
+                  <a:schemeClr val="bg1"/>
+                </a:solidFill>
+                <a:latin typeface="黑体" panose="02010609060101010101" pitchFamily="49" charset="-122"/>
+                <a:ea typeface="黑体" panose="02010609060101010101" pitchFamily="49" charset="-122"/>
+              </a:rPr>
+              <a:t>THANK </a:t>
+            </a:r>
+            <a:r>
+              <a:rPr lang="en-US" altLang="zh-CN" sz="8000" b="1" spc="300" dirty="0" smtClean="0">
+                <a:solidFill>
+                  <a:schemeClr val="bg1"/>
+                </a:solidFill>
+                <a:latin typeface="黑体" panose="02010609060101010101" pitchFamily="49" charset="-122"/>
+                <a:ea typeface="黑体" panose="02010609060101010101" pitchFamily="49" charset="-122"/>
+              </a:rPr>
+              <a:t>YOU</a:t>
             </a:r>
             <a:endParaRPr lang="zh-CN" altLang="en-US" sz="8000" b="1" spc="300" dirty="0">
               <a:solidFill>
@@ -14908,7 +16568,21 @@
                 <a:latin typeface="华文楷体" panose="02010600040101010101" pitchFamily="2" charset="-122"/>
                 <a:ea typeface="华文楷体" panose="02010600040101010101" pitchFamily="2" charset="-122"/>
               </a:rPr>
-              <a:t>发生的交易事件进行分析，做出快速的反应，避免金融交易过程中出现的诈 骗以及非法事件。</a:t>
+              <a:t>发生的交易事件进行分析，做出快速的反应，避免金融交易过程中出现的</a:t>
+            </a:r>
+            <a:r>
+              <a:rPr lang="zh-CN" altLang="en-US" sz="2000" dirty="0" smtClean="0">
+                <a:latin typeface="华文楷体" panose="02010600040101010101" pitchFamily="2" charset="-122"/>
+                <a:ea typeface="华文楷体" panose="02010600040101010101" pitchFamily="2" charset="-122"/>
+              </a:rPr>
+              <a:t>诈骗</a:t>
+            </a:r>
+            <a:r>
+              <a:rPr lang="zh-CN" altLang="en-US" sz="2000" dirty="0">
+                <a:latin typeface="华文楷体" panose="02010600040101010101" pitchFamily="2" charset="-122"/>
+                <a:ea typeface="华文楷体" panose="02010600040101010101" pitchFamily="2" charset="-122"/>
+              </a:rPr>
+              <a:t>以及非法事件。</a:t>
             </a:r>
             <a:endParaRPr lang="zh-CN" altLang="en-US" sz="2000" dirty="0">
               <a:latin typeface="微软雅黑" panose="020B0503020204020204" pitchFamily="34" charset="-122"/>
@@ -16708,7 +18382,7 @@
         <p:spPr>
           <a:xfrm>
             <a:off x="947010" y="2472291"/>
-            <a:ext cx="2141079" cy="3323987"/>
+            <a:ext cx="2141079" cy="3647152"/>
           </a:xfrm>
           <a:prstGeom prst="rect">
             <a:avLst/>
@@ -16737,7 +18411,20 @@
                 <a:latin typeface="宋体" panose="02010600030101010101" pitchFamily="2" charset="-122"/>
                 <a:ea typeface="宋体" panose="02010600030101010101" pitchFamily="2" charset="-122"/>
               </a:rPr>
-              <a:t>批处理</a:t>
+              <a:t>目前大部分的股票预测系统，如同花顺，采用</a:t>
+            </a:r>
+            <a:r>
+              <a:rPr lang="zh-CN" altLang="en-US" sz="1400" spc="300" dirty="0" smtClean="0">
+                <a:solidFill>
+                  <a:schemeClr val="tx1">
+                    <a:lumMod val="85000"/>
+                    <a:lumOff val="15000"/>
+                  </a:schemeClr>
+                </a:solidFill>
+                <a:latin typeface="宋体" panose="02010600030101010101" pitchFamily="2" charset="-122"/>
+                <a:ea typeface="宋体" panose="02010600030101010101" pitchFamily="2" charset="-122"/>
+              </a:rPr>
+              <a:t>静态</a:t>
             </a:r>
             <a:r>
               <a:rPr lang="zh-CN" altLang="en-US" sz="1400" spc="300" dirty="0">
@@ -16750,7 +18437,59 @@
                 <a:latin typeface="宋体" panose="02010600030101010101" pitchFamily="2" charset="-122"/>
                 <a:ea typeface="宋体" panose="02010600030101010101" pitchFamily="2" charset="-122"/>
               </a:rPr>
-              <a:t>指的是针对的是静态的数据通过外存为媒介来实现的计算，在应对高速率的数据处理需求时表现出了延迟高，响应缓慢等不足，导致了它在数据实时分析处理领域存在一定的局限性。</a:t>
+              <a:t>的数据通过外存为</a:t>
+            </a:r>
+            <a:r>
+              <a:rPr lang="zh-CN" altLang="en-US" sz="1400" spc="300" dirty="0" smtClean="0">
+                <a:solidFill>
+                  <a:schemeClr val="tx1">
+                    <a:lumMod val="85000"/>
+                    <a:lumOff val="15000"/>
+                  </a:schemeClr>
+                </a:solidFill>
+                <a:latin typeface="宋体" panose="02010600030101010101" pitchFamily="2" charset="-122"/>
+                <a:ea typeface="宋体" panose="02010600030101010101" pitchFamily="2" charset="-122"/>
+              </a:rPr>
+              <a:t>媒介实现</a:t>
+            </a:r>
+            <a:r>
+              <a:rPr lang="zh-CN" altLang="en-US" sz="1400" spc="300" dirty="0" smtClean="0">
+                <a:solidFill>
+                  <a:schemeClr val="tx1">
+                    <a:lumMod val="85000"/>
+                    <a:lumOff val="15000"/>
+                  </a:schemeClr>
+                </a:solidFill>
+                <a:latin typeface="宋体" panose="02010600030101010101" pitchFamily="2" charset="-122"/>
+                <a:ea typeface="宋体" panose="02010600030101010101" pitchFamily="2" charset="-122"/>
+              </a:rPr>
+              <a:t>分布式</a:t>
+            </a:r>
+            <a:r>
+              <a:rPr lang="zh-CN" altLang="en-US" sz="1400" spc="300" dirty="0" smtClean="0">
+                <a:solidFill>
+                  <a:schemeClr val="tx1">
+                    <a:lumMod val="85000"/>
+                    <a:lumOff val="15000"/>
+                  </a:schemeClr>
+                </a:solidFill>
+                <a:latin typeface="宋体" panose="02010600030101010101" pitchFamily="2" charset="-122"/>
+                <a:ea typeface="宋体" panose="02010600030101010101" pitchFamily="2" charset="-122"/>
+              </a:rPr>
+              <a:t>计算</a:t>
+            </a:r>
+            <a:r>
+              <a:rPr lang="zh-CN" altLang="en-US" sz="1400" spc="300" dirty="0">
+                <a:solidFill>
+                  <a:schemeClr val="tx1">
+                    <a:lumMod val="85000"/>
+                    <a:lumOff val="15000"/>
+                  </a:schemeClr>
+                </a:solidFill>
+                <a:latin typeface="宋体" panose="02010600030101010101" pitchFamily="2" charset="-122"/>
+                <a:ea typeface="宋体" panose="02010600030101010101" pitchFamily="2" charset="-122"/>
+              </a:rPr>
+              <a:t>，在应对高速率的数据处理需求时表现出了延迟高，响应缓慢等不足，导致了它在数据实时分析处理领域存在一定的局限性。</a:t>
             </a:r>
           </a:p>
         </p:txBody>
@@ -16842,7 +18581,7 @@
         <p:spPr>
           <a:xfrm>
             <a:off x="6572487" y="2472291"/>
-            <a:ext cx="2343529" cy="3000821"/>
+            <a:ext cx="2343529" cy="3323987"/>
           </a:xfrm>
           <a:prstGeom prst="rect">
             <a:avLst/>
@@ -16882,7 +18621,55 @@
                 </a:solidFill>
                 <a:latin typeface="宋体" panose="02010600030101010101" pitchFamily="2" charset="-122"/>
               </a:rPr>
-              <a:t>上每个组件的故障轻则使得预测结果误差较大，重则导致系统的崩溃，无法对外提供服务，目前国内外的大型的分布式系统上都有各自的</a:t>
+              <a:t>上每个组件的故障轻则使得预测结果误差较大，重则导致系统的崩溃，无法对外提供服务</a:t>
+            </a:r>
+            <a:r>
+              <a:rPr lang="zh-CN" altLang="en-US" sz="1400" spc="300" dirty="0" smtClean="0">
+                <a:solidFill>
+                  <a:schemeClr val="tx1">
+                    <a:lumMod val="85000"/>
+                    <a:lumOff val="15000"/>
+                  </a:schemeClr>
+                </a:solidFill>
+                <a:latin typeface="宋体" panose="02010600030101010101" pitchFamily="2" charset="-122"/>
+              </a:rPr>
+              <a:t>，为大型</a:t>
+            </a:r>
+            <a:r>
+              <a:rPr lang="zh-CN" altLang="en-US" sz="1400" spc="300" dirty="0">
+                <a:solidFill>
+                  <a:schemeClr val="tx1">
+                    <a:lumMod val="85000"/>
+                    <a:lumOff val="15000"/>
+                  </a:schemeClr>
+                </a:solidFill>
+                <a:latin typeface="宋体" panose="02010600030101010101" pitchFamily="2" charset="-122"/>
+              </a:rPr>
+              <a:t>的分布式系统</a:t>
+            </a:r>
+            <a:r>
+              <a:rPr lang="zh-CN" altLang="en-US" sz="1400" spc="300" dirty="0" smtClean="0">
+                <a:solidFill>
+                  <a:schemeClr val="tx1">
+                    <a:lumMod val="85000"/>
+                    <a:lumOff val="15000"/>
+                  </a:schemeClr>
+                </a:solidFill>
+                <a:latin typeface="宋体" panose="02010600030101010101" pitchFamily="2" charset="-122"/>
+              </a:rPr>
+              <a:t>上设计各自</a:t>
+            </a:r>
+            <a:r>
+              <a:rPr lang="zh-CN" altLang="en-US" sz="1400" spc="300" dirty="0">
+                <a:solidFill>
+                  <a:schemeClr val="tx1">
+                    <a:lumMod val="85000"/>
+                    <a:lumOff val="15000"/>
+                  </a:schemeClr>
+                </a:solidFill>
+                <a:latin typeface="宋体" panose="02010600030101010101" pitchFamily="2" charset="-122"/>
+              </a:rPr>
+              <a:t>的</a:t>
             </a:r>
             <a:r>
               <a:rPr lang="en-US" altLang="zh-CN" sz="1400" spc="300" dirty="0">
@@ -16906,8 +18693,29 @@
                 </a:solidFill>
                 <a:latin typeface="宋体" panose="02010600030101010101" pitchFamily="2" charset="-122"/>
               </a:rPr>
-              <a:t>方案，保证系统在出现故障时能够触发自动恢复机制。</a:t>
-            </a:r>
+              <a:t>方案，保证系统在出现故障时能够触发自动恢复</a:t>
+            </a:r>
+            <a:r>
+              <a:rPr lang="zh-CN" altLang="en-US" sz="1400" spc="300" dirty="0" smtClean="0">
+                <a:solidFill>
+                  <a:schemeClr val="tx1">
+                    <a:lumMod val="85000"/>
+                    <a:lumOff val="15000"/>
+                  </a:schemeClr>
+                </a:solidFill>
+                <a:latin typeface="宋体" panose="02010600030101010101" pitchFamily="2" charset="-122"/>
+              </a:rPr>
+              <a:t>机制，是保证系统稳定的重要途径。</a:t>
+            </a:r>
+            <a:endParaRPr lang="zh-CN" altLang="en-US" sz="1400" spc="300" dirty="0">
+              <a:solidFill>
+                <a:schemeClr val="tx1">
+                  <a:lumMod val="85000"/>
+                  <a:lumOff val="15000"/>
+                </a:schemeClr>
+              </a:solidFill>
+              <a:latin typeface="宋体" panose="02010600030101010101" pitchFamily="2" charset="-122"/>
+            </a:endParaRPr>
           </a:p>
         </p:txBody>
       </p:sp>
@@ -17219,9 +19027,9 @@
         <p:grpSpPr>
           <a:xfrm>
             <a:off x="595808" y="1804588"/>
-            <a:ext cx="5142052" cy="3046987"/>
+            <a:ext cx="5142052" cy="3046988"/>
             <a:chOff x="595808" y="1804588"/>
-            <a:chExt cx="4924927" cy="3046987"/>
+            <a:chExt cx="4924927" cy="3046988"/>
           </a:xfrm>
         </p:grpSpPr>
         <p:sp>
@@ -17233,7 +19041,7 @@
           <p:spPr>
             <a:xfrm>
               <a:off x="1956601" y="1804588"/>
-              <a:ext cx="3564134" cy="2800767"/>
+              <a:ext cx="3564134" cy="3046988"/>
             </a:xfrm>
             <a:prstGeom prst="rect">
               <a:avLst/>
@@ -17295,27 +19103,13 @@
                 </a:lnSpc>
               </a:pPr>
               <a:r>
-                <a:rPr lang="zh-CN" altLang="en-US" sz="1600" dirty="0" smtClean="0">
-                  <a:latin typeface="宋体" panose="02010600030101010101" pitchFamily="2" charset="-122"/>
-                  <a:ea typeface="宋体" panose="02010600030101010101" pitchFamily="2" charset="-122"/>
-                </a:rPr>
-                <a:t>基于</a:t>
-              </a:r>
-              <a:r>
-                <a:rPr lang="zh-CN" altLang="en-US" sz="1600" dirty="0">
-                  <a:latin typeface="宋体" panose="02010600030101010101" pitchFamily="2" charset="-122"/>
-                  <a:ea typeface="宋体" panose="02010600030101010101" pitchFamily="2" charset="-122"/>
-                </a:rPr>
-                <a:t>时间序列的</a:t>
-              </a:r>
-              <a:r>
-                <a:rPr lang="zh-CN" altLang="en-US" sz="1600" dirty="0" smtClean="0">
+                <a:rPr lang="zh-CN" altLang="en-US" sz="2400" dirty="0">
                   <a:latin typeface="宋体" panose="02010600030101010101" pitchFamily="2" charset="-122"/>
                   <a:ea typeface="宋体" panose="02010600030101010101" pitchFamily="2" charset="-122"/>
                 </a:rPr>
                 <a:t>自回归滑动平均模型</a:t>
               </a:r>
-              <a:endParaRPr lang="en-US" altLang="zh-CN" sz="1600" dirty="0" smtClean="0">
+              <a:endParaRPr lang="en-US" altLang="zh-CN" sz="2400" dirty="0">
                 <a:latin typeface="宋体" panose="02010600030101010101" pitchFamily="2" charset="-122"/>
                 <a:ea typeface="宋体" panose="02010600030101010101" pitchFamily="2" charset="-122"/>
               </a:endParaRPr>
@@ -17333,10 +19127,6 @@
                 </a:rPr>
                 <a:t>反向传播神经网络</a:t>
               </a:r>
-              <a:endParaRPr lang="zh-CN" altLang="en-US" sz="2400" dirty="0">
-                <a:latin typeface="宋体" panose="02010600030101010101" pitchFamily="2" charset="-122"/>
-                <a:ea typeface="宋体" panose="02010600030101010101" pitchFamily="2" charset="-122"/>
-              </a:endParaRPr>
             </a:p>
           </p:txBody>
         </p:sp>
@@ -17375,16 +19165,6 @@
                 </a:rPr>
                 <a:t>技术</a:t>
               </a:r>
-              <a:endParaRPr lang="zh-CN" altLang="en-US" sz="2000" b="1" spc="300" dirty="0">
-                <a:solidFill>
-                  <a:schemeClr val="tx1">
-                    <a:lumMod val="65000"/>
-                    <a:lumOff val="35000"/>
-                  </a:schemeClr>
-                </a:solidFill>
-                <a:latin typeface="微软雅黑" panose="020B0503020204020204" pitchFamily="34" charset="-122"/>
-                <a:ea typeface="微软雅黑" panose="020B0503020204020204" pitchFamily="34" charset="-122"/>
-              </a:endParaRPr>
             </a:p>
           </p:txBody>
         </p:sp>
@@ -17967,7 +19747,7 @@
         <p:spPr>
           <a:xfrm>
             <a:off x="553789" y="1159099"/>
-            <a:ext cx="10784770" cy="1107996"/>
+            <a:ext cx="10784770" cy="830997"/>
           </a:xfrm>
           <a:prstGeom prst="rect">
             <a:avLst/>
@@ -18012,15 +19792,44 @@
                 <a:latin typeface="华文楷体" panose="02010600040101010101" pitchFamily="2" charset="-122"/>
                 <a:ea typeface="华文楷体" panose="02010600040101010101" pitchFamily="2" charset="-122"/>
               </a:rPr>
-              <a:t>上边界从数据源加载开始，下边界是将预测的实时结果供外部系统使用。</a:t>
+              <a:t>上边界从数据源加载开始，下边界是</a:t>
+            </a:r>
+            <a:r>
+              <a:rPr lang="zh-CN" altLang="zh-CN" sz="1600" spc="300" dirty="0" smtClean="0">
+                <a:latin typeface="华文楷体" panose="02010600040101010101" pitchFamily="2" charset="-122"/>
+                <a:ea typeface="华文楷体" panose="02010600040101010101" pitchFamily="2" charset="-122"/>
+              </a:rPr>
+              <a:t>将</a:t>
+            </a:r>
+            <a:r>
+              <a:rPr lang="zh-CN" altLang="en-US" sz="1600" spc="300" dirty="0" smtClean="0">
+                <a:latin typeface="华文楷体" panose="02010600040101010101" pitchFamily="2" charset="-122"/>
+                <a:ea typeface="华文楷体" panose="02010600040101010101" pitchFamily="2" charset="-122"/>
+              </a:rPr>
+              <a:t>系统发布数据接口将</a:t>
+            </a:r>
+            <a:r>
+              <a:rPr lang="zh-CN" altLang="zh-CN" sz="1600" spc="300" dirty="0" smtClean="0">
+                <a:latin typeface="华文楷体" panose="02010600040101010101" pitchFamily="2" charset="-122"/>
+                <a:ea typeface="华文楷体" panose="02010600040101010101" pitchFamily="2" charset="-122"/>
+              </a:rPr>
+              <a:t>预测</a:t>
+            </a:r>
+            <a:r>
+              <a:rPr lang="zh-CN" altLang="zh-CN" sz="1600" spc="300" dirty="0">
+                <a:latin typeface="华文楷体" panose="02010600040101010101" pitchFamily="2" charset="-122"/>
+                <a:ea typeface="华文楷体" panose="02010600040101010101" pitchFamily="2" charset="-122"/>
+              </a:rPr>
+              <a:t>的实时结果供外部系统使用</a:t>
+            </a:r>
+            <a:r>
+              <a:rPr lang="zh-CN" altLang="zh-CN" sz="1600" spc="300" dirty="0" smtClean="0">
+                <a:latin typeface="华文楷体" panose="02010600040101010101" pitchFamily="2" charset="-122"/>
+                <a:ea typeface="华文楷体" panose="02010600040101010101" pitchFamily="2" charset="-122"/>
+              </a:rPr>
+              <a:t>。</a:t>
             </a:r>
             <a:endParaRPr kumimoji="1" lang="en-US" altLang="zh-CN" sz="1600" spc="300" dirty="0">
-              <a:latin typeface="华文楷体" panose="02010600040101010101" pitchFamily="2" charset="-122"/>
-              <a:ea typeface="华文楷体" panose="02010600040101010101" pitchFamily="2" charset="-122"/>
-            </a:endParaRPr>
-          </a:p>
-          <a:p>
-            <a:endParaRPr lang="zh-CN" altLang="zh-CN" sz="1600" spc="300" dirty="0">
               <a:latin typeface="华文楷体" panose="02010600040101010101" pitchFamily="2" charset="-122"/>
               <a:ea typeface="华文楷体" panose="02010600040101010101" pitchFamily="2" charset="-122"/>
             </a:endParaRPr>
@@ -18080,14 +19889,14 @@
           <p:nvPr>
             <p:extLst>
               <p:ext uri="{D42A27DB-BD31-4B8C-83A1-F6EECF244321}">
-                <p14:modId xmlns:p14="http://schemas.microsoft.com/office/powerpoint/2010/main" val="1891858391"/>
+                <p14:modId xmlns:p14="http://schemas.microsoft.com/office/powerpoint/2010/main" val="811388096"/>
               </p:ext>
             </p:extLst>
           </p:nvPr>
         </p:nvGraphicFramePr>
         <p:xfrm>
           <a:off x="5977481" y="2918604"/>
-          <a:ext cx="5464323" cy="3237499"/>
+          <a:ext cx="5464323" cy="3020625"/>
         </p:xfrm>
         <a:graphic>
           <a:graphicData uri="http://schemas.openxmlformats.org/drawingml/2006/table">
@@ -18100,7 +19909,7 @@
                 <a:gridCol w="1482284"/>
                 <a:gridCol w="3308606"/>
               </a:tblGrid>
-              <a:tr h="660448">
+              <a:tr h="443574">
                 <a:tc>
                   <a:txBody>
                     <a:bodyPr/>
@@ -18108,21 +19917,25 @@
                     <a:p>
                       <a:pPr algn="ctr" rtl="0" fontAlgn="ctr"/>
                       <a:r>
-                        <a:rPr lang="en-US" altLang="zh-CN" sz="1200" u="none" strike="noStrike" dirty="0">
+                        <a:rPr lang="zh-CN" altLang="en-US" sz="1200" u="none" strike="noStrike" kern="1200" dirty="0" smtClean="0">
                           <a:solidFill>
-                            <a:schemeClr val="bg1"/>
+                            <a:srgbClr val="F0F0F0"/>
                           </a:solidFill>
                           <a:effectLst/>
+                          <a:latin typeface="+mn-lt"/>
+                          <a:ea typeface="+mn-ea"/>
+                          <a:cs typeface="+mn-cs"/>
                         </a:rPr>
-                        <a:t>1</a:t>
+                        <a:t>编号</a:t>
                       </a:r>
-                      <a:endParaRPr lang="en-US" altLang="zh-CN" sz="1200" b="0" i="0" u="none" strike="noStrike" dirty="0">
+                      <a:endParaRPr lang="en-US" altLang="zh-CN" sz="1200" u="none" strike="noStrike" kern="1200" dirty="0">
                         <a:solidFill>
-                          <a:schemeClr val="bg1"/>
+                          <a:srgbClr val="F0F0F0"/>
                         </a:solidFill>
                         <a:effectLst/>
-                        <a:latin typeface="微软雅黑" panose="020B0503020204020204" pitchFamily="34" charset="-122"/>
-                        <a:ea typeface="微软雅黑" panose="020B0503020204020204" pitchFamily="34" charset="-122"/>
+                        <a:latin typeface="+mn-lt"/>
+                        <a:ea typeface="+mn-ea"/>
+                        <a:cs typeface="+mn-cs"/>
                       </a:endParaRPr>
                     </a:p>
                   </a:txBody>
@@ -18139,30 +19952,25 @@
                     <a:p>
                       <a:pPr algn="ctr" rtl="0" fontAlgn="ctr"/>
                       <a:r>
-                        <a:rPr lang="en-US" sz="1200" u="none" strike="noStrike" dirty="0">
+                        <a:rPr lang="zh-CN" altLang="en-US" sz="1200" u="none" strike="noStrike" kern="1200" dirty="0" smtClean="0">
                           <a:solidFill>
-                            <a:schemeClr val="bg1"/>
+                            <a:srgbClr val="F0F0F0"/>
                           </a:solidFill>
                           <a:effectLst/>
+                          <a:latin typeface="+mn-lt"/>
+                          <a:ea typeface="+mn-ea"/>
+                          <a:cs typeface="+mn-cs"/>
                         </a:rPr>
-                        <a:t>Kafka</a:t>
+                        <a:t>组件</a:t>
                       </a:r>
-                      <a:r>
-                        <a:rPr lang="zh-CN" altLang="en-US" sz="1200" u="none" strike="noStrike" dirty="0">
-                          <a:solidFill>
-                            <a:schemeClr val="bg1"/>
-                          </a:solidFill>
-                          <a:effectLst/>
-                        </a:rPr>
-                        <a:t>集群</a:t>
-                      </a:r>
-                      <a:endParaRPr lang="zh-CN" altLang="en-US" sz="1200" b="0" i="0" u="none" strike="noStrike" dirty="0">
+                      <a:endParaRPr lang="zh-CN" altLang="en-US" sz="1200" u="none" strike="noStrike" kern="1200" dirty="0">
                         <a:solidFill>
-                          <a:schemeClr val="bg1"/>
+                          <a:srgbClr val="F0F0F0"/>
                         </a:solidFill>
                         <a:effectLst/>
-                        <a:latin typeface="微软雅黑" panose="020B0503020204020204" pitchFamily="34" charset="-122"/>
-                        <a:ea typeface="微软雅黑" panose="020B0503020204020204" pitchFamily="34" charset="-122"/>
+                        <a:latin typeface="+mn-lt"/>
+                        <a:ea typeface="+mn-ea"/>
+                        <a:cs typeface="+mn-cs"/>
                       </a:endParaRPr>
                     </a:p>
                   </a:txBody>
@@ -18179,108 +19987,240 @@
                     <a:p>
                       <a:pPr algn="ctr" rtl="0" fontAlgn="ctr"/>
                       <a:r>
-                        <a:rPr lang="zh-CN" altLang="en-US" sz="1200" u="none" strike="noStrike" dirty="0">
+                        <a:rPr lang="zh-CN" altLang="en-US" sz="1200" u="none" strike="noStrike" kern="1200" dirty="0" smtClean="0">
                           <a:solidFill>
-                            <a:schemeClr val="bg1"/>
+                            <a:srgbClr val="F0F0F0"/>
                           </a:solidFill>
                           <a:effectLst/>
+                          <a:latin typeface="+mn-lt"/>
+                          <a:ea typeface="+mn-ea"/>
+                          <a:cs typeface="+mn-cs"/>
                         </a:rPr>
-                        <a:t>消息中间件，供下游</a:t>
+                        <a:t>功能</a:t>
                       </a:r>
-                      <a:r>
-                        <a:rPr lang="zh-CN" altLang="en-US" sz="1200" u="none" strike="noStrike" dirty="0" smtClean="0">
-                          <a:solidFill>
-                            <a:schemeClr val="bg1"/>
-                          </a:solidFill>
-                          <a:effectLst/>
-                        </a:rPr>
-                        <a:t>系统</a:t>
-                      </a:r>
-                      <a:endParaRPr lang="en-US" altLang="zh-CN" sz="1200" u="none" strike="noStrike" dirty="0" smtClean="0">
+                      <a:endParaRPr lang="zh-CN" altLang="en-US" sz="1200" u="none" strike="noStrike" kern="1200" dirty="0">
                         <a:solidFill>
-                          <a:schemeClr val="bg1"/>
+                          <a:srgbClr val="F0F0F0"/>
                         </a:solidFill>
                         <a:effectLst/>
-                      </a:endParaRPr>
-                    </a:p>
-                    <a:p>
-                      <a:pPr algn="ctr" rtl="0" fontAlgn="ctr"/>
-                      <a:r>
-                        <a:rPr lang="en-US" altLang="zh-CN" sz="1200" u="none" strike="noStrike" dirty="0" smtClean="0">
-                          <a:solidFill>
-                            <a:schemeClr val="bg1"/>
-                          </a:solidFill>
-                          <a:effectLst/>
-                        </a:rPr>
-                        <a:t>(</a:t>
-                      </a:r>
-                      <a:r>
-                        <a:rPr lang="en-US" altLang="zh-CN" sz="1200" u="none" strike="noStrike" dirty="0" err="1">
-                          <a:solidFill>
-                            <a:schemeClr val="bg1"/>
-                          </a:solidFill>
-                          <a:effectLst/>
-                        </a:rPr>
-                        <a:t>Flink</a:t>
-                      </a:r>
-                      <a:r>
-                        <a:rPr lang="zh-CN" altLang="en-US" sz="1200" u="none" strike="noStrike" dirty="0">
-                          <a:solidFill>
-                            <a:schemeClr val="bg1"/>
-                          </a:solidFill>
-                          <a:effectLst/>
-                        </a:rPr>
-                        <a:t>、</a:t>
-                      </a:r>
-                      <a:r>
-                        <a:rPr lang="en-US" altLang="zh-CN" sz="1200" u="none" strike="noStrike" dirty="0" err="1" smtClean="0">
-                          <a:solidFill>
-                            <a:schemeClr val="bg1"/>
-                          </a:solidFill>
-                          <a:effectLst/>
-                        </a:rPr>
-                        <a:t>GreenPlum</a:t>
-                      </a:r>
-                      <a:r>
-                        <a:rPr lang="en-US" altLang="zh-CN" sz="1200" u="none" strike="noStrike" dirty="0" smtClean="0">
-                          <a:solidFill>
-                            <a:schemeClr val="bg1"/>
-                          </a:solidFill>
-                          <a:effectLst/>
-                        </a:rPr>
-                        <a:t>)</a:t>
-                      </a:r>
-                      <a:r>
-                        <a:rPr lang="zh-CN" altLang="en-US" sz="1200" u="none" strike="noStrike" dirty="0" smtClean="0">
-                          <a:solidFill>
-                            <a:schemeClr val="bg1"/>
-                          </a:solidFill>
-                          <a:effectLst/>
-                        </a:rPr>
-                        <a:t>消费</a:t>
-                      </a:r>
-                      <a:r>
-                        <a:rPr lang="zh-CN" altLang="en-US" sz="1200" u="none" strike="noStrike" dirty="0">
-                          <a:solidFill>
-                            <a:schemeClr val="bg1"/>
-                          </a:solidFill>
-                          <a:effectLst/>
-                        </a:rPr>
-                        <a:t>数据</a:t>
-                      </a:r>
-                      <a:endParaRPr lang="zh-CN" altLang="en-US" sz="1200" b="0" i="0" u="none" strike="noStrike" dirty="0">
-                        <a:solidFill>
-                          <a:schemeClr val="bg1"/>
-                        </a:solidFill>
-                        <a:effectLst/>
-                        <a:latin typeface="微软雅黑" panose="020B0503020204020204" pitchFamily="34" charset="-122"/>
-                        <a:ea typeface="微软雅黑" panose="020B0503020204020204" pitchFamily="34" charset="-122"/>
+                        <a:latin typeface="+mn-lt"/>
+                        <a:ea typeface="+mn-ea"/>
+                        <a:cs typeface="+mn-cs"/>
                       </a:endParaRPr>
                     </a:p>
                   </a:txBody>
                   <a:tcPr marL="9175" marR="9175" marT="9175" marB="0" anchor="ctr">
                     <a:solidFill>
                       <a:srgbClr val="5284A1"/>
+                    </a:solidFill>
+                  </a:tcPr>
+                </a:tc>
+              </a:tr>
+              <a:tr h="660448">
+                <a:tc>
+                  <a:txBody>
+                    <a:bodyPr/>
+                    <a:lstStyle/>
+                    <a:p>
+                      <a:pPr algn="ctr" rtl="0" fontAlgn="ctr"/>
+                      <a:r>
+                        <a:rPr lang="en-US" altLang="zh-CN" sz="1200" u="none" strike="noStrike" kern="1200" dirty="0" smtClean="0">
+                          <a:solidFill>
+                            <a:schemeClr val="dk1"/>
+                          </a:solidFill>
+                          <a:effectLst/>
+                          <a:latin typeface="+mn-lt"/>
+                          <a:ea typeface="+mn-ea"/>
+                          <a:cs typeface="+mn-cs"/>
+                        </a:rPr>
+                        <a:t>1</a:t>
+                      </a:r>
+                      <a:endParaRPr lang="en-US" altLang="zh-CN" sz="1200" u="none" strike="noStrike" kern="1200" dirty="0">
+                        <a:solidFill>
+                          <a:schemeClr val="dk1"/>
+                        </a:solidFill>
+                        <a:effectLst/>
+                        <a:latin typeface="+mn-lt"/>
+                        <a:ea typeface="+mn-ea"/>
+                        <a:cs typeface="+mn-cs"/>
+                      </a:endParaRPr>
+                    </a:p>
+                  </a:txBody>
+                  <a:tcPr marL="9175" marR="9175" marT="9175" marB="0" anchor="ctr">
+                    <a:solidFill>
+                      <a:schemeClr val="bg1"/>
+                    </a:solidFill>
+                  </a:tcPr>
+                </a:tc>
+                <a:tc>
+                  <a:txBody>
+                    <a:bodyPr/>
+                    <a:lstStyle/>
+                    <a:p>
+                      <a:pPr algn="ctr" rtl="0" fontAlgn="ctr"/>
+                      <a:r>
+                        <a:rPr lang="en-US" sz="1200" u="none" strike="noStrike" kern="1200" dirty="0">
+                          <a:solidFill>
+                            <a:schemeClr val="dk1"/>
+                          </a:solidFill>
+                          <a:effectLst/>
+                          <a:latin typeface="+mn-lt"/>
+                          <a:ea typeface="+mn-ea"/>
+                          <a:cs typeface="+mn-cs"/>
+                        </a:rPr>
+                        <a:t>Kafka</a:t>
+                      </a:r>
+                      <a:r>
+                        <a:rPr lang="zh-CN" altLang="en-US" sz="1200" u="none" strike="noStrike" kern="1200" dirty="0">
+                          <a:solidFill>
+                            <a:schemeClr val="dk1"/>
+                          </a:solidFill>
+                          <a:effectLst/>
+                          <a:latin typeface="+mn-lt"/>
+                          <a:ea typeface="+mn-ea"/>
+                          <a:cs typeface="+mn-cs"/>
+                        </a:rPr>
+                        <a:t>集群</a:t>
+                      </a:r>
+                    </a:p>
+                  </a:txBody>
+                  <a:tcPr marL="9175" marR="9175" marT="9175" marB="0" anchor="ctr">
+                    <a:solidFill>
+                      <a:schemeClr val="bg1"/>
+                    </a:solidFill>
+                  </a:tcPr>
+                </a:tc>
+                <a:tc>
+                  <a:txBody>
+                    <a:bodyPr/>
+                    <a:lstStyle/>
+                    <a:p>
+                      <a:pPr algn="ctr" rtl="0" fontAlgn="ctr"/>
+                      <a:r>
+                        <a:rPr lang="zh-CN" altLang="en-US" sz="1200" u="none" strike="noStrike" kern="1200" dirty="0">
+                          <a:solidFill>
+                            <a:schemeClr val="dk1"/>
+                          </a:solidFill>
+                          <a:effectLst/>
+                          <a:latin typeface="+mn-lt"/>
+                          <a:ea typeface="+mn-ea"/>
+                          <a:cs typeface="+mn-cs"/>
+                        </a:rPr>
+                        <a:t>消息中间件，供下游</a:t>
+                      </a:r>
+                      <a:r>
+                        <a:rPr lang="zh-CN" altLang="en-US" sz="1200" u="none" strike="noStrike" kern="1200" dirty="0" smtClean="0">
+                          <a:solidFill>
+                            <a:schemeClr val="dk1"/>
+                          </a:solidFill>
+                          <a:effectLst/>
+                          <a:latin typeface="+mn-lt"/>
+                          <a:ea typeface="+mn-ea"/>
+                          <a:cs typeface="+mn-cs"/>
+                        </a:rPr>
+                        <a:t>系统</a:t>
+                      </a:r>
+                      <a:endParaRPr lang="en-US" altLang="zh-CN" sz="1200" u="none" strike="noStrike" kern="1200" dirty="0" smtClean="0">
+                        <a:solidFill>
+                          <a:schemeClr val="dk1"/>
+                        </a:solidFill>
+                        <a:effectLst/>
+                        <a:latin typeface="+mn-lt"/>
+                        <a:ea typeface="+mn-ea"/>
+                        <a:cs typeface="+mn-cs"/>
+                      </a:endParaRPr>
+                    </a:p>
+                    <a:p>
+                      <a:pPr algn="ctr" rtl="0" fontAlgn="ctr"/>
+                      <a:r>
+                        <a:rPr lang="en-US" altLang="zh-CN" sz="1200" u="none" strike="noStrike" kern="1200" dirty="0" smtClean="0">
+                          <a:solidFill>
+                            <a:schemeClr val="dk1"/>
+                          </a:solidFill>
+                          <a:effectLst/>
+                          <a:latin typeface="+mn-lt"/>
+                          <a:ea typeface="+mn-ea"/>
+                          <a:cs typeface="+mn-cs"/>
+                        </a:rPr>
+                        <a:t>(</a:t>
+                      </a:r>
+                      <a:r>
+                        <a:rPr lang="en-US" altLang="zh-CN" sz="1200" u="none" strike="noStrike" kern="1200" dirty="0" err="1">
+                          <a:solidFill>
+                            <a:schemeClr val="dk1"/>
+                          </a:solidFill>
+                          <a:effectLst/>
+                          <a:latin typeface="+mn-lt"/>
+                          <a:ea typeface="+mn-ea"/>
+                          <a:cs typeface="+mn-cs"/>
+                        </a:rPr>
+                        <a:t>Flink</a:t>
+                      </a:r>
+                      <a:r>
+                        <a:rPr lang="zh-CN" altLang="en-US" sz="1200" u="none" strike="noStrike" kern="1200" dirty="0">
+                          <a:solidFill>
+                            <a:schemeClr val="dk1"/>
+                          </a:solidFill>
+                          <a:effectLst/>
+                          <a:latin typeface="+mn-lt"/>
+                          <a:ea typeface="+mn-ea"/>
+                          <a:cs typeface="+mn-cs"/>
+                        </a:rPr>
+                        <a:t>、</a:t>
+                      </a:r>
+                      <a:r>
+                        <a:rPr lang="en-US" altLang="zh-CN" sz="1200" u="none" strike="noStrike" kern="1200" dirty="0" err="1" smtClean="0">
+                          <a:solidFill>
+                            <a:schemeClr val="dk1"/>
+                          </a:solidFill>
+                          <a:effectLst/>
+                          <a:latin typeface="+mn-lt"/>
+                          <a:ea typeface="+mn-ea"/>
+                          <a:cs typeface="+mn-cs"/>
+                        </a:rPr>
+                        <a:t>GreenPlum</a:t>
+                      </a:r>
+                      <a:r>
+                        <a:rPr lang="en-US" altLang="zh-CN" sz="1200" u="none" strike="noStrike" kern="1200" dirty="0" smtClean="0">
+                          <a:solidFill>
+                            <a:schemeClr val="dk1"/>
+                          </a:solidFill>
+                          <a:effectLst/>
+                          <a:latin typeface="+mn-lt"/>
+                          <a:ea typeface="+mn-ea"/>
+                          <a:cs typeface="+mn-cs"/>
+                        </a:rPr>
+                        <a:t>)</a:t>
+                      </a:r>
+                      <a:r>
+                        <a:rPr lang="zh-CN" altLang="en-US" sz="1200" u="none" strike="noStrike" kern="1200" dirty="0" smtClean="0">
+                          <a:solidFill>
+                            <a:schemeClr val="dk1"/>
+                          </a:solidFill>
+                          <a:effectLst/>
+                          <a:latin typeface="+mn-lt"/>
+                          <a:ea typeface="+mn-ea"/>
+                          <a:cs typeface="+mn-cs"/>
+                        </a:rPr>
+                        <a:t>消费</a:t>
+                      </a:r>
+                      <a:r>
+                        <a:rPr lang="zh-CN" altLang="en-US" sz="1200" u="none" strike="noStrike" kern="1200" dirty="0">
+                          <a:solidFill>
+                            <a:schemeClr val="dk1"/>
+                          </a:solidFill>
+                          <a:effectLst/>
+                          <a:latin typeface="+mn-lt"/>
+                          <a:ea typeface="+mn-ea"/>
+                          <a:cs typeface="+mn-cs"/>
+                        </a:rPr>
+                        <a:t>数据</a:t>
+                      </a:r>
+                    </a:p>
+                  </a:txBody>
+                  <a:tcPr marL="9175" marR="9175" marT="9175" marB="0" anchor="ctr">
+                    <a:solidFill>
+                      <a:schemeClr val="bg1"/>
                     </a:solidFill>
                   </a:tcPr>
                 </a:tc>
@@ -18293,12 +20233,12 @@
                     <a:p>
                       <a:pPr algn="ctr" rtl="0" fontAlgn="ctr"/>
                       <a:r>
-                        <a:rPr lang="en-US" altLang="zh-CN" sz="1200" u="none" strike="noStrike">
+                        <a:rPr lang="en-US" altLang="zh-CN" sz="1200" u="none" strike="noStrike" dirty="0">
                           <a:effectLst/>
                         </a:rPr>
                         <a:t>2</a:t>
                       </a:r>
-                      <a:endParaRPr lang="en-US" altLang="zh-CN" sz="1200" b="0" i="0" u="none" strike="noStrike">
+                      <a:endParaRPr lang="en-US" altLang="zh-CN" sz="1200" b="0" i="0" u="none" strike="noStrike" dirty="0">
                         <a:solidFill>
                           <a:srgbClr val="000000"/>
                         </a:solidFill>
@@ -18324,18 +20264,18 @@
                     <a:p>
                       <a:pPr algn="ctr" rtl="0" fontAlgn="ctr"/>
                       <a:r>
-                        <a:rPr lang="en-US" sz="1200" u="none" strike="noStrike">
+                        <a:rPr lang="en-US" sz="1200" u="none" strike="noStrike" dirty="0" err="1">
                           <a:effectLst/>
                         </a:rPr>
                         <a:t>ZooKeeper</a:t>
                       </a:r>
                       <a:r>
-                        <a:rPr lang="zh-CN" altLang="en-US" sz="1200" u="none" strike="noStrike">
+                        <a:rPr lang="zh-CN" altLang="en-US" sz="1200" u="none" strike="noStrike" dirty="0">
                           <a:effectLst/>
                         </a:rPr>
                         <a:t>集群</a:t>
                       </a:r>
-                      <a:endParaRPr lang="zh-CN" altLang="en-US" sz="1200" b="0" i="0" u="none" strike="noStrike">
+                      <a:endParaRPr lang="zh-CN" altLang="en-US" sz="1200" b="0" i="0" u="none" strike="noStrike" dirty="0">
                         <a:solidFill>
                           <a:srgbClr val="000000"/>
                         </a:solidFill>
@@ -18731,161 +20671,6 @@
                   </a:tcPr>
                 </a:tc>
               </a:tr>
-              <a:tr h="660448">
-                <a:tc>
-                  <a:txBody>
-                    <a:bodyPr/>
-                    <a:lstStyle/>
-                    <a:p>
-                      <a:pPr algn="ctr" rtl="0" fontAlgn="ctr"/>
-                      <a:r>
-                        <a:rPr lang="en-US" altLang="zh-CN" sz="1200" u="none" strike="noStrike">
-                          <a:effectLst/>
-                        </a:rPr>
-                        <a:t>1</a:t>
-                      </a:r>
-                      <a:endParaRPr lang="en-US" altLang="zh-CN" sz="1200" b="0" i="0" u="none" strike="noStrike">
-                        <a:solidFill>
-                          <a:srgbClr val="000000"/>
-                        </a:solidFill>
-                        <a:effectLst/>
-                        <a:latin typeface="微软雅黑" panose="020B0503020204020204" pitchFamily="34" charset="-122"/>
-                        <a:ea typeface="微软雅黑" panose="020B0503020204020204" pitchFamily="34" charset="-122"/>
-                      </a:endParaRPr>
-                    </a:p>
-                  </a:txBody>
-                  <a:tcPr marL="9175" marR="9175" marT="9175" marB="0" anchor="ctr">
-                    <a:solidFill>
-                      <a:schemeClr val="tx2">
-                        <a:lumMod val="20000"/>
-                        <a:lumOff val="80000"/>
-                      </a:schemeClr>
-                    </a:solidFill>
-                  </a:tcPr>
-                </a:tc>
-                <a:tc>
-                  <a:txBody>
-                    <a:bodyPr/>
-                    <a:lstStyle/>
-                    <a:p>
-                      <a:pPr algn="ctr" rtl="0" fontAlgn="ctr"/>
-                      <a:r>
-                        <a:rPr lang="en-US" sz="1200" u="none" strike="noStrike">
-                          <a:effectLst/>
-                        </a:rPr>
-                        <a:t>Kafka</a:t>
-                      </a:r>
-                      <a:r>
-                        <a:rPr lang="zh-CN" altLang="en-US" sz="1200" u="none" strike="noStrike">
-                          <a:effectLst/>
-                        </a:rPr>
-                        <a:t>集群</a:t>
-                      </a:r>
-                      <a:endParaRPr lang="zh-CN" altLang="en-US" sz="1200" b="0" i="0" u="none" strike="noStrike">
-                        <a:solidFill>
-                          <a:srgbClr val="000000"/>
-                        </a:solidFill>
-                        <a:effectLst/>
-                        <a:latin typeface="微软雅黑" panose="020B0503020204020204" pitchFamily="34" charset="-122"/>
-                        <a:ea typeface="微软雅黑" panose="020B0503020204020204" pitchFamily="34" charset="-122"/>
-                      </a:endParaRPr>
-                    </a:p>
-                  </a:txBody>
-                  <a:tcPr marL="9175" marR="9175" marT="9175" marB="0" anchor="ctr">
-                    <a:solidFill>
-                      <a:schemeClr val="tx2">
-                        <a:lumMod val="20000"/>
-                        <a:lumOff val="80000"/>
-                      </a:schemeClr>
-                    </a:solidFill>
-                  </a:tcPr>
-                </a:tc>
-                <a:tc>
-                  <a:txBody>
-                    <a:bodyPr/>
-                    <a:lstStyle/>
-                    <a:p>
-                      <a:pPr algn="ctr" rtl="0" fontAlgn="ctr"/>
-                      <a:r>
-                        <a:rPr lang="zh-CN" altLang="en-US" sz="1200" u="none" strike="noStrike" dirty="0">
-                          <a:effectLst/>
-                        </a:rPr>
-                        <a:t>消息中间件，供下游</a:t>
-                      </a:r>
-                      <a:r>
-                        <a:rPr lang="zh-CN" altLang="en-US" sz="1200" u="none" strike="noStrike" dirty="0" smtClean="0">
-                          <a:effectLst/>
-                        </a:rPr>
-                        <a:t>系统</a:t>
-                      </a:r>
-                      <a:endParaRPr lang="en-US" altLang="zh-CN" sz="1200" u="none" strike="noStrike" dirty="0" smtClean="0">
-                        <a:effectLst/>
-                      </a:endParaRPr>
-                    </a:p>
-                    <a:p>
-                      <a:pPr algn="ctr" rtl="0" fontAlgn="ctr"/>
-                      <a:r>
-                        <a:rPr lang="en-US" altLang="zh-CN" sz="1200" u="none" strike="noStrike" dirty="0" smtClean="0">
-                          <a:effectLst/>
-                        </a:rPr>
-                        <a:t>(</a:t>
-                      </a:r>
-                      <a:r>
-                        <a:rPr lang="en-US" altLang="zh-CN" sz="1200" u="none" strike="noStrike" dirty="0" err="1">
-                          <a:effectLst/>
-                        </a:rPr>
-                        <a:t>Flink</a:t>
-                      </a:r>
-                      <a:r>
-                        <a:rPr lang="zh-CN" altLang="en-US" sz="1200" u="none" strike="noStrike" dirty="0">
-                          <a:effectLst/>
-                        </a:rPr>
-                        <a:t>、</a:t>
-                      </a:r>
-                      <a:r>
-                        <a:rPr lang="en-US" altLang="zh-CN" sz="1200" u="none" strike="noStrike" dirty="0" err="1" smtClean="0">
-                          <a:effectLst/>
-                        </a:rPr>
-                        <a:t>GreenPlum</a:t>
-                      </a:r>
-                      <a:r>
-                        <a:rPr lang="en-US" altLang="zh-CN" sz="1200" u="none" strike="noStrike" baseline="30000" dirty="0" smtClean="0">
-                          <a:effectLst/>
-                        </a:rPr>
-                        <a:t>[</a:t>
-                      </a:r>
-                      <a:r>
-                        <a:rPr lang="en-US" altLang="zh-CN" sz="1200" u="none" strike="noStrike" dirty="0" smtClean="0">
-                          <a:effectLst/>
-                        </a:rPr>
-                        <a:t>)</a:t>
-                      </a:r>
-                      <a:r>
-                        <a:rPr lang="zh-CN" altLang="en-US" sz="1200" u="none" strike="noStrike" dirty="0">
-                          <a:effectLst/>
-                        </a:rPr>
-                        <a:t>消费数据</a:t>
-                      </a:r>
-                      <a:endParaRPr lang="zh-CN" altLang="en-US" sz="1200" b="0" i="0" u="none" strike="noStrike" dirty="0">
-                        <a:solidFill>
-                          <a:srgbClr val="000000"/>
-                        </a:solidFill>
-                        <a:effectLst/>
-                        <a:latin typeface="微软雅黑" panose="020B0503020204020204" pitchFamily="34" charset="-122"/>
-                        <a:ea typeface="微软雅黑" panose="020B0503020204020204" pitchFamily="34" charset="-122"/>
-                      </a:endParaRPr>
-                    </a:p>
-                  </a:txBody>
-                  <a:tcPr marL="9175" marR="9175" marT="9175" marB="0" anchor="ctr">
-                    <a:solidFill>
-                      <a:schemeClr val="tx2">
-                        <a:lumMod val="20000"/>
-                        <a:lumOff val="80000"/>
-                      </a:schemeClr>
-                    </a:solidFill>
-                  </a:tcPr>
-                </a:tc>
-              </a:tr>
               <a:tr h="323751">
                 <a:tc>
                   <a:txBody>
@@ -18894,7 +20679,7 @@
                     <a:p>
                       <a:pPr marL="0" algn="ctr" defTabSz="914400" rtl="0" eaLnBrk="1" fontAlgn="ctr" latinLnBrk="0" hangingPunct="1"/>
                       <a:r>
-                        <a:rPr lang="en-US" altLang="zh-CN" sz="1200" u="none" strike="noStrike" kern="1200" dirty="0">
+                        <a:rPr lang="en-US" altLang="zh-CN" sz="1200" u="none" strike="noStrike" kern="1200" dirty="0" smtClean="0">
                           <a:solidFill>
                             <a:schemeClr val="dk1"/>
                           </a:solidFill>
@@ -18903,13 +20688,22 @@
                           <a:ea typeface="+mn-ea"/>
                           <a:cs typeface="+mn-cs"/>
                         </a:rPr>
-                        <a:t>2</a:t>
+                        <a:t>6</a:t>
                       </a:r>
+                      <a:endParaRPr lang="en-US" altLang="zh-CN" sz="1200" u="none" strike="noStrike" kern="1200" dirty="0">
+                        <a:solidFill>
+                          <a:schemeClr val="dk1"/>
+                        </a:solidFill>
+                        <a:effectLst/>
+                        <a:latin typeface="+mn-lt"/>
+                        <a:ea typeface="+mn-ea"/>
+                        <a:cs typeface="+mn-cs"/>
+                      </a:endParaRPr>
                     </a:p>
                   </a:txBody>
                   <a:tcPr marL="9175" marR="9175" marT="9175" marB="0" anchor="ctr">
                     <a:solidFill>
-                      <a:schemeClr val="bg1"/>
+                      <a:srgbClr val="EAEAEA"/>
                     </a:solidFill>
                   </a:tcPr>
                 </a:tc>
@@ -18947,7 +20741,7 @@
                   </a:txBody>
                   <a:tcPr marL="9175" marR="9175" marT="9175" marB="0" anchor="ctr">
                     <a:solidFill>
-                      <a:schemeClr val="bg1"/>
+                      <a:srgbClr val="EAEAEA"/>
                     </a:solidFill>
                   </a:tcPr>
                 </a:tc>
@@ -18997,7 +20791,7 @@
                   </a:txBody>
                   <a:tcPr marL="9175" marR="9175" marT="9175" marB="0" anchor="ctr">
                     <a:solidFill>
-                      <a:schemeClr val="bg1"/>
+                      <a:srgbClr val="EAEAEA"/>
                     </a:solidFill>
                   </a:tcPr>
                 </a:tc>
@@ -19460,6 +21254,1887 @@
         <p:grpSpPr>
           <a:xfrm>
             <a:off x="553790" y="167425"/>
+            <a:ext cx="11461124" cy="792089"/>
+            <a:chOff x="553790" y="167425"/>
+            <a:chExt cx="11461124" cy="792089"/>
+          </a:xfrm>
+        </p:grpSpPr>
+        <p:sp>
+          <p:nvSpPr>
+            <p:cNvPr id="3" name="文本框 2"/>
+            <p:cNvSpPr txBox="1"/>
+            <p:nvPr/>
+          </p:nvSpPr>
+          <p:spPr>
+            <a:xfrm>
+              <a:off x="553790" y="373487"/>
+              <a:ext cx="3439985" cy="523220"/>
+            </a:xfrm>
+            <a:prstGeom prst="rect">
+              <a:avLst/>
+            </a:prstGeom>
+            <a:noFill/>
+          </p:spPr>
+          <p:txBody>
+            <a:bodyPr wrap="square" rtlCol="0">
+              <a:spAutoFit/>
+            </a:bodyPr>
+            <a:lstStyle/>
+            <a:p>
+              <a:r>
+                <a:rPr lang="zh-CN" altLang="en-US" sz="2400" b="1" dirty="0">
+                  <a:solidFill>
+                    <a:schemeClr val="tx1">
+                      <a:lumMod val="75000"/>
+                      <a:lumOff val="25000"/>
+                    </a:schemeClr>
+                  </a:solidFill>
+                  <a:latin typeface="宋体" panose="02010600030101010101" pitchFamily="2" charset="-122"/>
+                  <a:ea typeface="宋体" panose="02010600030101010101" pitchFamily="2" charset="-122"/>
+                </a:rPr>
+                <a:t>研究</a:t>
+              </a:r>
+              <a:r>
+                <a:rPr lang="zh-CN" altLang="en-US" sz="2400" b="1" dirty="0" smtClean="0">
+                  <a:solidFill>
+                    <a:schemeClr val="tx1">
+                      <a:lumMod val="75000"/>
+                      <a:lumOff val="25000"/>
+                    </a:schemeClr>
+                  </a:solidFill>
+                  <a:latin typeface="宋体" panose="02010600030101010101" pitchFamily="2" charset="-122"/>
+                  <a:ea typeface="宋体" panose="02010600030101010101" pitchFamily="2" charset="-122"/>
+                </a:rPr>
+                <a:t>内容</a:t>
+              </a:r>
+              <a:r>
+                <a:rPr lang="en-US" altLang="zh-CN" sz="2800" dirty="0" smtClean="0">
+                  <a:solidFill>
+                    <a:schemeClr val="tx1">
+                      <a:lumMod val="75000"/>
+                      <a:lumOff val="25000"/>
+                    </a:schemeClr>
+                  </a:solidFill>
+                  <a:latin typeface="宋体" panose="02010600030101010101" pitchFamily="2" charset="-122"/>
+                </a:rPr>
+                <a:t>——</a:t>
+              </a:r>
+              <a:r>
+                <a:rPr lang="zh-CN" altLang="en-US" sz="2400" dirty="0" smtClean="0">
+                  <a:solidFill>
+                    <a:schemeClr val="tx1">
+                      <a:lumMod val="75000"/>
+                      <a:lumOff val="25000"/>
+                    </a:schemeClr>
+                  </a:solidFill>
+                  <a:latin typeface="华文楷体" panose="02010600040101010101" pitchFamily="2" charset="-122"/>
+                  <a:ea typeface="华文楷体" panose="02010600040101010101" pitchFamily="2" charset="-122"/>
+                </a:rPr>
+                <a:t>系统架构</a:t>
+              </a:r>
+              <a:endParaRPr lang="zh-CN" altLang="en-US" sz="2400" b="1" dirty="0">
+                <a:solidFill>
+                  <a:schemeClr val="tx1">
+                    <a:lumMod val="75000"/>
+                    <a:lumOff val="25000"/>
+                  </a:schemeClr>
+                </a:solidFill>
+                <a:latin typeface="+mj-ea"/>
+                <a:ea typeface="+mj-ea"/>
+              </a:endParaRPr>
+            </a:p>
+          </p:txBody>
+        </p:sp>
+        <p:sp>
+          <p:nvSpPr>
+            <p:cNvPr id="4" name="矩形 3"/>
+            <p:cNvSpPr/>
+            <p:nvPr/>
+          </p:nvSpPr>
+          <p:spPr>
+            <a:xfrm>
+              <a:off x="788992" y="867387"/>
+              <a:ext cx="502276" cy="92127"/>
+            </a:xfrm>
+            <a:prstGeom prst="rect">
+              <a:avLst/>
+            </a:prstGeom>
+            <a:solidFill>
+              <a:srgbClr val="5284A1"/>
+            </a:solidFill>
+            <a:ln>
+              <a:noFill/>
+            </a:ln>
+          </p:spPr>
+          <p:style>
+            <a:lnRef idx="2">
+              <a:schemeClr val="accent1">
+                <a:shade val="50000"/>
+              </a:schemeClr>
+            </a:lnRef>
+            <a:fillRef idx="1">
+              <a:schemeClr val="accent1"/>
+            </a:fillRef>
+            <a:effectRef idx="0">
+              <a:schemeClr val="accent1"/>
+            </a:effectRef>
+            <a:fontRef idx="minor">
+              <a:schemeClr val="lt1"/>
+            </a:fontRef>
+          </p:style>
+          <p:txBody>
+            <a:bodyPr rtlCol="0" anchor="ctr"/>
+            <a:lstStyle/>
+            <a:p>
+              <a:pPr algn="ctr"/>
+              <a:endParaRPr lang="zh-CN" altLang="en-US"/>
+            </a:p>
+          </p:txBody>
+        </p:sp>
+        <p:pic>
+          <p:nvPicPr>
+            <p:cNvPr id="5" name="图片 4"/>
+            <p:cNvPicPr>
+              <a:picLocks noChangeAspect="1"/>
+            </p:cNvPicPr>
+            <p:nvPr/>
+          </p:nvPicPr>
+          <p:blipFill>
+            <a:blip r:embed="rId2" cstate="print">
+              <a:extLst>
+                <a:ext uri="{28A0092B-C50C-407E-A947-70E740481C1C}">
+                  <a14:useLocalDpi xmlns:a14="http://schemas.microsoft.com/office/drawing/2010/main" val="0"/>
+                </a:ext>
+              </a:extLst>
+            </a:blip>
+            <a:stretch>
+              <a:fillRect/>
+            </a:stretch>
+          </p:blipFill>
+          <p:spPr>
+            <a:xfrm>
+              <a:off x="11441804" y="167425"/>
+              <a:ext cx="573110" cy="573110"/>
+            </a:xfrm>
+            <a:prstGeom prst="rect">
+              <a:avLst/>
+            </a:prstGeom>
+          </p:spPr>
+        </p:pic>
+      </p:grpSp>
+      <p:pic>
+        <p:nvPicPr>
+          <p:cNvPr id="7" name="Picture 1"/>
+          <p:cNvPicPr>
+            <a:picLocks noChangeAspect="1" noChangeArrowheads="1"/>
+          </p:cNvPicPr>
+          <p:nvPr/>
+        </p:nvPicPr>
+        <p:blipFill>
+          <a:blip r:embed="rId3" cstate="print">
+            <a:extLst>
+              <a:ext uri="{28A0092B-C50C-407E-A947-70E740481C1C}">
+                <a14:useLocalDpi xmlns:a14="http://schemas.microsoft.com/office/drawing/2010/main" val="0"/>
+              </a:ext>
+            </a:extLst>
+          </a:blip>
+          <a:srcRect/>
+          <a:stretch>
+            <a:fillRect/>
+          </a:stretch>
+        </p:blipFill>
+        <p:spPr bwMode="auto">
+          <a:xfrm>
+            <a:off x="1040130" y="1068764"/>
+            <a:ext cx="9932670" cy="5431810"/>
+          </a:xfrm>
+          <a:prstGeom prst="rect">
+            <a:avLst/>
+          </a:prstGeom>
+          <a:ln w="98425">
+            <a:solidFill>
+              <a:schemeClr val="accent1"/>
+            </a:solidFill>
+            <a:bevel/>
+            <a:tailEnd type="triangle"/>
+          </a:ln>
+          <a:effectLst>
+            <a:outerShdw blurRad="107950" dist="12700" dir="5400000" algn="ctr">
+              <a:srgbClr val="000000"/>
+            </a:outerShdw>
+          </a:effectLst>
+          <a:scene3d>
+            <a:camera prst="orthographicFront">
+              <a:rot lat="0" lon="0" rev="0"/>
+            </a:camera>
+            <a:lightRig rig="soft" dir="t">
+              <a:rot lat="0" lon="0" rev="0"/>
+            </a:lightRig>
+          </a:scene3d>
+          <a:sp3d contourW="44450" prstMaterial="matte">
+            <a:bevelT w="63500" h="63500" prst="artDeco"/>
+            <a:contourClr>
+              <a:srgbClr val="FFFFFF"/>
+            </a:contourClr>
+          </a:sp3d>
+          <a:extLst/>
+        </p:spPr>
+      </p:pic>
+      <p:sp>
+        <p:nvSpPr>
+          <p:cNvPr id="21" name="矩形 20"/>
+          <p:cNvSpPr/>
+          <p:nvPr/>
+        </p:nvSpPr>
+        <p:spPr>
+          <a:xfrm>
+            <a:off x="0" y="295188"/>
+            <a:ext cx="553790" cy="579326"/>
+          </a:xfrm>
+          <a:prstGeom prst="rect">
+            <a:avLst/>
+          </a:prstGeom>
+          <a:solidFill>
+            <a:srgbClr val="5284A1"/>
+          </a:solidFill>
+        </p:spPr>
+        <p:txBody>
+          <a:bodyPr wrap="square" rtlCol="0" anchor="ctr">
+            <a:spAutoFit/>
+          </a:bodyPr>
+          <a:lstStyle/>
+          <a:p>
+            <a:pPr algn="ctr">
+              <a:lnSpc>
+                <a:spcPct val="150000"/>
+              </a:lnSpc>
+            </a:pPr>
+            <a:r>
+              <a:rPr lang="zh-CN" altLang="en-US" sz="2400" b="1" dirty="0" smtClean="0">
+                <a:solidFill>
+                  <a:schemeClr val="bg1"/>
+                </a:solidFill>
+                <a:latin typeface="文悦新青年体 (非商业使用) W8" pitchFamily="50" charset="-122"/>
+                <a:ea typeface="文悦新青年体 (非商业使用) W8" pitchFamily="50" charset="-122"/>
+              </a:rPr>
+              <a:t>三</a:t>
+            </a:r>
+            <a:endParaRPr lang="zh-CN" altLang="en-US" sz="2400" b="1" dirty="0">
+              <a:solidFill>
+                <a:schemeClr val="bg1"/>
+              </a:solidFill>
+              <a:latin typeface="文悦新青年体 (非商业使用) W8" pitchFamily="50" charset="-122"/>
+              <a:ea typeface="文悦新青年体 (非商业使用) W8" pitchFamily="50" charset="-122"/>
+            </a:endParaRPr>
+          </a:p>
+        </p:txBody>
+      </p:sp>
+      <p:sp>
+        <p:nvSpPr>
+          <p:cNvPr id="22" name="文本框 21"/>
+          <p:cNvSpPr txBox="1"/>
+          <p:nvPr/>
+        </p:nvSpPr>
+        <p:spPr>
+          <a:xfrm>
+            <a:off x="8602012" y="6581001"/>
+            <a:ext cx="6825803" cy="276999"/>
+          </a:xfrm>
+          <a:prstGeom prst="rect">
+            <a:avLst/>
+          </a:prstGeom>
+          <a:noFill/>
+        </p:spPr>
+        <p:txBody>
+          <a:bodyPr wrap="square" rtlCol="0">
+            <a:spAutoFit/>
+          </a:bodyPr>
+          <a:lstStyle/>
+          <a:p>
+            <a:r>
+              <a:rPr lang="zh-CN" altLang="en-US" sz="1200" i="1" dirty="0">
+                <a:solidFill>
+                  <a:schemeClr val="tx1">
+                    <a:lumMod val="85000"/>
+                    <a:lumOff val="15000"/>
+                  </a:schemeClr>
+                </a:solidFill>
+              </a:rPr>
+              <a:t>哈尔滨工业大学软件工程硕士学位论文开题报告 </a:t>
+            </a:r>
+            <a:endParaRPr lang="zh-CN" altLang="en-US" sz="1200" i="1" dirty="0">
+              <a:solidFill>
+                <a:schemeClr val="tx1">
+                  <a:lumMod val="85000"/>
+                  <a:lumOff val="15000"/>
+                </a:schemeClr>
+              </a:solidFill>
+              <a:latin typeface="微软雅黑" panose="020B0503020204020204" pitchFamily="34" charset="-122"/>
+              <a:ea typeface="微软雅黑" panose="020B0503020204020204" pitchFamily="34" charset="-122"/>
+            </a:endParaRPr>
+          </a:p>
+        </p:txBody>
+      </p:sp>
+      <p:sp>
+        <p:nvSpPr>
+          <p:cNvPr id="13" name="上箭头 12"/>
+          <p:cNvSpPr/>
+          <p:nvPr/>
+        </p:nvSpPr>
+        <p:spPr>
+          <a:xfrm>
+            <a:off x="2446020" y="2308860"/>
+            <a:ext cx="228600" cy="1245870"/>
+          </a:xfrm>
+          <a:prstGeom prst="upArrow">
+            <a:avLst/>
+          </a:prstGeom>
+        </p:spPr>
+        <p:txBody>
+          <a:bodyPr wrap="square" rtlCol="0" anchor="ctr">
+            <a:spAutoFit/>
+          </a:bodyPr>
+          <a:lstStyle/>
+          <a:p>
+            <a:pPr algn="ctr">
+              <a:lnSpc>
+                <a:spcPct val="150000"/>
+              </a:lnSpc>
+            </a:pPr>
+            <a:endParaRPr kumimoji="1" lang="zh-CN" altLang="en-US" sz="1600" dirty="0">
+              <a:latin typeface="华文楷体" panose="02010600040101010101" pitchFamily="2" charset="-122"/>
+              <a:ea typeface="华文楷体" panose="02010600040101010101" pitchFamily="2" charset="-122"/>
+            </a:endParaRPr>
+          </a:p>
+        </p:txBody>
+      </p:sp>
+      <p:sp>
+        <p:nvSpPr>
+          <p:cNvPr id="23" name="上箭头 22"/>
+          <p:cNvSpPr/>
+          <p:nvPr/>
+        </p:nvSpPr>
+        <p:spPr>
+          <a:xfrm>
+            <a:off x="1954530" y="2011680"/>
+            <a:ext cx="605790" cy="1451610"/>
+          </a:xfrm>
+          <a:prstGeom prst="upArrow">
+            <a:avLst/>
+          </a:prstGeom>
+        </p:spPr>
+        <p:txBody>
+          <a:bodyPr wrap="square" rtlCol="0" anchor="ctr">
+            <a:spAutoFit/>
+          </a:bodyPr>
+          <a:lstStyle/>
+          <a:p>
+            <a:pPr algn="ctr">
+              <a:lnSpc>
+                <a:spcPct val="150000"/>
+              </a:lnSpc>
+            </a:pPr>
+            <a:endParaRPr kumimoji="1" lang="zh-CN" altLang="en-US" sz="1600" dirty="0">
+              <a:latin typeface="华文楷体" panose="02010600040101010101" pitchFamily="2" charset="-122"/>
+              <a:ea typeface="华文楷体" panose="02010600040101010101" pitchFamily="2" charset="-122"/>
+            </a:endParaRPr>
+          </a:p>
+        </p:txBody>
+      </p:sp>
+      <p:sp>
+        <p:nvSpPr>
+          <p:cNvPr id="24" name="上箭头 23"/>
+          <p:cNvSpPr/>
+          <p:nvPr/>
+        </p:nvSpPr>
+        <p:spPr>
+          <a:xfrm>
+            <a:off x="1040130" y="2423160"/>
+            <a:ext cx="628650" cy="1211580"/>
+          </a:xfrm>
+          <a:prstGeom prst="upArrow">
+            <a:avLst/>
+          </a:prstGeom>
+        </p:spPr>
+        <p:txBody>
+          <a:bodyPr wrap="square" rtlCol="0" anchor="ctr">
+            <a:spAutoFit/>
+          </a:bodyPr>
+          <a:lstStyle/>
+          <a:p>
+            <a:pPr algn="ctr">
+              <a:lnSpc>
+                <a:spcPct val="150000"/>
+              </a:lnSpc>
+            </a:pPr>
+            <a:endParaRPr kumimoji="1" lang="zh-CN" altLang="en-US" sz="1600" dirty="0">
+              <a:latin typeface="华文楷体" panose="02010600040101010101" pitchFamily="2" charset="-122"/>
+              <a:ea typeface="华文楷体" panose="02010600040101010101" pitchFamily="2" charset="-122"/>
+            </a:endParaRPr>
+          </a:p>
+        </p:txBody>
+      </p:sp>
+      <p:sp>
+        <p:nvSpPr>
+          <p:cNvPr id="25" name="虚尾箭头 24"/>
+          <p:cNvSpPr/>
+          <p:nvPr/>
+        </p:nvSpPr>
+        <p:spPr>
+          <a:xfrm>
+            <a:off x="2371725" y="2867590"/>
+            <a:ext cx="377190" cy="917079"/>
+          </a:xfrm>
+          <a:prstGeom prst="stripedRightArrow">
+            <a:avLst/>
+          </a:prstGeom>
+        </p:spPr>
+        <p:txBody>
+          <a:bodyPr wrap="square" rtlCol="0" anchor="ctr">
+            <a:spAutoFit/>
+          </a:bodyPr>
+          <a:lstStyle/>
+          <a:p>
+            <a:pPr algn="ctr">
+              <a:lnSpc>
+                <a:spcPct val="150000"/>
+              </a:lnSpc>
+            </a:pPr>
+            <a:endParaRPr kumimoji="1" lang="zh-CN" altLang="en-US" sz="1600" dirty="0">
+              <a:ln w="0"/>
+              <a:effectLst>
+                <a:outerShdw blurRad="38100" dist="19050" dir="2700000" algn="tl" rotWithShape="0">
+                  <a:schemeClr val="dk1">
+                    <a:alpha val="40000"/>
+                  </a:schemeClr>
+                </a:outerShdw>
+              </a:effectLst>
+              <a:latin typeface="华文楷体" panose="02010600040101010101" pitchFamily="2" charset="-122"/>
+              <a:ea typeface="华文楷体" panose="02010600040101010101" pitchFamily="2" charset="-122"/>
+            </a:endParaRPr>
+          </a:p>
+        </p:txBody>
+      </p:sp>
+      <p:cxnSp>
+        <p:nvCxnSpPr>
+          <p:cNvPr id="27" name="直线箭头连接符 26"/>
+          <p:cNvCxnSpPr/>
+          <p:nvPr/>
+        </p:nvCxnSpPr>
+        <p:spPr>
+          <a:xfrm flipV="1">
+            <a:off x="1655097" y="2480311"/>
+            <a:ext cx="33887" cy="902968"/>
+          </a:xfrm>
+          <a:prstGeom prst="straightConnector1">
+            <a:avLst/>
+          </a:prstGeom>
+          <a:ln w="98425">
+            <a:solidFill>
+              <a:schemeClr val="accent1"/>
+            </a:solidFill>
+            <a:tailEnd type="triangle"/>
+          </a:ln>
+          <a:effectLst>
+            <a:outerShdw blurRad="107950" dist="12700" dir="5400000" algn="ctr">
+              <a:srgbClr val="000000"/>
+            </a:outerShdw>
+          </a:effectLst>
+          <a:scene3d>
+            <a:camera prst="orthographicFront">
+              <a:rot lat="0" lon="0" rev="0"/>
+            </a:camera>
+            <a:lightRig rig="soft" dir="t">
+              <a:rot lat="0" lon="0" rev="0"/>
+            </a:lightRig>
+          </a:scene3d>
+          <a:sp3d contourW="44450" prstMaterial="matte">
+            <a:bevelT w="63500" h="63500" prst="artDeco"/>
+            <a:contourClr>
+              <a:srgbClr val="FFFFFF"/>
+            </a:contourClr>
+          </a:sp3d>
+        </p:spPr>
+        <p:style>
+          <a:lnRef idx="1">
+            <a:schemeClr val="accent1"/>
+          </a:lnRef>
+          <a:fillRef idx="0">
+            <a:schemeClr val="accent1"/>
+          </a:fillRef>
+          <a:effectRef idx="0">
+            <a:schemeClr val="accent1"/>
+          </a:effectRef>
+          <a:fontRef idx="minor">
+            <a:schemeClr val="tx1"/>
+          </a:fontRef>
+        </p:style>
+      </p:cxnSp>
+      <p:sp>
+        <p:nvSpPr>
+          <p:cNvPr id="39" name="虚尾箭头 38"/>
+          <p:cNvSpPr/>
+          <p:nvPr/>
+        </p:nvSpPr>
+        <p:spPr>
+          <a:xfrm>
+            <a:off x="3451860" y="1890690"/>
+            <a:ext cx="810651" cy="324433"/>
+          </a:xfrm>
+          <a:prstGeom prst="stripedRightArrow">
+            <a:avLst/>
+          </a:prstGeom>
+        </p:spPr>
+        <p:txBody>
+          <a:bodyPr wrap="square" rtlCol="0" anchor="ctr">
+            <a:spAutoFit/>
+          </a:bodyPr>
+          <a:lstStyle/>
+          <a:p>
+            <a:pPr algn="ctr">
+              <a:lnSpc>
+                <a:spcPct val="150000"/>
+              </a:lnSpc>
+            </a:pPr>
+            <a:endParaRPr kumimoji="1" lang="zh-CN" altLang="en-US" sz="1600" dirty="0">
+              <a:latin typeface="华文楷体" panose="02010600040101010101" pitchFamily="2" charset="-122"/>
+              <a:ea typeface="华文楷体" panose="02010600040101010101" pitchFamily="2" charset="-122"/>
+            </a:endParaRPr>
+          </a:p>
+        </p:txBody>
+      </p:sp>
+      <p:cxnSp>
+        <p:nvCxnSpPr>
+          <p:cNvPr id="40" name="直线箭头连接符 39"/>
+          <p:cNvCxnSpPr/>
+          <p:nvPr/>
+        </p:nvCxnSpPr>
+        <p:spPr>
+          <a:xfrm>
+            <a:off x="3451860" y="1918825"/>
+            <a:ext cx="1154072" cy="2219"/>
+          </a:xfrm>
+          <a:prstGeom prst="straightConnector1">
+            <a:avLst/>
+          </a:prstGeom>
+          <a:ln w="98425">
+            <a:solidFill>
+              <a:schemeClr val="accent1"/>
+            </a:solidFill>
+            <a:tailEnd type="triangle"/>
+          </a:ln>
+          <a:effectLst>
+            <a:outerShdw blurRad="107950" dist="12700" dir="5400000" algn="ctr">
+              <a:srgbClr val="000000"/>
+            </a:outerShdw>
+          </a:effectLst>
+          <a:scene3d>
+            <a:camera prst="orthographicFront">
+              <a:rot lat="0" lon="0" rev="0"/>
+            </a:camera>
+            <a:lightRig rig="soft" dir="t">
+              <a:rot lat="0" lon="0" rev="0"/>
+            </a:lightRig>
+          </a:scene3d>
+          <a:sp3d contourW="44450" prstMaterial="matte">
+            <a:bevelT w="63500" h="63500" prst="artDeco"/>
+            <a:contourClr>
+              <a:srgbClr val="FFFFFF"/>
+            </a:contourClr>
+          </a:sp3d>
+        </p:spPr>
+        <p:style>
+          <a:lnRef idx="1">
+            <a:schemeClr val="accent1"/>
+          </a:lnRef>
+          <a:fillRef idx="0">
+            <a:schemeClr val="accent1"/>
+          </a:fillRef>
+          <a:effectRef idx="0">
+            <a:schemeClr val="accent1"/>
+          </a:effectRef>
+          <a:fontRef idx="minor">
+            <a:schemeClr val="tx1"/>
+          </a:fontRef>
+        </p:style>
+      </p:cxnSp>
+      <p:cxnSp>
+        <p:nvCxnSpPr>
+          <p:cNvPr id="42" name="直线箭头连接符 41"/>
+          <p:cNvCxnSpPr/>
+          <p:nvPr/>
+        </p:nvCxnSpPr>
+        <p:spPr>
+          <a:xfrm>
+            <a:off x="2446020" y="2576867"/>
+            <a:ext cx="0" cy="2415603"/>
+          </a:xfrm>
+          <a:prstGeom prst="straightConnector1">
+            <a:avLst/>
+          </a:prstGeom>
+          <a:ln w="98425">
+            <a:solidFill>
+              <a:schemeClr val="accent1"/>
+            </a:solidFill>
+            <a:tailEnd type="triangle"/>
+          </a:ln>
+          <a:effectLst>
+            <a:outerShdw blurRad="107950" dist="12700" dir="5400000" algn="ctr">
+              <a:srgbClr val="000000"/>
+            </a:outerShdw>
+          </a:effectLst>
+          <a:scene3d>
+            <a:camera prst="orthographicFront">
+              <a:rot lat="0" lon="0" rev="0"/>
+            </a:camera>
+            <a:lightRig rig="soft" dir="t">
+              <a:rot lat="0" lon="0" rev="0"/>
+            </a:lightRig>
+          </a:scene3d>
+          <a:sp3d contourW="44450" prstMaterial="matte">
+            <a:bevelT w="63500" h="63500" prst="artDeco"/>
+            <a:contourClr>
+              <a:srgbClr val="FFFFFF"/>
+            </a:contourClr>
+          </a:sp3d>
+        </p:spPr>
+        <p:style>
+          <a:lnRef idx="1">
+            <a:schemeClr val="accent1"/>
+          </a:lnRef>
+          <a:fillRef idx="0">
+            <a:schemeClr val="accent1"/>
+          </a:fillRef>
+          <a:effectRef idx="0">
+            <a:schemeClr val="accent1"/>
+          </a:effectRef>
+          <a:fontRef idx="minor">
+            <a:schemeClr val="tx1"/>
+          </a:fontRef>
+        </p:style>
+      </p:cxnSp>
+      <p:cxnSp>
+        <p:nvCxnSpPr>
+          <p:cNvPr id="46" name="直线箭头连接符 45"/>
+          <p:cNvCxnSpPr/>
+          <p:nvPr/>
+        </p:nvCxnSpPr>
+        <p:spPr>
+          <a:xfrm flipH="1">
+            <a:off x="3406129" y="2215123"/>
+            <a:ext cx="988527" cy="0"/>
+          </a:xfrm>
+          <a:prstGeom prst="straightConnector1">
+            <a:avLst/>
+          </a:prstGeom>
+          <a:ln w="98425">
+            <a:solidFill>
+              <a:schemeClr val="accent1"/>
+            </a:solidFill>
+            <a:tailEnd type="triangle"/>
+          </a:ln>
+          <a:effectLst>
+            <a:outerShdw blurRad="107950" dist="12700" dir="5400000" algn="ctr">
+              <a:srgbClr val="000000"/>
+            </a:outerShdw>
+          </a:effectLst>
+          <a:scene3d>
+            <a:camera prst="orthographicFront">
+              <a:rot lat="0" lon="0" rev="0"/>
+            </a:camera>
+            <a:lightRig rig="soft" dir="t">
+              <a:rot lat="0" lon="0" rev="0"/>
+            </a:lightRig>
+          </a:scene3d>
+          <a:sp3d contourW="44450" prstMaterial="matte">
+            <a:bevelT w="63500" h="63500" prst="artDeco"/>
+            <a:contourClr>
+              <a:srgbClr val="FFFFFF"/>
+            </a:contourClr>
+          </a:sp3d>
+        </p:spPr>
+        <p:style>
+          <a:lnRef idx="1">
+            <a:schemeClr val="accent1"/>
+          </a:lnRef>
+          <a:fillRef idx="0">
+            <a:schemeClr val="accent1"/>
+          </a:fillRef>
+          <a:effectRef idx="0">
+            <a:schemeClr val="accent1"/>
+          </a:effectRef>
+          <a:fontRef idx="minor">
+            <a:schemeClr val="tx1"/>
+          </a:fontRef>
+        </p:style>
+      </p:cxnSp>
+      <p:cxnSp>
+        <p:nvCxnSpPr>
+          <p:cNvPr id="49" name="直线箭头连接符 48"/>
+          <p:cNvCxnSpPr/>
+          <p:nvPr/>
+        </p:nvCxnSpPr>
+        <p:spPr>
+          <a:xfrm>
+            <a:off x="6744877" y="2143466"/>
+            <a:ext cx="1526926" cy="2695297"/>
+          </a:xfrm>
+          <a:prstGeom prst="straightConnector1">
+            <a:avLst/>
+          </a:prstGeom>
+          <a:ln w="98425">
+            <a:solidFill>
+              <a:schemeClr val="accent1"/>
+            </a:solidFill>
+            <a:tailEnd type="triangle"/>
+          </a:ln>
+          <a:effectLst>
+            <a:outerShdw blurRad="107950" dist="12700" dir="5400000" algn="ctr">
+              <a:srgbClr val="000000"/>
+            </a:outerShdw>
+          </a:effectLst>
+          <a:scene3d>
+            <a:camera prst="orthographicFront">
+              <a:rot lat="0" lon="0" rev="0"/>
+            </a:camera>
+            <a:lightRig rig="soft" dir="t">
+              <a:rot lat="0" lon="0" rev="0"/>
+            </a:lightRig>
+          </a:scene3d>
+          <a:sp3d contourW="44450" prstMaterial="matte">
+            <a:bevelT w="63500" h="63500" prst="artDeco"/>
+            <a:contourClr>
+              <a:srgbClr val="FFFFFF"/>
+            </a:contourClr>
+          </a:sp3d>
+        </p:spPr>
+        <p:style>
+          <a:lnRef idx="1">
+            <a:schemeClr val="accent1"/>
+          </a:lnRef>
+          <a:fillRef idx="0">
+            <a:schemeClr val="accent1"/>
+          </a:fillRef>
+          <a:effectRef idx="0">
+            <a:schemeClr val="accent1"/>
+          </a:effectRef>
+          <a:fontRef idx="minor">
+            <a:schemeClr val="tx1"/>
+          </a:fontRef>
+        </p:style>
+      </p:cxnSp>
+      <p:cxnSp>
+        <p:nvCxnSpPr>
+          <p:cNvPr id="51" name="直线箭头连接符 50"/>
+          <p:cNvCxnSpPr/>
+          <p:nvPr/>
+        </p:nvCxnSpPr>
+        <p:spPr>
+          <a:xfrm flipH="1" flipV="1">
+            <a:off x="10366406" y="4166089"/>
+            <a:ext cx="1483" cy="1235905"/>
+          </a:xfrm>
+          <a:prstGeom prst="straightConnector1">
+            <a:avLst/>
+          </a:prstGeom>
+          <a:ln w="98425">
+            <a:solidFill>
+              <a:schemeClr val="accent1"/>
+            </a:solidFill>
+            <a:tailEnd type="triangle"/>
+          </a:ln>
+          <a:effectLst>
+            <a:outerShdw blurRad="107950" dist="12700" dir="5400000" algn="ctr">
+              <a:srgbClr val="000000"/>
+            </a:outerShdw>
+          </a:effectLst>
+          <a:scene3d>
+            <a:camera prst="orthographicFront">
+              <a:rot lat="0" lon="0" rev="0"/>
+            </a:camera>
+            <a:lightRig rig="soft" dir="t">
+              <a:rot lat="0" lon="0" rev="0"/>
+            </a:lightRig>
+          </a:scene3d>
+          <a:sp3d contourW="44450" prstMaterial="matte">
+            <a:bevelT w="63500" h="63500" prst="artDeco"/>
+            <a:contourClr>
+              <a:srgbClr val="FFFFFF"/>
+            </a:contourClr>
+          </a:sp3d>
+        </p:spPr>
+        <p:style>
+          <a:lnRef idx="1">
+            <a:schemeClr val="accent1"/>
+          </a:lnRef>
+          <a:fillRef idx="0">
+            <a:schemeClr val="accent1"/>
+          </a:fillRef>
+          <a:effectRef idx="0">
+            <a:schemeClr val="accent1"/>
+          </a:effectRef>
+          <a:fontRef idx="minor">
+            <a:schemeClr val="tx1"/>
+          </a:fontRef>
+        </p:style>
+      </p:cxnSp>
+      <p:cxnSp>
+        <p:nvCxnSpPr>
+          <p:cNvPr id="53" name="直线箭头连接符 52"/>
+          <p:cNvCxnSpPr/>
+          <p:nvPr/>
+        </p:nvCxnSpPr>
+        <p:spPr>
+          <a:xfrm flipH="1" flipV="1">
+            <a:off x="10167113" y="2537607"/>
+            <a:ext cx="17896" cy="1093354"/>
+          </a:xfrm>
+          <a:prstGeom prst="straightConnector1">
+            <a:avLst/>
+          </a:prstGeom>
+          <a:ln w="98425">
+            <a:solidFill>
+              <a:schemeClr val="accent1"/>
+            </a:solidFill>
+            <a:tailEnd type="triangle"/>
+          </a:ln>
+          <a:effectLst>
+            <a:outerShdw blurRad="107950" dist="12700" dir="5400000" algn="ctr">
+              <a:srgbClr val="000000"/>
+            </a:outerShdw>
+          </a:effectLst>
+          <a:scene3d>
+            <a:camera prst="orthographicFront">
+              <a:rot lat="0" lon="0" rev="0"/>
+            </a:camera>
+            <a:lightRig rig="soft" dir="t">
+              <a:rot lat="0" lon="0" rev="0"/>
+            </a:lightRig>
+          </a:scene3d>
+          <a:sp3d contourW="44450" prstMaterial="matte">
+            <a:bevelT w="63500" h="63500" prst="artDeco"/>
+            <a:contourClr>
+              <a:srgbClr val="FFFFFF"/>
+            </a:contourClr>
+          </a:sp3d>
+        </p:spPr>
+        <p:style>
+          <a:lnRef idx="1">
+            <a:schemeClr val="accent1"/>
+          </a:lnRef>
+          <a:fillRef idx="0">
+            <a:schemeClr val="accent1"/>
+          </a:fillRef>
+          <a:effectRef idx="0">
+            <a:schemeClr val="accent1"/>
+          </a:effectRef>
+          <a:fontRef idx="minor">
+            <a:schemeClr val="tx1"/>
+          </a:fontRef>
+        </p:style>
+      </p:cxnSp>
+      <p:cxnSp>
+        <p:nvCxnSpPr>
+          <p:cNvPr id="54" name="直线箭头连接符 53"/>
+          <p:cNvCxnSpPr/>
+          <p:nvPr/>
+        </p:nvCxnSpPr>
+        <p:spPr>
+          <a:xfrm flipH="1">
+            <a:off x="6344529" y="1787483"/>
+            <a:ext cx="2400886" cy="103207"/>
+          </a:xfrm>
+          <a:prstGeom prst="straightConnector1">
+            <a:avLst/>
+          </a:prstGeom>
+          <a:ln w="98425">
+            <a:solidFill>
+              <a:schemeClr val="accent1"/>
+            </a:solidFill>
+            <a:bevel/>
+            <a:tailEnd type="triangle"/>
+          </a:ln>
+          <a:effectLst>
+            <a:outerShdw blurRad="107950" dist="12700" dir="5400000" algn="ctr">
+              <a:srgbClr val="000000"/>
+            </a:outerShdw>
+          </a:effectLst>
+          <a:scene3d>
+            <a:camera prst="orthographicFront">
+              <a:rot lat="0" lon="0" rev="0"/>
+            </a:camera>
+            <a:lightRig rig="soft" dir="t">
+              <a:rot lat="0" lon="0" rev="0"/>
+            </a:lightRig>
+          </a:scene3d>
+          <a:sp3d contourW="44450" prstMaterial="matte">
+            <a:bevelT w="63500" h="63500" prst="artDeco"/>
+            <a:contourClr>
+              <a:srgbClr val="FFFFFF"/>
+            </a:contourClr>
+          </a:sp3d>
+        </p:spPr>
+        <p:style>
+          <a:lnRef idx="1">
+            <a:schemeClr val="accent1"/>
+          </a:lnRef>
+          <a:fillRef idx="0">
+            <a:schemeClr val="accent1"/>
+          </a:fillRef>
+          <a:effectRef idx="0">
+            <a:schemeClr val="accent1"/>
+          </a:effectRef>
+          <a:fontRef idx="minor">
+            <a:schemeClr val="tx1"/>
+          </a:fontRef>
+        </p:style>
+      </p:cxnSp>
+      <p:cxnSp>
+        <p:nvCxnSpPr>
+          <p:cNvPr id="56" name="直线箭头连接符 55"/>
+          <p:cNvCxnSpPr/>
+          <p:nvPr/>
+        </p:nvCxnSpPr>
+        <p:spPr>
+          <a:xfrm>
+            <a:off x="3176954" y="2423160"/>
+            <a:ext cx="2341382" cy="2415603"/>
+          </a:xfrm>
+          <a:prstGeom prst="straightConnector1">
+            <a:avLst/>
+          </a:prstGeom>
+          <a:ln w="98425">
+            <a:solidFill>
+              <a:schemeClr val="accent1"/>
+            </a:solidFill>
+            <a:tailEnd type="triangle"/>
+          </a:ln>
+          <a:effectLst>
+            <a:outerShdw blurRad="107950" dist="12700" dir="5400000" algn="ctr">
+              <a:srgbClr val="000000"/>
+            </a:outerShdw>
+          </a:effectLst>
+          <a:scene3d>
+            <a:camera prst="orthographicFront">
+              <a:rot lat="0" lon="0" rev="0"/>
+            </a:camera>
+            <a:lightRig rig="soft" dir="t">
+              <a:rot lat="0" lon="0" rev="0"/>
+            </a:lightRig>
+          </a:scene3d>
+          <a:sp3d contourW="44450" prstMaterial="matte">
+            <a:bevelT w="63500" h="63500" prst="artDeco"/>
+            <a:contourClr>
+              <a:srgbClr val="FFFFFF"/>
+            </a:contourClr>
+          </a:sp3d>
+        </p:spPr>
+        <p:style>
+          <a:lnRef idx="1">
+            <a:schemeClr val="accent1"/>
+          </a:lnRef>
+          <a:fillRef idx="0">
+            <a:schemeClr val="accent1"/>
+          </a:fillRef>
+          <a:effectRef idx="0">
+            <a:schemeClr val="accent1"/>
+          </a:effectRef>
+          <a:fontRef idx="minor">
+            <a:schemeClr val="tx1"/>
+          </a:fontRef>
+        </p:style>
+      </p:cxnSp>
+    </p:spTree>
+    <p:extLst>
+      <p:ext uri="{BB962C8B-B14F-4D97-AF65-F5344CB8AC3E}">
+        <p14:creationId xmlns:p14="http://schemas.microsoft.com/office/powerpoint/2010/main" val="2022835416"/>
+      </p:ext>
+    </p:extLst>
+  </p:cSld>
+  <p:clrMapOvr>
+    <a:masterClrMapping/>
+  </p:clrMapOvr>
+  <p:transition spd="slow">
+    <p:push dir="u"/>
+  </p:transition>
+  <p:timing>
+    <p:tnLst>
+      <p:par>
+        <p:cTn id="1" dur="indefinite" restart="never" nodeType="tmRoot">
+          <p:childTnLst>
+            <p:seq concurrent="1" nextAc="seek">
+              <p:cTn id="2" dur="indefinite" nodeType="mainSeq">
+                <p:childTnLst>
+                  <p:par>
+                    <p:cTn id="3" fill="hold">
+                      <p:stCondLst>
+                        <p:cond delay="indefinite"/>
+                      </p:stCondLst>
+                      <p:childTnLst>
+                        <p:par>
+                          <p:cTn id="4" fill="hold">
+                            <p:stCondLst>
+                              <p:cond delay="0"/>
+                            </p:stCondLst>
+                            <p:childTnLst>
+                              <p:par>
+                                <p:cTn id="5" presetID="2" presetClass="entr" presetSubtype="4" fill="hold" nodeType="clickEffect">
+                                  <p:stCondLst>
+                                    <p:cond delay="0"/>
+                                  </p:stCondLst>
+                                  <p:childTnLst>
+                                    <p:set>
+                                      <p:cBhvr>
+                                        <p:cTn id="6" dur="1" fill="hold">
+                                          <p:stCondLst>
+                                            <p:cond delay="0"/>
+                                          </p:stCondLst>
+                                        </p:cTn>
+                                        <p:tgtEl>
+                                          <p:spTgt spid="27"/>
+                                        </p:tgtEl>
+                                        <p:attrNameLst>
+                                          <p:attrName>style.visibility</p:attrName>
+                                        </p:attrNameLst>
+                                      </p:cBhvr>
+                                      <p:to>
+                                        <p:strVal val="visible"/>
+                                      </p:to>
+                                    </p:set>
+                                    <p:anim calcmode="lin" valueType="num">
+                                      <p:cBhvr additive="base">
+                                        <p:cTn id="7" dur="500" fill="hold"/>
+                                        <p:tgtEl>
+                                          <p:spTgt spid="27"/>
+                                        </p:tgtEl>
+                                        <p:attrNameLst>
+                                          <p:attrName>ppt_x</p:attrName>
+                                        </p:attrNameLst>
+                                      </p:cBhvr>
+                                      <p:tavLst>
+                                        <p:tav tm="0">
+                                          <p:val>
+                                            <p:strVal val="#ppt_x"/>
+                                          </p:val>
+                                        </p:tav>
+                                        <p:tav tm="100000">
+                                          <p:val>
+                                            <p:strVal val="#ppt_x"/>
+                                          </p:val>
+                                        </p:tav>
+                                      </p:tavLst>
+                                    </p:anim>
+                                    <p:anim calcmode="lin" valueType="num">
+                                      <p:cBhvr additive="base">
+                                        <p:cTn id="8" dur="500" fill="hold"/>
+                                        <p:tgtEl>
+                                          <p:spTgt spid="27"/>
+                                        </p:tgtEl>
+                                        <p:attrNameLst>
+                                          <p:attrName>ppt_y</p:attrName>
+                                        </p:attrNameLst>
+                                      </p:cBhvr>
+                                      <p:tavLst>
+                                        <p:tav tm="0">
+                                          <p:val>
+                                            <p:strVal val="1+#ppt_h/2"/>
+                                          </p:val>
+                                        </p:tav>
+                                        <p:tav tm="100000">
+                                          <p:val>
+                                            <p:strVal val="#ppt_y"/>
+                                          </p:val>
+                                        </p:tav>
+                                      </p:tavLst>
+                                    </p:anim>
+                                  </p:childTnLst>
+                                </p:cTn>
+                              </p:par>
+                            </p:childTnLst>
+                          </p:cTn>
+                        </p:par>
+                      </p:childTnLst>
+                    </p:cTn>
+                  </p:par>
+                  <p:par>
+                    <p:cTn id="9" fill="hold">
+                      <p:stCondLst>
+                        <p:cond delay="indefinite"/>
+                      </p:stCondLst>
+                      <p:childTnLst>
+                        <p:par>
+                          <p:cTn id="10" fill="hold">
+                            <p:stCondLst>
+                              <p:cond delay="0"/>
+                            </p:stCondLst>
+                            <p:childTnLst>
+                              <p:par>
+                                <p:cTn id="11" presetID="2" presetClass="entr" presetSubtype="4" fill="hold" nodeType="clickEffect">
+                                  <p:stCondLst>
+                                    <p:cond delay="0"/>
+                                  </p:stCondLst>
+                                  <p:childTnLst>
+                                    <p:set>
+                                      <p:cBhvr>
+                                        <p:cTn id="12" dur="1" fill="hold">
+                                          <p:stCondLst>
+                                            <p:cond delay="0"/>
+                                          </p:stCondLst>
+                                        </p:cTn>
+                                        <p:tgtEl>
+                                          <p:spTgt spid="40"/>
+                                        </p:tgtEl>
+                                        <p:attrNameLst>
+                                          <p:attrName>style.visibility</p:attrName>
+                                        </p:attrNameLst>
+                                      </p:cBhvr>
+                                      <p:to>
+                                        <p:strVal val="visible"/>
+                                      </p:to>
+                                    </p:set>
+                                    <p:anim calcmode="lin" valueType="num">
+                                      <p:cBhvr additive="base">
+                                        <p:cTn id="13" dur="500" fill="hold"/>
+                                        <p:tgtEl>
+                                          <p:spTgt spid="40"/>
+                                        </p:tgtEl>
+                                        <p:attrNameLst>
+                                          <p:attrName>ppt_x</p:attrName>
+                                        </p:attrNameLst>
+                                      </p:cBhvr>
+                                      <p:tavLst>
+                                        <p:tav tm="0">
+                                          <p:val>
+                                            <p:strVal val="#ppt_x"/>
+                                          </p:val>
+                                        </p:tav>
+                                        <p:tav tm="100000">
+                                          <p:val>
+                                            <p:strVal val="#ppt_x"/>
+                                          </p:val>
+                                        </p:tav>
+                                      </p:tavLst>
+                                    </p:anim>
+                                    <p:anim calcmode="lin" valueType="num">
+                                      <p:cBhvr additive="base">
+                                        <p:cTn id="14" dur="500" fill="hold"/>
+                                        <p:tgtEl>
+                                          <p:spTgt spid="40"/>
+                                        </p:tgtEl>
+                                        <p:attrNameLst>
+                                          <p:attrName>ppt_y</p:attrName>
+                                        </p:attrNameLst>
+                                      </p:cBhvr>
+                                      <p:tavLst>
+                                        <p:tav tm="0">
+                                          <p:val>
+                                            <p:strVal val="1+#ppt_h/2"/>
+                                          </p:val>
+                                        </p:tav>
+                                        <p:tav tm="100000">
+                                          <p:val>
+                                            <p:strVal val="#ppt_y"/>
+                                          </p:val>
+                                        </p:tav>
+                                      </p:tavLst>
+                                    </p:anim>
+                                  </p:childTnLst>
+                                </p:cTn>
+                              </p:par>
+                            </p:childTnLst>
+                          </p:cTn>
+                        </p:par>
+                      </p:childTnLst>
+                    </p:cTn>
+                  </p:par>
+                  <p:par>
+                    <p:cTn id="15" fill="hold">
+                      <p:stCondLst>
+                        <p:cond delay="indefinite"/>
+                      </p:stCondLst>
+                      <p:childTnLst>
+                        <p:par>
+                          <p:cTn id="16" fill="hold">
+                            <p:stCondLst>
+                              <p:cond delay="0"/>
+                            </p:stCondLst>
+                            <p:childTnLst>
+                              <p:par>
+                                <p:cTn id="17" presetID="2" presetClass="entr" presetSubtype="4" fill="hold" nodeType="clickEffect">
+                                  <p:stCondLst>
+                                    <p:cond delay="0"/>
+                                  </p:stCondLst>
+                                  <p:childTnLst>
+                                    <p:set>
+                                      <p:cBhvr>
+                                        <p:cTn id="18" dur="1" fill="hold">
+                                          <p:stCondLst>
+                                            <p:cond delay="0"/>
+                                          </p:stCondLst>
+                                        </p:cTn>
+                                        <p:tgtEl>
+                                          <p:spTgt spid="42"/>
+                                        </p:tgtEl>
+                                        <p:attrNameLst>
+                                          <p:attrName>style.visibility</p:attrName>
+                                        </p:attrNameLst>
+                                      </p:cBhvr>
+                                      <p:to>
+                                        <p:strVal val="visible"/>
+                                      </p:to>
+                                    </p:set>
+                                    <p:anim calcmode="lin" valueType="num">
+                                      <p:cBhvr additive="base">
+                                        <p:cTn id="19" dur="500" fill="hold"/>
+                                        <p:tgtEl>
+                                          <p:spTgt spid="42"/>
+                                        </p:tgtEl>
+                                        <p:attrNameLst>
+                                          <p:attrName>ppt_x</p:attrName>
+                                        </p:attrNameLst>
+                                      </p:cBhvr>
+                                      <p:tavLst>
+                                        <p:tav tm="0">
+                                          <p:val>
+                                            <p:strVal val="#ppt_x"/>
+                                          </p:val>
+                                        </p:tav>
+                                        <p:tav tm="100000">
+                                          <p:val>
+                                            <p:strVal val="#ppt_x"/>
+                                          </p:val>
+                                        </p:tav>
+                                      </p:tavLst>
+                                    </p:anim>
+                                    <p:anim calcmode="lin" valueType="num">
+                                      <p:cBhvr additive="base">
+                                        <p:cTn id="20" dur="500" fill="hold"/>
+                                        <p:tgtEl>
+                                          <p:spTgt spid="42"/>
+                                        </p:tgtEl>
+                                        <p:attrNameLst>
+                                          <p:attrName>ppt_y</p:attrName>
+                                        </p:attrNameLst>
+                                      </p:cBhvr>
+                                      <p:tavLst>
+                                        <p:tav tm="0">
+                                          <p:val>
+                                            <p:strVal val="1+#ppt_h/2"/>
+                                          </p:val>
+                                        </p:tav>
+                                        <p:tav tm="100000">
+                                          <p:val>
+                                            <p:strVal val="#ppt_y"/>
+                                          </p:val>
+                                        </p:tav>
+                                      </p:tavLst>
+                                    </p:anim>
+                                  </p:childTnLst>
+                                </p:cTn>
+                              </p:par>
+                            </p:childTnLst>
+                          </p:cTn>
+                        </p:par>
+                      </p:childTnLst>
+                    </p:cTn>
+                  </p:par>
+                  <p:par>
+                    <p:cTn id="21" fill="hold">
+                      <p:stCondLst>
+                        <p:cond delay="indefinite"/>
+                      </p:stCondLst>
+                      <p:childTnLst>
+                        <p:par>
+                          <p:cTn id="22" fill="hold">
+                            <p:stCondLst>
+                              <p:cond delay="0"/>
+                            </p:stCondLst>
+                            <p:childTnLst>
+                              <p:par>
+                                <p:cTn id="23" presetID="2" presetClass="entr" presetSubtype="4" fill="hold" nodeType="clickEffect">
+                                  <p:stCondLst>
+                                    <p:cond delay="0"/>
+                                  </p:stCondLst>
+                                  <p:childTnLst>
+                                    <p:set>
+                                      <p:cBhvr>
+                                        <p:cTn id="24" dur="1" fill="hold">
+                                          <p:stCondLst>
+                                            <p:cond delay="0"/>
+                                          </p:stCondLst>
+                                        </p:cTn>
+                                        <p:tgtEl>
+                                          <p:spTgt spid="49"/>
+                                        </p:tgtEl>
+                                        <p:attrNameLst>
+                                          <p:attrName>style.visibility</p:attrName>
+                                        </p:attrNameLst>
+                                      </p:cBhvr>
+                                      <p:to>
+                                        <p:strVal val="visible"/>
+                                      </p:to>
+                                    </p:set>
+                                    <p:anim calcmode="lin" valueType="num">
+                                      <p:cBhvr additive="base">
+                                        <p:cTn id="25" dur="500" fill="hold"/>
+                                        <p:tgtEl>
+                                          <p:spTgt spid="49"/>
+                                        </p:tgtEl>
+                                        <p:attrNameLst>
+                                          <p:attrName>ppt_x</p:attrName>
+                                        </p:attrNameLst>
+                                      </p:cBhvr>
+                                      <p:tavLst>
+                                        <p:tav tm="0">
+                                          <p:val>
+                                            <p:strVal val="#ppt_x"/>
+                                          </p:val>
+                                        </p:tav>
+                                        <p:tav tm="100000">
+                                          <p:val>
+                                            <p:strVal val="#ppt_x"/>
+                                          </p:val>
+                                        </p:tav>
+                                      </p:tavLst>
+                                    </p:anim>
+                                    <p:anim calcmode="lin" valueType="num">
+                                      <p:cBhvr additive="base">
+                                        <p:cTn id="26" dur="500" fill="hold"/>
+                                        <p:tgtEl>
+                                          <p:spTgt spid="49"/>
+                                        </p:tgtEl>
+                                        <p:attrNameLst>
+                                          <p:attrName>ppt_y</p:attrName>
+                                        </p:attrNameLst>
+                                      </p:cBhvr>
+                                      <p:tavLst>
+                                        <p:tav tm="0">
+                                          <p:val>
+                                            <p:strVal val="1+#ppt_h/2"/>
+                                          </p:val>
+                                        </p:tav>
+                                        <p:tav tm="100000">
+                                          <p:val>
+                                            <p:strVal val="#ppt_y"/>
+                                          </p:val>
+                                        </p:tav>
+                                      </p:tavLst>
+                                    </p:anim>
+                                  </p:childTnLst>
+                                </p:cTn>
+                              </p:par>
+                            </p:childTnLst>
+                          </p:cTn>
+                        </p:par>
+                      </p:childTnLst>
+                    </p:cTn>
+                  </p:par>
+                  <p:par>
+                    <p:cTn id="27" fill="hold">
+                      <p:stCondLst>
+                        <p:cond delay="indefinite"/>
+                      </p:stCondLst>
+                      <p:childTnLst>
+                        <p:par>
+                          <p:cTn id="28" fill="hold">
+                            <p:stCondLst>
+                              <p:cond delay="0"/>
+                            </p:stCondLst>
+                            <p:childTnLst>
+                              <p:par>
+                                <p:cTn id="29" presetID="2" presetClass="entr" presetSubtype="4" fill="hold" nodeType="clickEffect">
+                                  <p:stCondLst>
+                                    <p:cond delay="0"/>
+                                  </p:stCondLst>
+                                  <p:childTnLst>
+                                    <p:set>
+                                      <p:cBhvr>
+                                        <p:cTn id="30" dur="1" fill="hold">
+                                          <p:stCondLst>
+                                            <p:cond delay="0"/>
+                                          </p:stCondLst>
+                                        </p:cTn>
+                                        <p:tgtEl>
+                                          <p:spTgt spid="46"/>
+                                        </p:tgtEl>
+                                        <p:attrNameLst>
+                                          <p:attrName>style.visibility</p:attrName>
+                                        </p:attrNameLst>
+                                      </p:cBhvr>
+                                      <p:to>
+                                        <p:strVal val="visible"/>
+                                      </p:to>
+                                    </p:set>
+                                    <p:anim calcmode="lin" valueType="num">
+                                      <p:cBhvr additive="base">
+                                        <p:cTn id="31" dur="500" fill="hold"/>
+                                        <p:tgtEl>
+                                          <p:spTgt spid="46"/>
+                                        </p:tgtEl>
+                                        <p:attrNameLst>
+                                          <p:attrName>ppt_x</p:attrName>
+                                        </p:attrNameLst>
+                                      </p:cBhvr>
+                                      <p:tavLst>
+                                        <p:tav tm="0">
+                                          <p:val>
+                                            <p:strVal val="#ppt_x"/>
+                                          </p:val>
+                                        </p:tav>
+                                        <p:tav tm="100000">
+                                          <p:val>
+                                            <p:strVal val="#ppt_x"/>
+                                          </p:val>
+                                        </p:tav>
+                                      </p:tavLst>
+                                    </p:anim>
+                                    <p:anim calcmode="lin" valueType="num">
+                                      <p:cBhvr additive="base">
+                                        <p:cTn id="32" dur="500" fill="hold"/>
+                                        <p:tgtEl>
+                                          <p:spTgt spid="46"/>
+                                        </p:tgtEl>
+                                        <p:attrNameLst>
+                                          <p:attrName>ppt_y</p:attrName>
+                                        </p:attrNameLst>
+                                      </p:cBhvr>
+                                      <p:tavLst>
+                                        <p:tav tm="0">
+                                          <p:val>
+                                            <p:strVal val="1+#ppt_h/2"/>
+                                          </p:val>
+                                        </p:tav>
+                                        <p:tav tm="100000">
+                                          <p:val>
+                                            <p:strVal val="#ppt_y"/>
+                                          </p:val>
+                                        </p:tav>
+                                      </p:tavLst>
+                                    </p:anim>
+                                  </p:childTnLst>
+                                </p:cTn>
+                              </p:par>
+                            </p:childTnLst>
+                          </p:cTn>
+                        </p:par>
+                      </p:childTnLst>
+                    </p:cTn>
+                  </p:par>
+                  <p:par>
+                    <p:cTn id="33" fill="hold">
+                      <p:stCondLst>
+                        <p:cond delay="indefinite"/>
+                      </p:stCondLst>
+                      <p:childTnLst>
+                        <p:par>
+                          <p:cTn id="34" fill="hold">
+                            <p:stCondLst>
+                              <p:cond delay="0"/>
+                            </p:stCondLst>
+                            <p:childTnLst>
+                              <p:par>
+                                <p:cTn id="35" presetID="2" presetClass="entr" presetSubtype="4" fill="hold" nodeType="clickEffect">
+                                  <p:stCondLst>
+                                    <p:cond delay="0"/>
+                                  </p:stCondLst>
+                                  <p:childTnLst>
+                                    <p:set>
+                                      <p:cBhvr>
+                                        <p:cTn id="36" dur="1" fill="hold">
+                                          <p:stCondLst>
+                                            <p:cond delay="0"/>
+                                          </p:stCondLst>
+                                        </p:cTn>
+                                        <p:tgtEl>
+                                          <p:spTgt spid="56"/>
+                                        </p:tgtEl>
+                                        <p:attrNameLst>
+                                          <p:attrName>style.visibility</p:attrName>
+                                        </p:attrNameLst>
+                                      </p:cBhvr>
+                                      <p:to>
+                                        <p:strVal val="visible"/>
+                                      </p:to>
+                                    </p:set>
+                                    <p:anim calcmode="lin" valueType="num">
+                                      <p:cBhvr additive="base">
+                                        <p:cTn id="37" dur="500" fill="hold"/>
+                                        <p:tgtEl>
+                                          <p:spTgt spid="56"/>
+                                        </p:tgtEl>
+                                        <p:attrNameLst>
+                                          <p:attrName>ppt_x</p:attrName>
+                                        </p:attrNameLst>
+                                      </p:cBhvr>
+                                      <p:tavLst>
+                                        <p:tav tm="0">
+                                          <p:val>
+                                            <p:strVal val="#ppt_x"/>
+                                          </p:val>
+                                        </p:tav>
+                                        <p:tav tm="100000">
+                                          <p:val>
+                                            <p:strVal val="#ppt_x"/>
+                                          </p:val>
+                                        </p:tav>
+                                      </p:tavLst>
+                                    </p:anim>
+                                    <p:anim calcmode="lin" valueType="num">
+                                      <p:cBhvr additive="base">
+                                        <p:cTn id="38" dur="500" fill="hold"/>
+                                        <p:tgtEl>
+                                          <p:spTgt spid="56"/>
+                                        </p:tgtEl>
+                                        <p:attrNameLst>
+                                          <p:attrName>ppt_y</p:attrName>
+                                        </p:attrNameLst>
+                                      </p:cBhvr>
+                                      <p:tavLst>
+                                        <p:tav tm="0">
+                                          <p:val>
+                                            <p:strVal val="1+#ppt_h/2"/>
+                                          </p:val>
+                                        </p:tav>
+                                        <p:tav tm="100000">
+                                          <p:val>
+                                            <p:strVal val="#ppt_y"/>
+                                          </p:val>
+                                        </p:tav>
+                                      </p:tavLst>
+                                    </p:anim>
+                                  </p:childTnLst>
+                                </p:cTn>
+                              </p:par>
+                            </p:childTnLst>
+                          </p:cTn>
+                        </p:par>
+                      </p:childTnLst>
+                    </p:cTn>
+                  </p:par>
+                  <p:par>
+                    <p:cTn id="39" fill="hold">
+                      <p:stCondLst>
+                        <p:cond delay="indefinite"/>
+                      </p:stCondLst>
+                      <p:childTnLst>
+                        <p:par>
+                          <p:cTn id="40" fill="hold">
+                            <p:stCondLst>
+                              <p:cond delay="0"/>
+                            </p:stCondLst>
+                            <p:childTnLst>
+                              <p:par>
+                                <p:cTn id="41" presetID="2" presetClass="entr" presetSubtype="4" fill="hold" nodeType="clickEffect">
+                                  <p:stCondLst>
+                                    <p:cond delay="0"/>
+                                  </p:stCondLst>
+                                  <p:childTnLst>
+                                    <p:set>
+                                      <p:cBhvr>
+                                        <p:cTn id="42" dur="1" fill="hold">
+                                          <p:stCondLst>
+                                            <p:cond delay="0"/>
+                                          </p:stCondLst>
+                                        </p:cTn>
+                                        <p:tgtEl>
+                                          <p:spTgt spid="51"/>
+                                        </p:tgtEl>
+                                        <p:attrNameLst>
+                                          <p:attrName>style.visibility</p:attrName>
+                                        </p:attrNameLst>
+                                      </p:cBhvr>
+                                      <p:to>
+                                        <p:strVal val="visible"/>
+                                      </p:to>
+                                    </p:set>
+                                    <p:anim calcmode="lin" valueType="num">
+                                      <p:cBhvr additive="base">
+                                        <p:cTn id="43" dur="500" fill="hold"/>
+                                        <p:tgtEl>
+                                          <p:spTgt spid="51"/>
+                                        </p:tgtEl>
+                                        <p:attrNameLst>
+                                          <p:attrName>ppt_x</p:attrName>
+                                        </p:attrNameLst>
+                                      </p:cBhvr>
+                                      <p:tavLst>
+                                        <p:tav tm="0">
+                                          <p:val>
+                                            <p:strVal val="#ppt_x"/>
+                                          </p:val>
+                                        </p:tav>
+                                        <p:tav tm="100000">
+                                          <p:val>
+                                            <p:strVal val="#ppt_x"/>
+                                          </p:val>
+                                        </p:tav>
+                                      </p:tavLst>
+                                    </p:anim>
+                                    <p:anim calcmode="lin" valueType="num">
+                                      <p:cBhvr additive="base">
+                                        <p:cTn id="44" dur="500" fill="hold"/>
+                                        <p:tgtEl>
+                                          <p:spTgt spid="51"/>
+                                        </p:tgtEl>
+                                        <p:attrNameLst>
+                                          <p:attrName>ppt_y</p:attrName>
+                                        </p:attrNameLst>
+                                      </p:cBhvr>
+                                      <p:tavLst>
+                                        <p:tav tm="0">
+                                          <p:val>
+                                            <p:strVal val="1+#ppt_h/2"/>
+                                          </p:val>
+                                        </p:tav>
+                                        <p:tav tm="100000">
+                                          <p:val>
+                                            <p:strVal val="#ppt_y"/>
+                                          </p:val>
+                                        </p:tav>
+                                      </p:tavLst>
+                                    </p:anim>
+                                  </p:childTnLst>
+                                </p:cTn>
+                              </p:par>
+                            </p:childTnLst>
+                          </p:cTn>
+                        </p:par>
+                      </p:childTnLst>
+                    </p:cTn>
+                  </p:par>
+                  <p:par>
+                    <p:cTn id="45" fill="hold">
+                      <p:stCondLst>
+                        <p:cond delay="indefinite"/>
+                      </p:stCondLst>
+                      <p:childTnLst>
+                        <p:par>
+                          <p:cTn id="46" fill="hold">
+                            <p:stCondLst>
+                              <p:cond delay="0"/>
+                            </p:stCondLst>
+                            <p:childTnLst>
+                              <p:par>
+                                <p:cTn id="47" presetID="2" presetClass="entr" presetSubtype="4" fill="hold" nodeType="clickEffect">
+                                  <p:stCondLst>
+                                    <p:cond delay="0"/>
+                                  </p:stCondLst>
+                                  <p:childTnLst>
+                                    <p:set>
+                                      <p:cBhvr>
+                                        <p:cTn id="48" dur="1" fill="hold">
+                                          <p:stCondLst>
+                                            <p:cond delay="0"/>
+                                          </p:stCondLst>
+                                        </p:cTn>
+                                        <p:tgtEl>
+                                          <p:spTgt spid="53"/>
+                                        </p:tgtEl>
+                                        <p:attrNameLst>
+                                          <p:attrName>style.visibility</p:attrName>
+                                        </p:attrNameLst>
+                                      </p:cBhvr>
+                                      <p:to>
+                                        <p:strVal val="visible"/>
+                                      </p:to>
+                                    </p:set>
+                                    <p:anim calcmode="lin" valueType="num">
+                                      <p:cBhvr additive="base">
+                                        <p:cTn id="49" dur="500" fill="hold"/>
+                                        <p:tgtEl>
+                                          <p:spTgt spid="53"/>
+                                        </p:tgtEl>
+                                        <p:attrNameLst>
+                                          <p:attrName>ppt_x</p:attrName>
+                                        </p:attrNameLst>
+                                      </p:cBhvr>
+                                      <p:tavLst>
+                                        <p:tav tm="0">
+                                          <p:val>
+                                            <p:strVal val="#ppt_x"/>
+                                          </p:val>
+                                        </p:tav>
+                                        <p:tav tm="100000">
+                                          <p:val>
+                                            <p:strVal val="#ppt_x"/>
+                                          </p:val>
+                                        </p:tav>
+                                      </p:tavLst>
+                                    </p:anim>
+                                    <p:anim calcmode="lin" valueType="num">
+                                      <p:cBhvr additive="base">
+                                        <p:cTn id="50" dur="500" fill="hold"/>
+                                        <p:tgtEl>
+                                          <p:spTgt spid="53"/>
+                                        </p:tgtEl>
+                                        <p:attrNameLst>
+                                          <p:attrName>ppt_y</p:attrName>
+                                        </p:attrNameLst>
+                                      </p:cBhvr>
+                                      <p:tavLst>
+                                        <p:tav tm="0">
+                                          <p:val>
+                                            <p:strVal val="1+#ppt_h/2"/>
+                                          </p:val>
+                                        </p:tav>
+                                        <p:tav tm="100000">
+                                          <p:val>
+                                            <p:strVal val="#ppt_y"/>
+                                          </p:val>
+                                        </p:tav>
+                                      </p:tavLst>
+                                    </p:anim>
+                                  </p:childTnLst>
+                                </p:cTn>
+                              </p:par>
+                            </p:childTnLst>
+                          </p:cTn>
+                        </p:par>
+                      </p:childTnLst>
+                    </p:cTn>
+                  </p:par>
+                  <p:par>
+                    <p:cTn id="51" fill="hold">
+                      <p:stCondLst>
+                        <p:cond delay="indefinite"/>
+                      </p:stCondLst>
+                      <p:childTnLst>
+                        <p:par>
+                          <p:cTn id="52" fill="hold">
+                            <p:stCondLst>
+                              <p:cond delay="0"/>
+                            </p:stCondLst>
+                            <p:childTnLst>
+                              <p:par>
+                                <p:cTn id="53" presetID="2" presetClass="entr" presetSubtype="4" fill="hold" nodeType="clickEffect">
+                                  <p:stCondLst>
+                                    <p:cond delay="0"/>
+                                  </p:stCondLst>
+                                  <p:childTnLst>
+                                    <p:set>
+                                      <p:cBhvr>
+                                        <p:cTn id="54" dur="1" fill="hold">
+                                          <p:stCondLst>
+                                            <p:cond delay="0"/>
+                                          </p:stCondLst>
+                                        </p:cTn>
+                                        <p:tgtEl>
+                                          <p:spTgt spid="54"/>
+                                        </p:tgtEl>
+                                        <p:attrNameLst>
+                                          <p:attrName>style.visibility</p:attrName>
+                                        </p:attrNameLst>
+                                      </p:cBhvr>
+                                      <p:to>
+                                        <p:strVal val="visible"/>
+                                      </p:to>
+                                    </p:set>
+                                    <p:anim calcmode="lin" valueType="num">
+                                      <p:cBhvr additive="base">
+                                        <p:cTn id="55" dur="500" fill="hold"/>
+                                        <p:tgtEl>
+                                          <p:spTgt spid="54"/>
+                                        </p:tgtEl>
+                                        <p:attrNameLst>
+                                          <p:attrName>ppt_x</p:attrName>
+                                        </p:attrNameLst>
+                                      </p:cBhvr>
+                                      <p:tavLst>
+                                        <p:tav tm="0">
+                                          <p:val>
+                                            <p:strVal val="#ppt_x"/>
+                                          </p:val>
+                                        </p:tav>
+                                        <p:tav tm="100000">
+                                          <p:val>
+                                            <p:strVal val="#ppt_x"/>
+                                          </p:val>
+                                        </p:tav>
+                                      </p:tavLst>
+                                    </p:anim>
+                                    <p:anim calcmode="lin" valueType="num">
+                                      <p:cBhvr additive="base">
+                                        <p:cTn id="56" dur="500" fill="hold"/>
+                                        <p:tgtEl>
+                                          <p:spTgt spid="54"/>
+                                        </p:tgtEl>
+                                        <p:attrNameLst>
+                                          <p:attrName>ppt_y</p:attrName>
+                                        </p:attrNameLst>
+                                      </p:cBhvr>
+                                      <p:tavLst>
+                                        <p:tav tm="0">
+                                          <p:val>
+                                            <p:strVal val="1+#ppt_h/2"/>
+                                          </p:val>
+                                        </p:tav>
+                                        <p:tav tm="100000">
+                                          <p:val>
+                                            <p:strVal val="#ppt_y"/>
+                                          </p:val>
+                                        </p:tav>
+                                      </p:tavLst>
+                                    </p:anim>
+                                  </p:childTnLst>
+                                </p:cTn>
+                              </p:par>
+                            </p:childTnLst>
+                          </p:cTn>
+                        </p:par>
+                      </p:childTnLst>
+                    </p:cTn>
+                  </p:par>
+                </p:childTnLst>
+              </p:cTn>
+              <p:prevCondLst>
+                <p:cond evt="onPrev" delay="0">
+                  <p:tgtEl>
+                    <p:sldTgt/>
+                  </p:tgtEl>
+                </p:cond>
+              </p:prevCondLst>
+              <p:nextCondLst>
+                <p:cond evt="onNext" delay="0">
+                  <p:tgtEl>
+                    <p:sldTgt/>
+                  </p:tgtEl>
+                </p:cond>
+              </p:nextCondLst>
+            </p:seq>
+          </p:childTnLst>
+        </p:cTn>
+      </p:par>
+    </p:tnLst>
+  </p:timing>
+</p:sld>
+</file>
+
+<file path=ppt/slides/slide9.xml><?xml version="1.0" encoding="utf-8"?>
+<p:sld xmlns:a="http://schemas.openxmlformats.org/drawingml/2006/main" xmlns:r="http://schemas.openxmlformats.org/officeDocument/2006/relationships" xmlns:p="http://schemas.openxmlformats.org/presentationml/2006/main">
+  <p:cSld>
+    <p:spTree>
+      <p:nvGrpSpPr>
+        <p:cNvPr id="1" name=""/>
+        <p:cNvGrpSpPr/>
+        <p:nvPr/>
+      </p:nvGrpSpPr>
+      <p:grpSpPr>
+        <a:xfrm>
+          <a:off x="0" y="0"/>
+          <a:ext cx="0" cy="0"/>
+          <a:chOff x="0" y="0"/>
+          <a:chExt cx="0" cy="0"/>
+        </a:xfrm>
+      </p:grpSpPr>
+      <p:grpSp>
+        <p:nvGrpSpPr>
+          <p:cNvPr id="2" name="组合 1"/>
+          <p:cNvGrpSpPr/>
+          <p:nvPr/>
+        </p:nvGrpSpPr>
+        <p:grpSpPr>
+          <a:xfrm>
+            <a:off x="553790" y="167425"/>
             <a:ext cx="11461124" cy="875764"/>
             <a:chOff x="553790" y="167425"/>
             <a:chExt cx="11461124" cy="875764"/>
@@ -19648,8 +23323,8 @@
         </p:nvSpPr>
         <p:spPr>
           <a:xfrm>
-            <a:off x="553790" y="2523088"/>
-            <a:ext cx="4919731" cy="3046988"/>
+            <a:off x="553790" y="2312790"/>
+            <a:ext cx="4919731" cy="3970318"/>
           </a:xfrm>
           <a:prstGeom prst="rect">
             <a:avLst/>
@@ -19661,6 +23336,38 @@
           </a:bodyPr>
           <a:lstStyle/>
           <a:p>
+            <a:pPr algn="ctr">
+              <a:lnSpc>
+                <a:spcPct val="150000"/>
+              </a:lnSpc>
+            </a:pPr>
+            <a:r>
+              <a:rPr lang="zh-CN" altLang="en-US" sz="2400" b="1" dirty="0" smtClean="0">
+                <a:latin typeface="华文楷体" panose="02010600040101010101" pitchFamily="2" charset="-122"/>
+                <a:ea typeface="华文楷体" panose="02010600040101010101" pitchFamily="2" charset="-122"/>
+              </a:rPr>
+              <a:t>奇异值分解</a:t>
+            </a:r>
+            <a:r>
+              <a:rPr lang="en-US" altLang="zh-CN" sz="2400" b="1" dirty="0" smtClean="0">
+                <a:latin typeface="华文楷体" panose="02010600040101010101" pitchFamily="2" charset="-122"/>
+                <a:ea typeface="华文楷体" panose="02010600040101010101" pitchFamily="2" charset="-122"/>
+              </a:rPr>
+              <a:t>+</a:t>
+            </a:r>
+            <a:r>
+              <a:rPr lang="zh-CN" altLang="en-US" sz="2400" b="1" dirty="0" smtClean="0">
+                <a:latin typeface="华文楷体" panose="02010600040101010101" pitchFamily="2" charset="-122"/>
+                <a:ea typeface="华文楷体" panose="02010600040101010101" pitchFamily="2" charset="-122"/>
+              </a:rPr>
+              <a:t>逻辑回归</a:t>
+            </a:r>
+            <a:endParaRPr lang="en-US" altLang="zh-CN" sz="2400" b="1" dirty="0" smtClean="0">
+              <a:latin typeface="华文楷体" panose="02010600040101010101" pitchFamily="2" charset="-122"/>
+              <a:ea typeface="华文楷体" panose="02010600040101010101" pitchFamily="2" charset="-122"/>
+            </a:endParaRPr>
+          </a:p>
+          <a:p>
             <a:pPr>
               <a:lnSpc>
                 <a:spcPct val="150000"/>
@@ -19671,15 +23378,19 @@
                 <a:latin typeface="华文楷体" panose="02010600040101010101" pitchFamily="2" charset="-122"/>
                 <a:ea typeface="华文楷体" panose="02010600040101010101" pitchFamily="2" charset="-122"/>
               </a:rPr>
-              <a:t>逻辑</a:t>
+              <a:t>奇异值分解</a:t>
             </a:r>
             <a:r>
               <a:rPr lang="zh-CN" altLang="en-US" sz="1600" dirty="0">
                 <a:latin typeface="华文楷体" panose="02010600040101010101" pitchFamily="2" charset="-122"/>
                 <a:ea typeface="华文楷体" panose="02010600040101010101" pitchFamily="2" charset="-122"/>
               </a:rPr>
-              <a:t>回归的方法在金融领域预测较为准确，由于只做二分类，它的训练速度快，但是由于训练结果很大程度上取决于输入的特征变量，为了使得训练准确率高，还需要在训练之前，选择可靠的特征。</a:t>
-            </a:r>
+              <a:t>可以有效提取空间重要信息的特点，对多维度数据进行降维处理，得到特征的得分向量，特征的选取直接影响后面的逻辑回归的正确率。 </a:t>
+            </a:r>
+            <a:endParaRPr lang="en-US" altLang="zh-CN" sz="1600" dirty="0" smtClean="0">
+              <a:latin typeface="华文楷体" panose="02010600040101010101" pitchFamily="2" charset="-122"/>
+              <a:ea typeface="华文楷体" panose="02010600040101010101" pitchFamily="2" charset="-122"/>
+            </a:endParaRPr>
           </a:p>
           <a:p>
             <a:pPr>
@@ -19699,19 +23410,23 @@
               </a:lnSpc>
             </a:pPr>
             <a:r>
-              <a:rPr lang="zh-CN" altLang="en-US" sz="1600" dirty="0" smtClean="0">
-                <a:latin typeface="华文楷体" panose="02010600040101010101" pitchFamily="2" charset="-122"/>
-                <a:ea typeface="华文楷体" panose="02010600040101010101" pitchFamily="2" charset="-122"/>
-              </a:rPr>
-              <a:t>奇异值分解</a:t>
-            </a:r>
-            <a:r>
               <a:rPr lang="zh-CN" altLang="en-US" sz="1600" dirty="0">
                 <a:latin typeface="华文楷体" panose="02010600040101010101" pitchFamily="2" charset="-122"/>
                 <a:ea typeface="华文楷体" panose="02010600040101010101" pitchFamily="2" charset="-122"/>
               </a:rPr>
-              <a:t>可以有效提取空间重要信息的特点，对多维度数据进行降维处理，得到特征的得分向量，特征的选取直接影响后面的逻辑回归的正确率。 </a:t>
-            </a:r>
+              <a:t>逻辑回归的方法在金融领域预测较为准确，由于只做二分类，它的训练速度快，但是由于训练结果很大程度上取决于输入的特征变量，为了使得训练准确率高，还需要在训练之前，选择可靠的特征。</a:t>
+            </a:r>
+          </a:p>
+          <a:p>
+            <a:pPr>
+              <a:lnSpc>
+                <a:spcPct val="150000"/>
+              </a:lnSpc>
+            </a:pPr>
+            <a:endParaRPr lang="zh-CN" altLang="en-US" sz="1600" dirty="0">
+              <a:latin typeface="华文楷体" panose="02010600040101010101" pitchFamily="2" charset="-122"/>
+              <a:ea typeface="华文楷体" panose="02010600040101010101" pitchFamily="2" charset="-122"/>
+            </a:endParaRPr>
           </a:p>
         </p:txBody>
       </p:sp>
@@ -20010,7 +23725,7 @@
         <p:spPr>
           <a:xfrm>
             <a:off x="5819320" y="2312790"/>
-            <a:ext cx="5909039" cy="4154984"/>
+            <a:ext cx="5909039" cy="3600986"/>
           </a:xfrm>
           <a:prstGeom prst="rect">
             <a:avLst/>
@@ -20028,52 +23743,55 @@
               </a:lnSpc>
             </a:pPr>
             <a:r>
-              <a:rPr lang="zh-CN" altLang="zh-CN" sz="1600" dirty="0" smtClean="0">
+              <a:rPr lang="zh-CN" altLang="zh-CN" sz="2400" b="1" dirty="0">
                 <a:latin typeface="华文楷体" panose="02010600040101010101" pitchFamily="2" charset="-122"/>
                 <a:ea typeface="华文楷体" panose="02010600040101010101" pitchFamily="2" charset="-122"/>
               </a:rPr>
-              <a:t>采用</a:t>
-            </a:r>
-            <a:r>
-              <a:rPr lang="zh-CN" altLang="zh-CN" sz="1600" dirty="0">
+              <a:t>自</a:t>
+            </a:r>
+            <a:r>
+              <a:rPr lang="zh-CN" altLang="zh-CN" sz="2400" b="1" dirty="0">
                 <a:latin typeface="华文楷体" panose="02010600040101010101" pitchFamily="2" charset="-122"/>
                 <a:ea typeface="华文楷体" panose="02010600040101010101" pitchFamily="2" charset="-122"/>
               </a:rPr>
-              <a:t>组合预测的方法</a:t>
-            </a:r>
-            <a:r>
-              <a:rPr lang="en-US" altLang="zh-CN" sz="1600" dirty="0">
+              <a:t>回归滑动平均</a:t>
+            </a:r>
+            <a:r>
+              <a:rPr lang="zh-CN" altLang="zh-CN" sz="2400" b="1" dirty="0">
                 <a:latin typeface="华文楷体" panose="02010600040101010101" pitchFamily="2" charset="-122"/>
                 <a:ea typeface="华文楷体" panose="02010600040101010101" pitchFamily="2" charset="-122"/>
               </a:rPr>
-              <a:t>: </a:t>
-            </a:r>
-            <a:r>
-              <a:rPr lang="zh-CN" altLang="zh-CN" sz="1600" dirty="0">
+              <a:t>模型</a:t>
+            </a:r>
+            <a:r>
+              <a:rPr lang="en-US" altLang="zh-CN" sz="2400" b="1" dirty="0">
                 <a:latin typeface="华文楷体" panose="02010600040101010101" pitchFamily="2" charset="-122"/>
                 <a:ea typeface="华文楷体" panose="02010600040101010101" pitchFamily="2" charset="-122"/>
               </a:rPr>
-              <a:t>基于时间序列的自回归滑动平均模型和反向传播神经网络</a:t>
-            </a:r>
-            <a:r>
-              <a:rPr lang="zh-CN" altLang="zh-CN" sz="1600" dirty="0" smtClean="0">
+              <a:t>+</a:t>
+            </a:r>
+            <a:r>
+              <a:rPr lang="zh-CN" altLang="zh-CN" sz="2400" b="1" dirty="0">
                 <a:latin typeface="华文楷体" panose="02010600040101010101" pitchFamily="2" charset="-122"/>
                 <a:ea typeface="华文楷体" panose="02010600040101010101" pitchFamily="2" charset="-122"/>
               </a:rPr>
-              <a:t>。</a:t>
-            </a:r>
-            <a:endParaRPr lang="en-US" altLang="zh-CN" sz="1600" dirty="0" smtClean="0">
-              <a:latin typeface="华文楷体" panose="02010600040101010101" pitchFamily="2" charset="-122"/>
-              <a:ea typeface="华文楷体" panose="02010600040101010101" pitchFamily="2" charset="-122"/>
-            </a:endParaRPr>
-          </a:p>
-          <a:p>
-            <a:pPr>
-              <a:lnSpc>
-                <a:spcPct val="150000"/>
-              </a:lnSpc>
-            </a:pPr>
-            <a:endParaRPr lang="zh-CN" altLang="zh-CN" sz="1600" dirty="0">
+              <a:t>反向</a:t>
+            </a:r>
+            <a:r>
+              <a:rPr lang="zh-CN" altLang="zh-CN" sz="2400" b="1" dirty="0">
+                <a:latin typeface="华文楷体" panose="02010600040101010101" pitchFamily="2" charset="-122"/>
+                <a:ea typeface="华文楷体" panose="02010600040101010101" pitchFamily="2" charset="-122"/>
+              </a:rPr>
+              <a:t>传播神经</a:t>
+            </a:r>
+            <a:r>
+              <a:rPr lang="zh-CN" altLang="zh-CN" sz="2400" b="1" dirty="0">
+                <a:latin typeface="华文楷体" panose="02010600040101010101" pitchFamily="2" charset="-122"/>
+                <a:ea typeface="华文楷体" panose="02010600040101010101" pitchFamily="2" charset="-122"/>
+              </a:rPr>
+              <a:t>网络</a:t>
+            </a:r>
+            <a:endParaRPr lang="zh-CN" altLang="zh-CN" sz="2400" b="1" dirty="0">
               <a:latin typeface="华文楷体" panose="02010600040101010101" pitchFamily="2" charset="-122"/>
               <a:ea typeface="华文楷体" panose="02010600040101010101" pitchFamily="2" charset="-122"/>
             </a:endParaRPr>
@@ -20288,990 +24006,9 @@
           </a:p>
         </p:txBody>
       </p:sp>
-    </p:spTree>
-    <p:extLst>
-      <p:ext uri="{BB962C8B-B14F-4D97-AF65-F5344CB8AC3E}">
-        <p14:creationId xmlns:p14="http://schemas.microsoft.com/office/powerpoint/2010/main" val="4227822690"/>
-      </p:ext>
-    </p:extLst>
-  </p:cSld>
-  <p:clrMapOvr>
-    <a:masterClrMapping/>
-  </p:clrMapOvr>
-  <mc:AlternateContent xmlns:mc="http://schemas.openxmlformats.org/markup-compatibility/2006" xmlns:p14="http://schemas.microsoft.com/office/powerpoint/2010/main">
-    <mc:Choice Requires="p14">
-      <p:transition spd="med" p14:dur="700">
-        <p:fade/>
-      </p:transition>
-    </mc:Choice>
-    <mc:Fallback xmlns="">
-      <p:transition spd="med">
-        <p:fade/>
-      </p:transition>
-    </mc:Fallback>
-  </mc:AlternateContent>
-  <p:timing>
-    <p:tnLst>
-      <p:par>
-        <p:cTn id="1" dur="indefinite" restart="never" nodeType="tmRoot"/>
-      </p:par>
-    </p:tnLst>
-  </p:timing>
-</p:sld>
-</file>
-
-<file path=ppt/slides/slide9.xml><?xml version="1.0" encoding="utf-8"?>
-<p:sld xmlns:a="http://schemas.openxmlformats.org/drawingml/2006/main" xmlns:r="http://schemas.openxmlformats.org/officeDocument/2006/relationships" xmlns:p="http://schemas.openxmlformats.org/presentationml/2006/main">
-  <p:cSld>
-    <p:spTree>
-      <p:nvGrpSpPr>
-        <p:cNvPr id="1" name=""/>
-        <p:cNvGrpSpPr/>
-        <p:nvPr/>
-      </p:nvGrpSpPr>
-      <p:grpSpPr>
-        <a:xfrm>
-          <a:off x="0" y="0"/>
-          <a:ext cx="0" cy="0"/>
-          <a:chOff x="0" y="0"/>
-          <a:chExt cx="0" cy="0"/>
-        </a:xfrm>
-      </p:grpSpPr>
       <p:sp>
         <p:nvSpPr>
-          <p:cNvPr id="26" name="矩形 25"/>
-          <p:cNvSpPr/>
-          <p:nvPr/>
-        </p:nvSpPr>
-        <p:spPr>
-          <a:xfrm>
-            <a:off x="8258540" y="1434845"/>
-            <a:ext cx="3756374" cy="5053041"/>
-          </a:xfrm>
-          <a:prstGeom prst="rect">
-            <a:avLst/>
-          </a:prstGeom>
-          <a:solidFill>
-            <a:schemeClr val="bg1">
-              <a:lumMod val="95000"/>
-            </a:schemeClr>
-          </a:solidFill>
-          <a:ln>
-            <a:noFill/>
-          </a:ln>
-        </p:spPr>
-        <p:style>
-          <a:lnRef idx="2">
-            <a:schemeClr val="accent1">
-              <a:shade val="50000"/>
-            </a:schemeClr>
-          </a:lnRef>
-          <a:fillRef idx="1">
-            <a:schemeClr val="accent1"/>
-          </a:fillRef>
-          <a:effectRef idx="0">
-            <a:schemeClr val="accent1"/>
-          </a:effectRef>
-          <a:fontRef idx="minor">
-            <a:schemeClr val="lt1"/>
-          </a:fontRef>
-        </p:style>
-        <p:txBody>
-          <a:bodyPr rtlCol="0" anchor="ctr"/>
-          <a:lstStyle/>
-          <a:p>
-            <a:pPr algn="ctr"/>
-            <a:endParaRPr lang="zh-CN" altLang="en-US"/>
-          </a:p>
-        </p:txBody>
-      </p:sp>
-      <p:sp>
-        <p:nvSpPr>
-          <p:cNvPr id="25" name="矩形 24"/>
-          <p:cNvSpPr/>
-          <p:nvPr/>
-        </p:nvSpPr>
-        <p:spPr>
-          <a:xfrm>
-            <a:off x="4444524" y="1434845"/>
-            <a:ext cx="3495899" cy="5053041"/>
-          </a:xfrm>
-          <a:prstGeom prst="rect">
-            <a:avLst/>
-          </a:prstGeom>
-          <a:solidFill>
-            <a:schemeClr val="bg1">
-              <a:lumMod val="95000"/>
-            </a:schemeClr>
-          </a:solidFill>
-          <a:ln>
-            <a:noFill/>
-          </a:ln>
-        </p:spPr>
-        <p:style>
-          <a:lnRef idx="2">
-            <a:schemeClr val="accent1">
-              <a:shade val="50000"/>
-            </a:schemeClr>
-          </a:lnRef>
-          <a:fillRef idx="1">
-            <a:schemeClr val="accent1"/>
-          </a:fillRef>
-          <a:effectRef idx="0">
-            <a:schemeClr val="accent1"/>
-          </a:effectRef>
-          <a:fontRef idx="minor">
-            <a:schemeClr val="lt1"/>
-          </a:fontRef>
-        </p:style>
-        <p:txBody>
-          <a:bodyPr rtlCol="0" anchor="ctr"/>
-          <a:lstStyle/>
-          <a:p>
-            <a:pPr algn="ctr"/>
-            <a:endParaRPr lang="zh-CN" altLang="en-US"/>
-          </a:p>
-        </p:txBody>
-      </p:sp>
-      <p:sp>
-        <p:nvSpPr>
-          <p:cNvPr id="24" name="矩形 23"/>
-          <p:cNvSpPr/>
-          <p:nvPr/>
-        </p:nvSpPr>
-        <p:spPr>
-          <a:xfrm>
-            <a:off x="649154" y="1434845"/>
-            <a:ext cx="3495899" cy="5053041"/>
-          </a:xfrm>
-          <a:prstGeom prst="rect">
-            <a:avLst/>
-          </a:prstGeom>
-          <a:solidFill>
-            <a:schemeClr val="bg1">
-              <a:lumMod val="95000"/>
-            </a:schemeClr>
-          </a:solidFill>
-          <a:ln>
-            <a:noFill/>
-          </a:ln>
-        </p:spPr>
-        <p:style>
-          <a:lnRef idx="2">
-            <a:schemeClr val="accent1">
-              <a:shade val="50000"/>
-            </a:schemeClr>
-          </a:lnRef>
-          <a:fillRef idx="1">
-            <a:schemeClr val="accent1"/>
-          </a:fillRef>
-          <a:effectRef idx="0">
-            <a:schemeClr val="accent1"/>
-          </a:effectRef>
-          <a:fontRef idx="minor">
-            <a:schemeClr val="lt1"/>
-          </a:fontRef>
-        </p:style>
-        <p:txBody>
-          <a:bodyPr rtlCol="0" anchor="ctr"/>
-          <a:lstStyle/>
-          <a:p>
-            <a:pPr algn="ctr"/>
-            <a:endParaRPr lang="zh-CN" altLang="en-US"/>
-          </a:p>
-        </p:txBody>
-      </p:sp>
-      <p:grpSp>
-        <p:nvGrpSpPr>
-          <p:cNvPr id="2" name="组合 1"/>
-          <p:cNvGrpSpPr/>
-          <p:nvPr/>
-        </p:nvGrpSpPr>
-        <p:grpSpPr>
-          <a:xfrm>
-            <a:off x="553790" y="167425"/>
-            <a:ext cx="11461124" cy="875764"/>
-            <a:chOff x="553790" y="167425"/>
-            <a:chExt cx="11461124" cy="875764"/>
-          </a:xfrm>
-        </p:grpSpPr>
-        <p:sp>
-          <p:nvSpPr>
-            <p:cNvPr id="3" name="文本框 2"/>
-            <p:cNvSpPr txBox="1"/>
-            <p:nvPr/>
-          </p:nvSpPr>
-          <p:spPr>
-            <a:xfrm>
-              <a:off x="553790" y="373487"/>
-              <a:ext cx="4340182" cy="461665"/>
-            </a:xfrm>
-            <a:prstGeom prst="rect">
-              <a:avLst/>
-            </a:prstGeom>
-            <a:noFill/>
-          </p:spPr>
-          <p:txBody>
-            <a:bodyPr wrap="square" rtlCol="0">
-              <a:spAutoFit/>
-            </a:bodyPr>
-            <a:lstStyle/>
-            <a:p>
-              <a:r>
-                <a:rPr lang="zh-CN" altLang="en-US" sz="2400" b="1" dirty="0">
-                  <a:solidFill>
-                    <a:schemeClr val="tx1">
-                      <a:lumMod val="75000"/>
-                      <a:lumOff val="25000"/>
-                    </a:schemeClr>
-                  </a:solidFill>
-                  <a:latin typeface="宋体" panose="02010600030101010101" pitchFamily="2" charset="-122"/>
-                  <a:ea typeface="宋体" panose="02010600030101010101" pitchFamily="2" charset="-122"/>
-                </a:rPr>
-                <a:t>研究</a:t>
-              </a:r>
-              <a:r>
-                <a:rPr lang="zh-CN" altLang="en-US" sz="2400" b="1" dirty="0" smtClean="0">
-                  <a:solidFill>
-                    <a:schemeClr val="tx1">
-                      <a:lumMod val="75000"/>
-                      <a:lumOff val="25000"/>
-                    </a:schemeClr>
-                  </a:solidFill>
-                  <a:latin typeface="宋体" panose="02010600030101010101" pitchFamily="2" charset="-122"/>
-                </a:rPr>
-                <a:t>内容</a:t>
-              </a:r>
-              <a:r>
-                <a:rPr lang="en-US" altLang="zh-CN" sz="2400" dirty="0" smtClean="0">
-                  <a:solidFill>
-                    <a:schemeClr val="tx1">
-                      <a:lumMod val="75000"/>
-                      <a:lumOff val="25000"/>
-                    </a:schemeClr>
-                  </a:solidFill>
-                  <a:latin typeface="宋体" panose="02010600030101010101" pitchFamily="2" charset="-122"/>
-                </a:rPr>
-                <a:t>——</a:t>
-              </a:r>
-              <a:r>
-                <a:rPr lang="zh-CN" altLang="en-US" sz="2000" dirty="0">
-                  <a:solidFill>
-                    <a:schemeClr val="tx1">
-                      <a:lumMod val="75000"/>
-                      <a:lumOff val="25000"/>
-                    </a:schemeClr>
-                  </a:solidFill>
-                  <a:latin typeface="华文楷体" panose="02010600040101010101" pitchFamily="2" charset="-122"/>
-                  <a:ea typeface="华文楷体" panose="02010600040101010101" pitchFamily="2" charset="-122"/>
-                </a:rPr>
-                <a:t>系统流水线上的组件</a:t>
-              </a:r>
-            </a:p>
-          </p:txBody>
-        </p:sp>
-        <p:sp>
-          <p:nvSpPr>
-            <p:cNvPr id="4" name="矩形 3"/>
-            <p:cNvSpPr/>
-            <p:nvPr/>
-          </p:nvSpPr>
-          <p:spPr>
-            <a:xfrm>
-              <a:off x="669701" y="951062"/>
-              <a:ext cx="502276" cy="92127"/>
-            </a:xfrm>
-            <a:prstGeom prst="rect">
-              <a:avLst/>
-            </a:prstGeom>
-            <a:solidFill>
-              <a:srgbClr val="5284A1"/>
-            </a:solidFill>
-            <a:ln>
-              <a:noFill/>
-            </a:ln>
-          </p:spPr>
-          <p:style>
-            <a:lnRef idx="2">
-              <a:schemeClr val="accent1">
-                <a:shade val="50000"/>
-              </a:schemeClr>
-            </a:lnRef>
-            <a:fillRef idx="1">
-              <a:schemeClr val="accent1"/>
-            </a:fillRef>
-            <a:effectRef idx="0">
-              <a:schemeClr val="accent1"/>
-            </a:effectRef>
-            <a:fontRef idx="minor">
-              <a:schemeClr val="lt1"/>
-            </a:fontRef>
-          </p:style>
-          <p:txBody>
-            <a:bodyPr rtlCol="0" anchor="ctr"/>
-            <a:lstStyle/>
-            <a:p>
-              <a:pPr algn="ctr"/>
-              <a:endParaRPr lang="zh-CN" altLang="en-US"/>
-            </a:p>
-          </p:txBody>
-        </p:sp>
-        <p:pic>
-          <p:nvPicPr>
-            <p:cNvPr id="5" name="图片 4"/>
-            <p:cNvPicPr>
-              <a:picLocks noChangeAspect="1"/>
-            </p:cNvPicPr>
-            <p:nvPr/>
-          </p:nvPicPr>
-          <p:blipFill>
-            <a:blip r:embed="rId2" cstate="print">
-              <a:extLst>
-                <a:ext uri="{28A0092B-C50C-407E-A947-70E740481C1C}">
-                  <a14:useLocalDpi xmlns:a14="http://schemas.microsoft.com/office/drawing/2010/main" val="0"/>
-                </a:ext>
-              </a:extLst>
-            </a:blip>
-            <a:stretch>
-              <a:fillRect/>
-            </a:stretch>
-          </p:blipFill>
-          <p:spPr>
-            <a:xfrm>
-              <a:off x="11441804" y="167425"/>
-              <a:ext cx="573110" cy="573110"/>
-            </a:xfrm>
-            <a:prstGeom prst="rect">
-              <a:avLst/>
-            </a:prstGeom>
-          </p:spPr>
-        </p:pic>
-      </p:grpSp>
-      <p:grpSp>
-        <p:nvGrpSpPr>
-          <p:cNvPr id="13" name="组合 12"/>
-          <p:cNvGrpSpPr/>
-          <p:nvPr/>
-        </p:nvGrpSpPr>
-        <p:grpSpPr>
-          <a:xfrm>
-            <a:off x="948625" y="1645102"/>
-            <a:ext cx="2339765" cy="369332"/>
-            <a:chOff x="1147941" y="1729718"/>
-            <a:chExt cx="2339765" cy="369332"/>
-          </a:xfrm>
-        </p:grpSpPr>
-        <p:sp>
-          <p:nvSpPr>
-            <p:cNvPr id="7" name="矩形 6"/>
-            <p:cNvSpPr/>
-            <p:nvPr/>
-          </p:nvSpPr>
-          <p:spPr>
-            <a:xfrm>
-              <a:off x="1147941" y="1771046"/>
-              <a:ext cx="227264" cy="227264"/>
-            </a:xfrm>
-            <a:prstGeom prst="rect">
-              <a:avLst/>
-            </a:prstGeom>
-            <a:solidFill>
-              <a:srgbClr val="5284A1"/>
-            </a:solidFill>
-            <a:ln>
-              <a:noFill/>
-            </a:ln>
-          </p:spPr>
-          <p:style>
-            <a:lnRef idx="2">
-              <a:schemeClr val="accent1">
-                <a:shade val="50000"/>
-              </a:schemeClr>
-            </a:lnRef>
-            <a:fillRef idx="1">
-              <a:schemeClr val="accent1"/>
-            </a:fillRef>
-            <a:effectRef idx="0">
-              <a:schemeClr val="accent1"/>
-            </a:effectRef>
-            <a:fontRef idx="minor">
-              <a:schemeClr val="lt1"/>
-            </a:fontRef>
-          </p:style>
-          <p:txBody>
-            <a:bodyPr rtlCol="0" anchor="ctr"/>
-            <a:lstStyle/>
-            <a:p>
-              <a:pPr algn="ctr"/>
-              <a:r>
-                <a:rPr lang="en-US" altLang="zh-CN" sz="1400" b="1" dirty="0" smtClean="0">
-                  <a:latin typeface="微软雅黑" panose="020B0503020204020204" pitchFamily="34" charset="-122"/>
-                  <a:ea typeface="微软雅黑" panose="020B0503020204020204" pitchFamily="34" charset="-122"/>
-                </a:rPr>
-                <a:t>1</a:t>
-              </a:r>
-              <a:endParaRPr lang="zh-CN" altLang="en-US" sz="1400" b="1" dirty="0">
-                <a:latin typeface="微软雅黑" panose="020B0503020204020204" pitchFamily="34" charset="-122"/>
-                <a:ea typeface="微软雅黑" panose="020B0503020204020204" pitchFamily="34" charset="-122"/>
-              </a:endParaRPr>
-            </a:p>
-          </p:txBody>
-        </p:sp>
-        <p:sp>
-          <p:nvSpPr>
-            <p:cNvPr id="8" name="矩形 7"/>
-            <p:cNvSpPr/>
-            <p:nvPr/>
-          </p:nvSpPr>
-          <p:spPr>
-            <a:xfrm>
-              <a:off x="1375205" y="1729718"/>
-              <a:ext cx="2112501" cy="369332"/>
-            </a:xfrm>
-            <a:prstGeom prst="rect">
-              <a:avLst/>
-            </a:prstGeom>
-          </p:spPr>
-          <p:txBody>
-            <a:bodyPr wrap="none">
-              <a:spAutoFit/>
-            </a:bodyPr>
-            <a:lstStyle/>
-            <a:p>
-              <a:r>
-                <a:rPr lang="zh-CN" altLang="zh-CN" b="1" spc="300" dirty="0">
-                  <a:solidFill>
-                    <a:srgbClr val="5284A1"/>
-                  </a:solidFill>
-                  <a:latin typeface="微软雅黑" panose="020B0503020204020204" pitchFamily="34" charset="-122"/>
-                  <a:ea typeface="微软雅黑" panose="020B0503020204020204" pitchFamily="34" charset="-122"/>
-                </a:rPr>
-                <a:t>文件写入</a:t>
-              </a:r>
-              <a:r>
-                <a:rPr lang="en-US" altLang="zh-CN" b="1" spc="300" dirty="0">
-                  <a:solidFill>
-                    <a:srgbClr val="5284A1"/>
-                  </a:solidFill>
-                  <a:latin typeface="微软雅黑" panose="020B0503020204020204" pitchFamily="34" charset="-122"/>
-                  <a:ea typeface="微软雅黑" panose="020B0503020204020204" pitchFamily="34" charset="-122"/>
-                </a:rPr>
-                <a:t>Kafka</a:t>
-              </a:r>
-              <a:endParaRPr lang="zh-CN" altLang="zh-CN" b="1" spc="300" dirty="0">
-                <a:solidFill>
-                  <a:srgbClr val="5284A1"/>
-                </a:solidFill>
-                <a:latin typeface="微软雅黑" panose="020B0503020204020204" pitchFamily="34" charset="-122"/>
-                <a:ea typeface="微软雅黑" panose="020B0503020204020204" pitchFamily="34" charset="-122"/>
-              </a:endParaRPr>
-            </a:p>
-          </p:txBody>
-        </p:sp>
-      </p:grpSp>
-      <p:sp>
-        <p:nvSpPr>
-          <p:cNvPr id="12" name="矩形 11"/>
-          <p:cNvSpPr/>
-          <p:nvPr/>
-        </p:nvSpPr>
-        <p:spPr>
-          <a:xfrm>
-            <a:off x="850210" y="2088229"/>
-            <a:ext cx="3093785" cy="2585323"/>
-          </a:xfrm>
-          <a:prstGeom prst="rect">
-            <a:avLst/>
-          </a:prstGeom>
-        </p:spPr>
-        <p:txBody>
-          <a:bodyPr wrap="square">
-            <a:spAutoFit/>
-          </a:bodyPr>
-          <a:lstStyle/>
-          <a:p>
-            <a:pPr algn="just">
-              <a:lnSpc>
-                <a:spcPct val="150000"/>
-              </a:lnSpc>
-            </a:pPr>
-            <a:r>
-              <a:rPr lang="zh-CN" altLang="en-US" spc="300" dirty="0">
-                <a:latin typeface="华文楷体" panose="02010600040101010101" pitchFamily="2" charset="-122"/>
-                <a:ea typeface="华文楷体" panose="02010600040101010101" pitchFamily="2" charset="-122"/>
-              </a:rPr>
-              <a:t>将股票交易流水文件写入</a:t>
-            </a:r>
-            <a:r>
-              <a:rPr lang="en-US" altLang="zh-CN" spc="300" dirty="0">
-                <a:latin typeface="华文楷体" panose="02010600040101010101" pitchFamily="2" charset="-122"/>
-                <a:ea typeface="华文楷体" panose="02010600040101010101" pitchFamily="2" charset="-122"/>
-              </a:rPr>
-              <a:t>Kafka</a:t>
-            </a:r>
-            <a:r>
-              <a:rPr lang="zh-CN" altLang="en-US" spc="300" dirty="0">
-                <a:latin typeface="华文楷体" panose="02010600040101010101" pitchFamily="2" charset="-122"/>
-                <a:ea typeface="华文楷体" panose="02010600040101010101" pitchFamily="2" charset="-122"/>
-              </a:rPr>
-              <a:t>，为满足系统稳定的需要，既要保证高速、也要稳定，该组件必须具有续传功能、流量控制功能。</a:t>
-            </a:r>
-          </a:p>
-        </p:txBody>
-      </p:sp>
-      <p:grpSp>
-        <p:nvGrpSpPr>
-          <p:cNvPr id="14" name="组合 13"/>
-          <p:cNvGrpSpPr/>
-          <p:nvPr/>
-        </p:nvGrpSpPr>
-        <p:grpSpPr>
-          <a:xfrm>
-            <a:off x="4762641" y="1645102"/>
-            <a:ext cx="2090056" cy="369332"/>
-            <a:chOff x="1036299" y="1752564"/>
-            <a:chExt cx="2090056" cy="369332"/>
-          </a:xfrm>
-        </p:grpSpPr>
-        <p:sp>
-          <p:nvSpPr>
-            <p:cNvPr id="15" name="矩形 14"/>
-            <p:cNvSpPr/>
-            <p:nvPr/>
-          </p:nvSpPr>
-          <p:spPr>
-            <a:xfrm>
-              <a:off x="1036299" y="1828373"/>
-              <a:ext cx="227264" cy="227264"/>
-            </a:xfrm>
-            <a:prstGeom prst="rect">
-              <a:avLst/>
-            </a:prstGeom>
-            <a:solidFill>
-              <a:srgbClr val="5284A1"/>
-            </a:solidFill>
-            <a:ln>
-              <a:noFill/>
-            </a:ln>
-          </p:spPr>
-          <p:style>
-            <a:lnRef idx="2">
-              <a:schemeClr val="accent1">
-                <a:shade val="50000"/>
-              </a:schemeClr>
-            </a:lnRef>
-            <a:fillRef idx="1">
-              <a:schemeClr val="accent1"/>
-            </a:fillRef>
-            <a:effectRef idx="0">
-              <a:schemeClr val="accent1"/>
-            </a:effectRef>
-            <a:fontRef idx="minor">
-              <a:schemeClr val="lt1"/>
-            </a:fontRef>
-          </p:style>
-          <p:txBody>
-            <a:bodyPr rtlCol="0" anchor="ctr"/>
-            <a:lstStyle/>
-            <a:p>
-              <a:pPr algn="ctr"/>
-              <a:r>
-                <a:rPr lang="en-US" altLang="zh-CN" sz="1400" b="1" dirty="0">
-                  <a:latin typeface="微软雅黑" panose="020B0503020204020204" pitchFamily="34" charset="-122"/>
-                  <a:ea typeface="微软雅黑" panose="020B0503020204020204" pitchFamily="34" charset="-122"/>
-                </a:rPr>
-                <a:t>2</a:t>
-              </a:r>
-              <a:endParaRPr lang="zh-CN" altLang="en-US" sz="1400" b="1" dirty="0">
-                <a:latin typeface="微软雅黑" panose="020B0503020204020204" pitchFamily="34" charset="-122"/>
-                <a:ea typeface="微软雅黑" panose="020B0503020204020204" pitchFamily="34" charset="-122"/>
-              </a:endParaRPr>
-            </a:p>
-          </p:txBody>
-        </p:sp>
-        <p:sp>
-          <p:nvSpPr>
-            <p:cNvPr id="16" name="矩形 15"/>
-            <p:cNvSpPr/>
-            <p:nvPr/>
-          </p:nvSpPr>
-          <p:spPr>
-            <a:xfrm>
-              <a:off x="1325862" y="1752564"/>
-              <a:ext cx="1800493" cy="369332"/>
-            </a:xfrm>
-            <a:prstGeom prst="rect">
-              <a:avLst/>
-            </a:prstGeom>
-          </p:spPr>
-          <p:txBody>
-            <a:bodyPr wrap="none">
-              <a:spAutoFit/>
-            </a:bodyPr>
-            <a:lstStyle/>
-            <a:p>
-              <a:r>
-                <a:rPr lang="zh-CN" altLang="en-US" b="1" spc="300" dirty="0">
-                  <a:solidFill>
-                    <a:srgbClr val="5284A1"/>
-                  </a:solidFill>
-                  <a:latin typeface="微软雅黑" panose="020B0503020204020204" pitchFamily="34" charset="-122"/>
-                  <a:ea typeface="微软雅黑" panose="020B0503020204020204" pitchFamily="34" charset="-122"/>
-                </a:rPr>
-                <a:t>静态字段附加</a:t>
-              </a:r>
-            </a:p>
-          </p:txBody>
-        </p:sp>
-      </p:grpSp>
-      <p:grpSp>
-        <p:nvGrpSpPr>
-          <p:cNvPr id="18" name="组合 17"/>
-          <p:cNvGrpSpPr/>
-          <p:nvPr/>
-        </p:nvGrpSpPr>
-        <p:grpSpPr>
-          <a:xfrm>
-            <a:off x="8548103" y="1645102"/>
-            <a:ext cx="2566366" cy="369332"/>
-            <a:chOff x="1118395" y="1718897"/>
-            <a:chExt cx="2566366" cy="369332"/>
-          </a:xfrm>
-        </p:grpSpPr>
-        <p:sp>
-          <p:nvSpPr>
-            <p:cNvPr id="19" name="矩形 18"/>
-            <p:cNvSpPr/>
-            <p:nvPr/>
-          </p:nvSpPr>
-          <p:spPr>
-            <a:xfrm>
-              <a:off x="1118395" y="1782395"/>
-              <a:ext cx="227264" cy="227264"/>
-            </a:xfrm>
-            <a:prstGeom prst="rect">
-              <a:avLst/>
-            </a:prstGeom>
-            <a:solidFill>
-              <a:srgbClr val="5284A1"/>
-            </a:solidFill>
-            <a:ln>
-              <a:noFill/>
-            </a:ln>
-          </p:spPr>
-          <p:style>
-            <a:lnRef idx="2">
-              <a:schemeClr val="accent1">
-                <a:shade val="50000"/>
-              </a:schemeClr>
-            </a:lnRef>
-            <a:fillRef idx="1">
-              <a:schemeClr val="accent1"/>
-            </a:fillRef>
-            <a:effectRef idx="0">
-              <a:schemeClr val="accent1"/>
-            </a:effectRef>
-            <a:fontRef idx="minor">
-              <a:schemeClr val="lt1"/>
-            </a:fontRef>
-          </p:style>
-          <p:txBody>
-            <a:bodyPr rtlCol="0" anchor="ctr"/>
-            <a:lstStyle/>
-            <a:p>
-              <a:pPr algn="ctr"/>
-              <a:r>
-                <a:rPr lang="en-US" altLang="zh-CN" sz="1400" b="1" dirty="0">
-                  <a:latin typeface="微软雅黑" panose="020B0503020204020204" pitchFamily="34" charset="-122"/>
-                  <a:ea typeface="微软雅黑" panose="020B0503020204020204" pitchFamily="34" charset="-122"/>
-                </a:rPr>
-                <a:t>3</a:t>
-              </a:r>
-              <a:endParaRPr lang="zh-CN" altLang="en-US" sz="1400" b="1" dirty="0">
-                <a:latin typeface="微软雅黑" panose="020B0503020204020204" pitchFamily="34" charset="-122"/>
-                <a:ea typeface="微软雅黑" panose="020B0503020204020204" pitchFamily="34" charset="-122"/>
-              </a:endParaRPr>
-            </a:p>
-          </p:txBody>
-        </p:sp>
-        <p:sp>
-          <p:nvSpPr>
-            <p:cNvPr id="20" name="矩形 19"/>
-            <p:cNvSpPr/>
-            <p:nvPr/>
-          </p:nvSpPr>
-          <p:spPr>
-            <a:xfrm>
-              <a:off x="1345659" y="1718897"/>
-              <a:ext cx="2339102" cy="369332"/>
-            </a:xfrm>
-            <a:prstGeom prst="rect">
-              <a:avLst/>
-            </a:prstGeom>
-          </p:spPr>
-          <p:txBody>
-            <a:bodyPr wrap="none">
-              <a:spAutoFit/>
-            </a:bodyPr>
-            <a:lstStyle/>
-            <a:p>
-              <a:r>
-                <a:rPr lang="zh-CN" altLang="en-US" b="1" spc="300" dirty="0">
-                  <a:solidFill>
-                    <a:srgbClr val="5284A1"/>
-                  </a:solidFill>
-                  <a:latin typeface="微软雅黑" panose="020B0503020204020204" pitchFamily="34" charset="-122"/>
-                  <a:ea typeface="微软雅黑" panose="020B0503020204020204" pitchFamily="34" charset="-122"/>
-                </a:rPr>
-                <a:t>实时预测数据入库</a:t>
-              </a:r>
-              <a:endParaRPr lang="zh-CN" altLang="zh-CN" b="1" spc="300" dirty="0">
-                <a:solidFill>
-                  <a:srgbClr val="5284A1"/>
-                </a:solidFill>
-                <a:latin typeface="微软雅黑" panose="020B0503020204020204" pitchFamily="34" charset="-122"/>
-                <a:ea typeface="微软雅黑" panose="020B0503020204020204" pitchFamily="34" charset="-122"/>
-              </a:endParaRPr>
-            </a:p>
-          </p:txBody>
-        </p:sp>
-      </p:grpSp>
-      <p:sp>
-        <p:nvSpPr>
-          <p:cNvPr id="22" name="矩形 21"/>
-          <p:cNvSpPr/>
-          <p:nvPr/>
-        </p:nvSpPr>
-        <p:spPr>
-          <a:xfrm>
-            <a:off x="4639547" y="2088229"/>
-            <a:ext cx="3242614" cy="4247317"/>
-          </a:xfrm>
-          <a:prstGeom prst="rect">
-            <a:avLst/>
-          </a:prstGeom>
-        </p:spPr>
-        <p:txBody>
-          <a:bodyPr wrap="square">
-            <a:spAutoFit/>
-          </a:bodyPr>
-          <a:lstStyle/>
-          <a:p>
-            <a:pPr>
-              <a:lnSpc>
-                <a:spcPct val="150000"/>
-              </a:lnSpc>
-            </a:pPr>
-            <a:r>
-              <a:rPr lang="zh-CN" altLang="zh-CN" spc="300" dirty="0">
-                <a:latin typeface="华文楷体" panose="02010600040101010101" pitchFamily="2" charset="-122"/>
-                <a:ea typeface="华文楷体" panose="02010600040101010101" pitchFamily="2" charset="-122"/>
-              </a:rPr>
-              <a:t>通过多表连接将交易流水数据进行维度扩展，方便未来的特征向量的选取，研究过程中使用了一种高效的基于内存的键值对存储结构</a:t>
-            </a:r>
-            <a:r>
-              <a:rPr lang="en-US" altLang="zh-CN" spc="300" dirty="0" err="1">
-                <a:latin typeface="华文楷体" panose="02010600040101010101" pitchFamily="2" charset="-122"/>
-                <a:ea typeface="华文楷体" panose="02010600040101010101" pitchFamily="2" charset="-122"/>
-              </a:rPr>
-              <a:t>ChronicalMap</a:t>
-            </a:r>
-            <a:r>
-              <a:rPr lang="zh-CN" altLang="zh-CN" spc="300" dirty="0">
-                <a:latin typeface="华文楷体" panose="02010600040101010101" pitchFamily="2" charset="-122"/>
-                <a:ea typeface="华文楷体" panose="02010600040101010101" pitchFamily="2" charset="-122"/>
-              </a:rPr>
-              <a:t>，它可高效的在内存中存储大规模的</a:t>
-            </a:r>
-            <a:r>
-              <a:rPr lang="en-US" altLang="zh-CN" spc="300" dirty="0">
-                <a:latin typeface="华文楷体" panose="02010600040101010101" pitchFamily="2" charset="-122"/>
-                <a:ea typeface="华文楷体" panose="02010600040101010101" pitchFamily="2" charset="-122"/>
-              </a:rPr>
-              <a:t>Key-Value</a:t>
-            </a:r>
-            <a:r>
-              <a:rPr lang="zh-CN" altLang="zh-CN" spc="300" dirty="0">
-                <a:latin typeface="华文楷体" panose="02010600040101010101" pitchFamily="2" charset="-122"/>
-                <a:ea typeface="华文楷体" panose="02010600040101010101" pitchFamily="2" charset="-122"/>
-              </a:rPr>
-              <a:t>类型的数据的同时避免</a:t>
-            </a:r>
-            <a:r>
-              <a:rPr lang="en-US" altLang="zh-CN" spc="300" dirty="0">
-                <a:latin typeface="华文楷体" panose="02010600040101010101" pitchFamily="2" charset="-122"/>
-                <a:ea typeface="华文楷体" panose="02010600040101010101" pitchFamily="2" charset="-122"/>
-              </a:rPr>
-              <a:t>JVM GC</a:t>
-            </a:r>
-            <a:r>
-              <a:rPr lang="zh-CN" altLang="zh-CN" spc="300" dirty="0">
-                <a:latin typeface="华文楷体" panose="02010600040101010101" pitchFamily="2" charset="-122"/>
-                <a:ea typeface="华文楷体" panose="02010600040101010101" pitchFamily="2" charset="-122"/>
-              </a:rPr>
-              <a:t>带来的时延问题。</a:t>
-            </a:r>
-          </a:p>
-        </p:txBody>
-      </p:sp>
-      <p:sp>
-        <p:nvSpPr>
-          <p:cNvPr id="23" name="矩形 22"/>
-          <p:cNvSpPr/>
-          <p:nvPr/>
-        </p:nvSpPr>
-        <p:spPr>
-          <a:xfrm>
-            <a:off x="8548103" y="2045456"/>
-            <a:ext cx="3228919" cy="3831818"/>
-          </a:xfrm>
-          <a:prstGeom prst="rect">
-            <a:avLst/>
-          </a:prstGeom>
-        </p:spPr>
-        <p:txBody>
-          <a:bodyPr wrap="square">
-            <a:spAutoFit/>
-          </a:bodyPr>
-          <a:lstStyle/>
-          <a:p>
-            <a:pPr algn="just">
-              <a:lnSpc>
-                <a:spcPct val="150000"/>
-              </a:lnSpc>
-            </a:pPr>
-            <a:r>
-              <a:rPr lang="zh-CN" altLang="en-US" spc="300" dirty="0">
-                <a:latin typeface="华文楷体" panose="02010600040101010101" pitchFamily="2" charset="-122"/>
-                <a:ea typeface="华文楷体" panose="02010600040101010101" pitchFamily="2" charset="-122"/>
-              </a:rPr>
-              <a:t>为了解决传统的数据库查询低效以及无法展开大规模并行分布式存储，本文引入了</a:t>
-            </a:r>
-            <a:r>
-              <a:rPr lang="en-US" altLang="zh-CN" spc="300" dirty="0">
-                <a:latin typeface="华文楷体" panose="02010600040101010101" pitchFamily="2" charset="-122"/>
-                <a:ea typeface="华文楷体" panose="02010600040101010101" pitchFamily="2" charset="-122"/>
-              </a:rPr>
-              <a:t>MPP</a:t>
-            </a:r>
-            <a:r>
-              <a:rPr lang="zh-CN" altLang="en-US" spc="300" dirty="0">
-                <a:latin typeface="华文楷体" panose="02010600040101010101" pitchFamily="2" charset="-122"/>
-                <a:ea typeface="华文楷体" panose="02010600040101010101" pitchFamily="2" charset="-122"/>
-              </a:rPr>
-              <a:t>数据库</a:t>
-            </a:r>
-            <a:r>
-              <a:rPr lang="en-US" altLang="zh-CN" spc="300" dirty="0" err="1">
-                <a:latin typeface="华文楷体" panose="02010600040101010101" pitchFamily="2" charset="-122"/>
-                <a:ea typeface="华文楷体" panose="02010600040101010101" pitchFamily="2" charset="-122"/>
-              </a:rPr>
-              <a:t>GreenPlum</a:t>
-            </a:r>
-            <a:r>
-              <a:rPr lang="zh-CN" altLang="en-US" spc="300" dirty="0">
-                <a:latin typeface="华文楷体" panose="02010600040101010101" pitchFamily="2" charset="-122"/>
-                <a:ea typeface="华文楷体" panose="02010600040101010101" pitchFamily="2" charset="-122"/>
-              </a:rPr>
-              <a:t>，实时预测的结果写入</a:t>
-            </a:r>
-            <a:r>
-              <a:rPr lang="en-US" altLang="zh-CN" spc="300" dirty="0">
-                <a:latin typeface="华文楷体" panose="02010600040101010101" pitchFamily="2" charset="-122"/>
-                <a:ea typeface="华文楷体" panose="02010600040101010101" pitchFamily="2" charset="-122"/>
-              </a:rPr>
-              <a:t>Kafka</a:t>
-            </a:r>
-            <a:r>
-              <a:rPr lang="zh-CN" altLang="en-US" spc="300" dirty="0">
-                <a:latin typeface="华文楷体" panose="02010600040101010101" pitchFamily="2" charset="-122"/>
-                <a:ea typeface="华文楷体" panose="02010600040101010101" pitchFamily="2" charset="-122"/>
-              </a:rPr>
-              <a:t>，然后由实时入库组件将</a:t>
-            </a:r>
-            <a:r>
-              <a:rPr lang="en-US" altLang="zh-CN" spc="300" dirty="0">
-                <a:latin typeface="华文楷体" panose="02010600040101010101" pitchFamily="2" charset="-122"/>
-                <a:ea typeface="华文楷体" panose="02010600040101010101" pitchFamily="2" charset="-122"/>
-              </a:rPr>
-              <a:t>Kafka</a:t>
-            </a:r>
-            <a:r>
-              <a:rPr lang="zh-CN" altLang="en-US" spc="300" dirty="0">
-                <a:latin typeface="华文楷体" panose="02010600040101010101" pitchFamily="2" charset="-122"/>
-                <a:ea typeface="华文楷体" panose="02010600040101010101" pitchFamily="2" charset="-122"/>
-              </a:rPr>
-              <a:t>数据读入，写入</a:t>
-            </a:r>
-            <a:r>
-              <a:rPr lang="en-US" altLang="zh-CN" spc="300" dirty="0" err="1">
-                <a:latin typeface="华文楷体" panose="02010600040101010101" pitchFamily="2" charset="-122"/>
-                <a:ea typeface="华文楷体" panose="02010600040101010101" pitchFamily="2" charset="-122"/>
-              </a:rPr>
-              <a:t>GreenPlum</a:t>
-            </a:r>
-            <a:r>
-              <a:rPr lang="zh-CN" altLang="en-US" spc="300" dirty="0">
-                <a:latin typeface="华文楷体" panose="02010600040101010101" pitchFamily="2" charset="-122"/>
-                <a:ea typeface="华文楷体" panose="02010600040101010101" pitchFamily="2" charset="-122"/>
-              </a:rPr>
-              <a:t>数据库中。</a:t>
-            </a:r>
-          </a:p>
-        </p:txBody>
-      </p:sp>
-      <p:sp>
-        <p:nvSpPr>
-          <p:cNvPr id="21" name="矩形 20"/>
-          <p:cNvSpPr/>
-          <p:nvPr/>
-        </p:nvSpPr>
-        <p:spPr>
-          <a:xfrm>
-            <a:off x="0" y="295188"/>
-            <a:ext cx="553790" cy="579326"/>
-          </a:xfrm>
-          <a:prstGeom prst="rect">
-            <a:avLst/>
-          </a:prstGeom>
-          <a:solidFill>
-            <a:srgbClr val="5284A1"/>
-          </a:solidFill>
-        </p:spPr>
-        <p:txBody>
-          <a:bodyPr wrap="square" rtlCol="0" anchor="ctr">
-            <a:spAutoFit/>
-          </a:bodyPr>
-          <a:lstStyle/>
-          <a:p>
-            <a:pPr algn="ctr">
-              <a:lnSpc>
-                <a:spcPct val="150000"/>
-              </a:lnSpc>
-            </a:pPr>
-            <a:r>
-              <a:rPr lang="zh-CN" altLang="en-US" sz="2400" b="1" dirty="0" smtClean="0">
-                <a:solidFill>
-                  <a:schemeClr val="bg1"/>
-                </a:solidFill>
-                <a:latin typeface="文悦新青年体 (非商业使用) W8" pitchFamily="50" charset="-122"/>
-                <a:ea typeface="文悦新青年体 (非商业使用) W8" pitchFamily="50" charset="-122"/>
-              </a:rPr>
-              <a:t>三</a:t>
-            </a:r>
-            <a:endParaRPr lang="zh-CN" altLang="en-US" sz="2400" b="1" dirty="0">
-              <a:solidFill>
-                <a:schemeClr val="bg1"/>
-              </a:solidFill>
-              <a:latin typeface="文悦新青年体 (非商业使用) W8" pitchFamily="50" charset="-122"/>
-              <a:ea typeface="文悦新青年体 (非商业使用) W8" pitchFamily="50" charset="-122"/>
-            </a:endParaRPr>
-          </a:p>
-        </p:txBody>
-      </p:sp>
-      <p:sp>
-        <p:nvSpPr>
-          <p:cNvPr id="27" name="文本框 26"/>
+          <p:cNvPr id="21" name="文本框 20"/>
           <p:cNvSpPr txBox="1"/>
           <p:nvPr/>
         </p:nvSpPr>
@@ -21318,7 +24055,7 @@
     </p:spTree>
     <p:extLst>
       <p:ext uri="{BB962C8B-B14F-4D97-AF65-F5344CB8AC3E}">
-        <p14:creationId xmlns:p14="http://schemas.microsoft.com/office/powerpoint/2010/main" val="1023833697"/>
+        <p14:creationId xmlns:p14="http://schemas.microsoft.com/office/powerpoint/2010/main" val="4227822690"/>
       </p:ext>
     </p:extLst>
   </p:cSld>
@@ -21651,6 +24388,267 @@
 </a:theme>
 </file>
 
+<file path=ppt/theme/theme2.xml><?xml version="1.0" encoding="utf-8"?>
+<a:theme xmlns:a="http://schemas.openxmlformats.org/drawingml/2006/main" name="Office 主题">
+  <a:themeElements>
+    <a:clrScheme name="Office">
+      <a:dk1>
+        <a:sysClr val="windowText" lastClr="000000"/>
+      </a:dk1>
+      <a:lt1>
+        <a:sysClr val="window" lastClr="FFFFFF"/>
+      </a:lt1>
+      <a:dk2>
+        <a:srgbClr val="44546A"/>
+      </a:dk2>
+      <a:lt2>
+        <a:srgbClr val="E7E6E6"/>
+      </a:lt2>
+      <a:accent1>
+        <a:srgbClr val="4472C4"/>
+      </a:accent1>
+      <a:accent2>
+        <a:srgbClr val="ED7D31"/>
+      </a:accent2>
+      <a:accent3>
+        <a:srgbClr val="A5A5A5"/>
+      </a:accent3>
+      <a:accent4>
+        <a:srgbClr val="FFC000"/>
+      </a:accent4>
+      <a:accent5>
+        <a:srgbClr val="5B9BD5"/>
+      </a:accent5>
+      <a:accent6>
+        <a:srgbClr val="70AD47"/>
+      </a:accent6>
+      <a:hlink>
+        <a:srgbClr val="0563C1"/>
+      </a:hlink>
+      <a:folHlink>
+        <a:srgbClr val="954F72"/>
+      </a:folHlink>
+    </a:clrScheme>
+    <a:fontScheme name="Office">
+      <a:majorFont>
+        <a:latin typeface="DengXian Light" panose="020F0302020204030204"/>
+        <a:ea typeface=""/>
+        <a:cs typeface=""/>
+        <a:font script="Jpan" typeface="Yu Gothic Light"/>
+        <a:font script="Hang" typeface="맑은 고딕"/>
+        <a:font script="Hans" typeface="DengXian Light"/>
+        <a:font script="Hant" typeface="新細明體"/>
+        <a:font script="Arab" typeface="Times New Roman"/>
+        <a:font script="Hebr" typeface="Times New Roman"/>
+        <a:font script="Thai" typeface="Angsana New"/>
+        <a:font script="Ethi" typeface="Nyala"/>
+        <a:font script="Beng" typeface="Vrinda"/>
+        <a:font script="Gujr" typeface="Shruti"/>
+        <a:font script="Khmr" typeface="MoolBoran"/>
+        <a:font script="Knda" typeface="Tunga"/>
+        <a:font script="Guru" typeface="Raavi"/>
+        <a:font script="Cans" typeface="Euphemia"/>
+        <a:font script="Cher" typeface="Plantagenet Cherokee"/>
+        <a:font script="Yiii" typeface="Microsoft Yi Baiti"/>
+        <a:font script="Tibt" typeface="Microsoft Himalaya"/>
+        <a:font script="Thaa" typeface="MV Boli"/>
+        <a:font script="Deva" typeface="Mangal"/>
+        <a:font script="Telu" typeface="Gautami"/>
+        <a:font script="Taml" typeface="Latha"/>
+        <a:font script="Syrc" typeface="Estrangelo Edessa"/>
+        <a:font script="Orya" typeface="Kalinga"/>
+        <a:font script="Mlym" typeface="Kartika"/>
+        <a:font script="Laoo" typeface="DokChampa"/>
+        <a:font script="Sinh" typeface="Iskoola Pota"/>
+        <a:font script="Mong" typeface="Mongolian Baiti"/>
+        <a:font script="Viet" typeface="Times New Roman"/>
+        <a:font script="Uigh" typeface="Microsoft Uighur"/>
+        <a:font script="Geor" typeface="Sylfaen"/>
+      </a:majorFont>
+      <a:minorFont>
+        <a:latin typeface="DengXian" panose="020F0502020204030204"/>
+        <a:ea typeface=""/>
+        <a:cs typeface=""/>
+        <a:font script="Jpan" typeface="Yu Gothic"/>
+        <a:font script="Hang" typeface="맑은 고딕"/>
+        <a:font script="Hans" typeface="DengXian"/>
+        <a:font script="Hant" typeface="新細明體"/>
+        <a:font script="Arab" typeface="Arial"/>
+        <a:font script="Hebr" typeface="Arial"/>
+        <a:font script="Thai" typeface="Cordia New"/>
+        <a:font script="Ethi" typeface="Nyala"/>
+        <a:font script="Beng" typeface="Vrinda"/>
+        <a:font script="Gujr" typeface="Shruti"/>
+        <a:font script="Khmr" typeface="DaunPenh"/>
+        <a:font script="Knda" typeface="Tunga"/>
+        <a:font script="Guru" typeface="Raavi"/>
+        <a:font script="Cans" typeface="Euphemia"/>
+        <a:font script="Cher" typeface="Plantagenet Cherokee"/>
+        <a:font script="Yiii" typeface="Microsoft Yi Baiti"/>
+        <a:font script="Tibt" typeface="Microsoft Himalaya"/>
+        <a:font script="Thaa" typeface="MV Boli"/>
+        <a:font script="Deva" typeface="Mangal"/>
+        <a:font script="Telu" typeface="Gautami"/>
+        <a:font script="Taml" typeface="Latha"/>
+        <a:font script="Syrc" typeface="Estrangelo Edessa"/>
+        <a:font script="Orya" typeface="Kalinga"/>
+        <a:font script="Mlym" typeface="Kartika"/>
+        <a:font script="Laoo" typeface="DokChampa"/>
+        <a:font script="Sinh" typeface="Iskoola Pota"/>
+        <a:font script="Mong" typeface="Mongolian Baiti"/>
+        <a:font script="Viet" typeface="Arial"/>
+        <a:font script="Uigh" typeface="Microsoft Uighur"/>
+        <a:font script="Geor" typeface="Sylfaen"/>
+      </a:minorFont>
+    </a:fontScheme>
+    <a:fmtScheme name="Office">
+      <a:fillStyleLst>
+        <a:solidFill>
+          <a:schemeClr val="phClr"/>
+        </a:solidFill>
+        <a:gradFill rotWithShape="1">
+          <a:gsLst>
+            <a:gs pos="0">
+              <a:schemeClr val="phClr">
+                <a:lumMod val="110000"/>
+                <a:satMod val="105000"/>
+                <a:tint val="67000"/>
+              </a:schemeClr>
+            </a:gs>
+            <a:gs pos="50000">
+              <a:schemeClr val="phClr">
+                <a:lumMod val="105000"/>
+                <a:satMod val="103000"/>
+                <a:tint val="73000"/>
+              </a:schemeClr>
+            </a:gs>
+            <a:gs pos="100000">
+              <a:schemeClr val="phClr">
+                <a:lumMod val="105000"/>
+                <a:satMod val="109000"/>
+                <a:tint val="81000"/>
+              </a:schemeClr>
+            </a:gs>
+          </a:gsLst>
+          <a:lin ang="5400000" scaled="0"/>
+        </a:gradFill>
+        <a:gradFill rotWithShape="1">
+          <a:gsLst>
+            <a:gs pos="0">
+              <a:schemeClr val="phClr">
+                <a:satMod val="103000"/>
+                <a:lumMod val="102000"/>
+                <a:tint val="94000"/>
+              </a:schemeClr>
+            </a:gs>
+            <a:gs pos="50000">
+              <a:schemeClr val="phClr">
+                <a:satMod val="110000"/>
+                <a:lumMod val="100000"/>
+                <a:shade val="100000"/>
+              </a:schemeClr>
+            </a:gs>
+            <a:gs pos="100000">
+              <a:schemeClr val="phClr">
+                <a:lumMod val="99000"/>
+                <a:satMod val="120000"/>
+                <a:shade val="78000"/>
+              </a:schemeClr>
+            </a:gs>
+          </a:gsLst>
+          <a:lin ang="5400000" scaled="0"/>
+        </a:gradFill>
+      </a:fillStyleLst>
+      <a:lnStyleLst>
+        <a:ln w="6350" cap="flat" cmpd="sng" algn="ctr">
+          <a:solidFill>
+            <a:schemeClr val="phClr"/>
+          </a:solidFill>
+          <a:prstDash val="solid"/>
+          <a:miter lim="800000"/>
+        </a:ln>
+        <a:ln w="12700" cap="flat" cmpd="sng" algn="ctr">
+          <a:solidFill>
+            <a:schemeClr val="phClr"/>
+          </a:solidFill>
+          <a:prstDash val="solid"/>
+          <a:miter lim="800000"/>
+        </a:ln>
+        <a:ln w="19050" cap="flat" cmpd="sng" algn="ctr">
+          <a:solidFill>
+            <a:schemeClr val="phClr"/>
+          </a:solidFill>
+          <a:prstDash val="solid"/>
+          <a:miter lim="800000"/>
+        </a:ln>
+      </a:lnStyleLst>
+      <a:effectStyleLst>
+        <a:effectStyle>
+          <a:effectLst/>
+        </a:effectStyle>
+        <a:effectStyle>
+          <a:effectLst/>
+        </a:effectStyle>
+        <a:effectStyle>
+          <a:effectLst>
+            <a:outerShdw blurRad="57150" dist="19050" dir="5400000" algn="ctr" rotWithShape="0">
+              <a:srgbClr val="000000">
+                <a:alpha val="63000"/>
+              </a:srgbClr>
+            </a:outerShdw>
+          </a:effectLst>
+        </a:effectStyle>
+      </a:effectStyleLst>
+      <a:bgFillStyleLst>
+        <a:solidFill>
+          <a:schemeClr val="phClr"/>
+        </a:solidFill>
+        <a:solidFill>
+          <a:schemeClr val="phClr">
+            <a:tint val="95000"/>
+            <a:satMod val="170000"/>
+          </a:schemeClr>
+        </a:solidFill>
+        <a:gradFill rotWithShape="1">
+          <a:gsLst>
+            <a:gs pos="0">
+              <a:schemeClr val="phClr">
+                <a:tint val="93000"/>
+                <a:satMod val="150000"/>
+                <a:shade val="98000"/>
+                <a:lumMod val="102000"/>
+              </a:schemeClr>
+            </a:gs>
+            <a:gs pos="50000">
+              <a:schemeClr val="phClr">
+                <a:tint val="98000"/>
+                <a:satMod val="130000"/>
+                <a:shade val="90000"/>
+                <a:lumMod val="103000"/>
+              </a:schemeClr>
+            </a:gs>
+            <a:gs pos="100000">
+              <a:schemeClr val="phClr">
+                <a:shade val="63000"/>
+                <a:satMod val="120000"/>
+              </a:schemeClr>
+            </a:gs>
+          </a:gsLst>
+          <a:lin ang="5400000" scaled="0"/>
+        </a:gradFill>
+      </a:bgFillStyleLst>
+    </a:fmtScheme>
+  </a:themeElements>
+  <a:objectDefaults/>
+  <a:extraClrSchemeLst/>
+  <a:extLst>
+    <a:ext uri="{05A4C25C-085E-4340-85A3-A5531E510DB2}">
+      <thm15:themeFamily xmlns:thm15="http://schemas.microsoft.com/office/thememl/2012/main" name="Office Theme" id="{62F939B6-93AF-4DB8-9C6B-D6C7DFDC589F}" vid="{4A3C46E8-61CC-4603-A589-7422A47A8E4A}"/>
+    </a:ext>
+  </a:extLst>
+</a:theme>
+</file>
+
 <file path=ppt/theme/themeOverride1.xml><?xml version="1.0" encoding="utf-8"?>
 <a:themeOverride xmlns:a="http://schemas.openxmlformats.org/drawingml/2006/main">
   <a:clrScheme name="Office">
